--- a/說明.pptx
+++ b/說明.pptx
@@ -117,12 +117,33 @@
 </p:presentation>
 </file>
 
-<file path=ppt/revisionInfo.xml><?xml version="1.0" encoding="utf-8"?>
-<p1510:revInfo xmlns:a="http://schemas.openxmlformats.org/drawingml/2006/main" xmlns:r="http://schemas.openxmlformats.org/officeDocument/2006/relationships" xmlns:p1510="http://schemas.microsoft.com/office/powerpoint/2015/10/main">
-  <p1510:revLst>
-    <p1510:client id="{EB289C47-0661-444B-B180-5679F98C6196}" v="167" dt="2022-12-26T18:04:01.376"/>
-  </p1510:revLst>
-</p1510:revInfo>
+<file path=ppt/changesInfos/changesInfo1.xml><?xml version="1.0" encoding="utf-8"?>
+<pc:chgInfo xmlns:a="http://schemas.openxmlformats.org/drawingml/2006/main" xmlns:r="http://schemas.openxmlformats.org/officeDocument/2006/relationships" xmlns:ac="http://schemas.microsoft.com/office/drawing/2013/main/command" xmlns:pc="http://schemas.microsoft.com/office/powerpoint/2013/main/command">
+  <pc:docChgLst>
+    <pc:chgData name="智閎 范" userId="f3266fc41e4fe455" providerId="LiveId" clId="{4F604213-5077-4AE1-97B3-3EF5A655696D}"/>
+    <pc:docChg chg="modSld">
+      <pc:chgData name="智閎 范" userId="f3266fc41e4fe455" providerId="LiveId" clId="{4F604213-5077-4AE1-97B3-3EF5A655696D}" dt="2023-01-06T10:39:56.968" v="46" actId="20577"/>
+      <pc:docMkLst>
+        <pc:docMk/>
+      </pc:docMkLst>
+      <pc:sldChg chg="modSp">
+        <pc:chgData name="智閎 范" userId="f3266fc41e4fe455" providerId="LiveId" clId="{4F604213-5077-4AE1-97B3-3EF5A655696D}" dt="2023-01-06T10:39:56.968" v="46" actId="20577"/>
+        <pc:sldMkLst>
+          <pc:docMk/>
+          <pc:sldMk cId="1174125863" sldId="257"/>
+        </pc:sldMkLst>
+        <pc:graphicFrameChg chg="mod">
+          <ac:chgData name="智閎 范" userId="f3266fc41e4fe455" providerId="LiveId" clId="{4F604213-5077-4AE1-97B3-3EF5A655696D}" dt="2023-01-06T10:39:56.968" v="46" actId="20577"/>
+          <ac:graphicFrameMkLst>
+            <pc:docMk/>
+            <pc:sldMk cId="1174125863" sldId="257"/>
+            <ac:graphicFrameMk id="4" creationId="{24600411-681F-F568-3919-7298FE677A2E}"/>
+          </ac:graphicFrameMkLst>
+        </pc:graphicFrameChg>
+      </pc:sldChg>
+    </pc:docChg>
+  </pc:docChgLst>
+</pc:chgInfo>
 </file>
 
 <file path=ppt/diagrams/colors1.xml><?xml version="1.0" encoding="utf-8"?>
@@ -4699,35 +4720,7 @@
               <a:latin typeface="微軟正黑體" panose="020B0604030504040204" pitchFamily="34" charset="-120"/>
               <a:ea typeface="微軟正黑體" panose="020B0604030504040204" pitchFamily="34" charset="-120"/>
             </a:rPr>
-            <a:t>棋格（</a:t>
-          </a:r>
-          <a:r>
-            <a:rPr lang="en-US" altLang="zh-TW" b="1" dirty="0">
-              <a:latin typeface="微軟正黑體" panose="020B0604030504040204" pitchFamily="34" charset="-120"/>
-              <a:ea typeface="微軟正黑體" panose="020B0604030504040204" pitchFamily="34" charset="-120"/>
-            </a:rPr>
-            <a:t>10</a:t>
-          </a:r>
-          <a:r>
-            <a:rPr lang="zh-TW" altLang="en-US" b="1" dirty="0">
-              <a:latin typeface="微軟正黑體" panose="020B0604030504040204" pitchFamily="34" charset="-120"/>
-              <a:ea typeface="微軟正黑體" panose="020B0604030504040204" pitchFamily="34" charset="-120"/>
-            </a:rPr>
-            <a:t> * </a:t>
-          </a:r>
-          <a:r>
-            <a:rPr lang="en-US" altLang="zh-TW" b="1" dirty="0">
-              <a:latin typeface="微軟正黑體" panose="020B0604030504040204" pitchFamily="34" charset="-120"/>
-              <a:ea typeface="微軟正黑體" panose="020B0604030504040204" pitchFamily="34" charset="-120"/>
-            </a:rPr>
-            <a:t>20</a:t>
-          </a:r>
-          <a:r>
-            <a:rPr lang="zh-TW" altLang="en-US" b="1" dirty="0">
-              <a:latin typeface="微軟正黑體" panose="020B0604030504040204" pitchFamily="34" charset="-120"/>
-              <a:ea typeface="微軟正黑體" panose="020B0604030504040204" pitchFamily="34" charset="-120"/>
-            </a:rPr>
-            <a:t>格）</a:t>
+            <a:t>棋格：</a:t>
           </a:r>
         </a:p>
       </dgm:t>
@@ -4775,7 +4768,7 @@
               <a:latin typeface="微軟正黑體" panose="020B0604030504040204" pitchFamily="34" charset="-120"/>
               <a:ea typeface="微軟正黑體" panose="020B0604030504040204" pitchFamily="34" charset="-120"/>
             </a:rPr>
-            <a:t>過渡動畫（移動、攻擊、施放技能）</a:t>
+            <a:t>過渡動畫（移動、攻擊、施放技能）：</a:t>
           </a:r>
         </a:p>
       </dgm:t>
@@ -4820,18 +4813,11 @@
             <a:buNone/>
           </a:pPr>
           <a:r>
-            <a:rPr lang="en-US" altLang="zh-TW" b="1" dirty="0">
-              <a:latin typeface="微軟正黑體" panose="020B0604030504040204" pitchFamily="34" charset="-120"/>
-              <a:ea typeface="微軟正黑體" panose="020B0604030504040204" pitchFamily="34" charset="-120"/>
-            </a:rPr>
-            <a:t>—</a:t>
-          </a:r>
-          <a:r>
             <a:rPr lang="zh-TW" altLang="en-US" b="1" dirty="0">
               <a:latin typeface="微軟正黑體" panose="020B0604030504040204" pitchFamily="34" charset="-120"/>
               <a:ea typeface="微軟正黑體" panose="020B0604030504040204" pitchFamily="34" charset="-120"/>
             </a:rPr>
-            <a:t> 矩陣</a:t>
+            <a:t>矩陣</a:t>
           </a:r>
         </a:p>
       </dgm:t>
@@ -4890,7 +4876,7 @@
               <a:latin typeface="微軟正黑體" panose="020B0604030504040204" pitchFamily="34" charset="-120"/>
               <a:ea typeface="微軟正黑體" panose="020B0604030504040204" pitchFamily="34" charset="-120"/>
             </a:rPr>
-            <a:t>技能</a:t>
+            <a:t>技能：</a:t>
           </a:r>
         </a:p>
       </dgm:t>
@@ -5010,18 +4996,11 @@
             <a:buNone/>
           </a:pPr>
           <a:r>
-            <a:rPr lang="en-US" altLang="zh-TW" b="1" dirty="0">
-              <a:latin typeface="微軟正黑體" panose="020B0604030504040204" pitchFamily="34" charset="-120"/>
-              <a:ea typeface="微軟正黑體" panose="020B0604030504040204" pitchFamily="34" charset="-120"/>
-            </a:rPr>
-            <a:t>—</a:t>
-          </a:r>
-          <a:r>
             <a:rPr lang="zh-TW" altLang="en-US" b="1" dirty="0">
               <a:latin typeface="微軟正黑體" panose="020B0604030504040204" pitchFamily="34" charset="-120"/>
               <a:ea typeface="微軟正黑體" panose="020B0604030504040204" pitchFamily="34" charset="-120"/>
             </a:rPr>
-            <a:t> 一大堆的 </a:t>
+            <a:t>利用</a:t>
           </a:r>
           <a:r>
             <a:rPr lang="en-US" altLang="zh-TW" b="1" dirty="0">
@@ -5109,6 +5088,45 @@
           </a:endParaRPr>
         </a:p>
       </dgm:t>
+    </dgm:pt>
+    <dgm:pt modelId="{3CCAE9DB-14D5-4224-927D-D582FAA2523C}">
+      <dgm:prSet phldrT="[文字]"/>
+      <dgm:spPr/>
+      <dgm:t>
+        <a:bodyPr/>
+        <a:lstStyle/>
+        <a:p>
+          <a:pPr>
+            <a:buNone/>
+          </a:pPr>
+          <a:r>
+            <a:rPr lang="en-US" altLang="zh-TW" b="1" dirty="0" err="1">
+              <a:latin typeface="微軟正黑體" panose="020B0604030504040204" pitchFamily="34" charset="-120"/>
+              <a:ea typeface="微軟正黑體" panose="020B0604030504040204" pitchFamily="34" charset="-120"/>
+            </a:rPr>
+            <a:t>setTimeOut</a:t>
+          </a:r>
+          <a:r>
+            <a:rPr lang="en-US" altLang="zh-TW" b="1" dirty="0">
+              <a:latin typeface="微軟正黑體" panose="020B0604030504040204" pitchFamily="34" charset="-120"/>
+              <a:ea typeface="微軟正黑體" panose="020B0604030504040204" pitchFamily="34" charset="-120"/>
+            </a:rPr>
+            <a:t>()</a:t>
+          </a:r>
+          <a:endParaRPr lang="zh-TW" altLang="en-US" b="1" dirty="0">
+            <a:latin typeface="微軟正黑體" panose="020B0604030504040204" pitchFamily="34" charset="-120"/>
+            <a:ea typeface="微軟正黑體" panose="020B0604030504040204" pitchFamily="34" charset="-120"/>
+          </a:endParaRPr>
+        </a:p>
+      </dgm:t>
+    </dgm:pt>
+    <dgm:pt modelId="{7D1C3B8A-35D5-4B79-B544-5DD32901C39A}" type="parTrans" cxnId="{CF2B8820-92EE-47F5-9865-4C2F2E8200F6}">
+      <dgm:prSet/>
+      <dgm:spPr/>
+    </dgm:pt>
+    <dgm:pt modelId="{18C5F669-C6EC-4047-B13E-8E93753F582B}" type="sibTrans" cxnId="{CF2B8820-92EE-47F5-9865-4C2F2E8200F6}">
+      <dgm:prSet/>
+      <dgm:spPr/>
     </dgm:pt>
     <dgm:pt modelId="{DF3741AF-05B0-40FA-996C-378EC3915C2A}" type="pres">
       <dgm:prSet presAssocID="{6585EB23-FBDB-4292-83A2-19F9B9B17E30}" presName="linear" presStyleCnt="0">
@@ -5218,10 +5236,12 @@
   </dgm:ptLst>
   <dgm:cxnLst>
     <dgm:cxn modelId="{2B5ED518-7BD9-4CAF-927D-EA843BF9C606}" type="presOf" srcId="{4F19E311-49A6-4F77-B5CB-53BBA35BA802}" destId="{8D479DFD-05FA-40CC-B0B2-FBE17520714A}" srcOrd="0" destOrd="0" presId="urn:microsoft.com/office/officeart/2005/8/layout/list1"/>
+    <dgm:cxn modelId="{CF2B8820-92EE-47F5-9865-4C2F2E8200F6}" srcId="{7AFB5CD1-B701-4E0E-B59C-9978CA3089AB}" destId="{3CCAE9DB-14D5-4224-927D-D582FAA2523C}" srcOrd="1" destOrd="0" parTransId="{7D1C3B8A-35D5-4B79-B544-5DD32901C39A}" sibTransId="{18C5F669-C6EC-4047-B13E-8E93753F582B}"/>
     <dgm:cxn modelId="{CFB1FF26-327B-462C-B3CF-EBEC7CE0B25C}" srcId="{6585EB23-FBDB-4292-83A2-19F9B9B17E30}" destId="{E08E49B0-B80F-4E38-BFAF-62545B2E8BE6}" srcOrd="0" destOrd="0" parTransId="{276AA3D1-8175-4397-ACA0-5C963566B2E3}" sibTransId="{35887340-56A1-45CF-A853-ABCB00D1872D}"/>
     <dgm:cxn modelId="{48279429-A8AD-4EB5-8984-2D016FD25337}" type="presOf" srcId="{E08E49B0-B80F-4E38-BFAF-62545B2E8BE6}" destId="{9E7C354F-13D0-4757-A750-D5D02E866696}" srcOrd="0" destOrd="0" presId="urn:microsoft.com/office/officeart/2005/8/layout/list1"/>
     <dgm:cxn modelId="{02A24539-EEA1-465F-ABCF-DF89768919C1}" type="presOf" srcId="{7AFB5CD1-B701-4E0E-B59C-9978CA3089AB}" destId="{E81282E9-8A85-4326-B606-13CC59C59E5F}" srcOrd="1" destOrd="0" presId="urn:microsoft.com/office/officeart/2005/8/layout/list1"/>
     <dgm:cxn modelId="{5E8C5A3A-8297-44A9-9898-13582C2A74D3}" type="presOf" srcId="{A679C484-0087-4D55-9656-99EF6F757206}" destId="{67B32554-9A6D-433E-B498-885B16CE3A24}" srcOrd="1" destOrd="0" presId="urn:microsoft.com/office/officeart/2005/8/layout/list1"/>
+    <dgm:cxn modelId="{C6B77865-4C74-4C43-BE0B-41A42CA58D6A}" type="presOf" srcId="{3CCAE9DB-14D5-4224-927D-D582FAA2523C}" destId="{E4D89F47-82E1-4D09-8F52-D67062376A99}" srcOrd="0" destOrd="1" presId="urn:microsoft.com/office/officeart/2005/8/layout/list1"/>
     <dgm:cxn modelId="{88018C65-D27E-49F6-BA28-8F658E02BA50}" type="presOf" srcId="{0DFFA580-D27E-4AAF-A9B9-41D72F84B300}" destId="{E4D89F47-82E1-4D09-8F52-D67062376A99}" srcOrd="0" destOrd="0" presId="urn:microsoft.com/office/officeart/2005/8/layout/list1"/>
     <dgm:cxn modelId="{A2318567-685B-47CE-8129-7D964F501E34}" type="presOf" srcId="{D660D536-792D-4E25-B94A-333A427ABB42}" destId="{8D479DFD-05FA-40CC-B0B2-FBE17520714A}" srcOrd="0" destOrd="1" presId="urn:microsoft.com/office/officeart/2005/8/layout/list1"/>
     <dgm:cxn modelId="{4BDFFA6D-0EBB-46DC-AD67-DC4783B14ED8}" type="presOf" srcId="{6A8CE844-8120-4FB4-906E-FF87EC9319FD}" destId="{A8B1F5FD-D66F-4D1B-BC4C-8F074EA275AF}" srcOrd="0" destOrd="0" presId="urn:microsoft.com/office/officeart/2005/8/layout/list1"/>
@@ -6693,8 +6713,8 @@
       </dsp:nvSpPr>
       <dsp:spPr>
         <a:xfrm>
-          <a:off x="0" y="406841"/>
-          <a:ext cx="8128000" cy="1521449"/>
+          <a:off x="0" y="401688"/>
+          <a:ext cx="8128000" cy="1376550"/>
         </a:xfrm>
         <a:prstGeom prst="rect">
           <a:avLst/>
@@ -6734,12 +6754,12 @@
         <a:fontRef idx="minor"/>
       </dsp:style>
       <dsp:txBody>
-        <a:bodyPr spcFirstLastPara="0" vert="horz" wrap="square" lIns="630823" tIns="437388" rIns="630823" bIns="149352" numCol="1" spcCol="1270" anchor="t" anchorCtr="0">
+        <a:bodyPr spcFirstLastPara="0" vert="horz" wrap="square" lIns="630823" tIns="395732" rIns="630823" bIns="135128" numCol="1" spcCol="1270" anchor="t" anchorCtr="0">
           <a:noAutofit/>
         </a:bodyPr>
         <a:lstStyle/>
         <a:p>
-          <a:pPr marL="228600" lvl="1" indent="-228600" algn="l" defTabSz="933450">
+          <a:pPr marL="171450" lvl="1" indent="-171450" algn="l" defTabSz="844550">
             <a:lnSpc>
               <a:spcPct val="90000"/>
             </a:lnSpc>
@@ -6753,43 +6773,15 @@
             <a:buNone/>
           </a:pPr>
           <a:r>
-            <a:rPr lang="zh-TW" altLang="en-US" sz="2100" b="1" kern="1200" dirty="0">
+            <a:rPr lang="zh-TW" altLang="en-US" sz="1900" b="1" kern="1200" dirty="0">
               <a:latin typeface="微軟正黑體" panose="020B0604030504040204" pitchFamily="34" charset="-120"/>
               <a:ea typeface="微軟正黑體" panose="020B0604030504040204" pitchFamily="34" charset="-120"/>
             </a:rPr>
-            <a:t>棋格（</a:t>
-          </a:r>
-          <a:r>
-            <a:rPr lang="en-US" altLang="zh-TW" sz="2100" b="1" kern="1200" dirty="0">
-              <a:latin typeface="微軟正黑體" panose="020B0604030504040204" pitchFamily="34" charset="-120"/>
-              <a:ea typeface="微軟正黑體" panose="020B0604030504040204" pitchFamily="34" charset="-120"/>
-            </a:rPr>
-            <a:t>10</a:t>
-          </a:r>
-          <a:r>
-            <a:rPr lang="zh-TW" altLang="en-US" sz="2100" b="1" kern="1200" dirty="0">
-              <a:latin typeface="微軟正黑體" panose="020B0604030504040204" pitchFamily="34" charset="-120"/>
-              <a:ea typeface="微軟正黑體" panose="020B0604030504040204" pitchFamily="34" charset="-120"/>
-            </a:rPr>
-            <a:t> * </a:t>
-          </a:r>
-          <a:r>
-            <a:rPr lang="en-US" altLang="zh-TW" sz="2100" b="1" kern="1200" dirty="0">
-              <a:latin typeface="微軟正黑體" panose="020B0604030504040204" pitchFamily="34" charset="-120"/>
-              <a:ea typeface="微軟正黑體" panose="020B0604030504040204" pitchFamily="34" charset="-120"/>
-            </a:rPr>
-            <a:t>20</a:t>
-          </a:r>
-          <a:r>
-            <a:rPr lang="zh-TW" altLang="en-US" sz="2100" b="1" kern="1200" dirty="0">
-              <a:latin typeface="微軟正黑體" panose="020B0604030504040204" pitchFamily="34" charset="-120"/>
-              <a:ea typeface="微軟正黑體" panose="020B0604030504040204" pitchFamily="34" charset="-120"/>
-            </a:rPr>
-            <a:t>格）</a:t>
+            <a:t>棋格：</a:t>
           </a:r>
         </a:p>
         <a:p>
-          <a:pPr marL="228600" lvl="1" indent="-228600" algn="l" defTabSz="933450">
+          <a:pPr marL="171450" lvl="1" indent="-171450" algn="l" defTabSz="844550">
             <a:lnSpc>
               <a:spcPct val="90000"/>
             </a:lnSpc>
@@ -6803,24 +6795,17 @@
             <a:buNone/>
           </a:pPr>
           <a:r>
-            <a:rPr lang="en-US" altLang="zh-TW" sz="2100" b="1" kern="1200" dirty="0">
+            <a:rPr lang="zh-TW" altLang="en-US" sz="1900" b="1" kern="1200" dirty="0">
               <a:latin typeface="微軟正黑體" panose="020B0604030504040204" pitchFamily="34" charset="-120"/>
               <a:ea typeface="微軟正黑體" panose="020B0604030504040204" pitchFamily="34" charset="-120"/>
             </a:rPr>
-            <a:t>—</a:t>
-          </a:r>
-          <a:r>
-            <a:rPr lang="zh-TW" altLang="en-US" sz="2100" b="1" kern="1200" dirty="0">
-              <a:latin typeface="微軟正黑體" panose="020B0604030504040204" pitchFamily="34" charset="-120"/>
-              <a:ea typeface="微軟正黑體" panose="020B0604030504040204" pitchFamily="34" charset="-120"/>
-            </a:rPr>
-            <a:t> 矩陣</a:t>
+            <a:t>矩陣</a:t>
           </a:r>
         </a:p>
       </dsp:txBody>
       <dsp:txXfrm>
-        <a:off x="0" y="406841"/>
-        <a:ext cx="8128000" cy="1521449"/>
+        <a:off x="0" y="401688"/>
+        <a:ext cx="8128000" cy="1376550"/>
       </dsp:txXfrm>
     </dsp:sp>
     <dsp:sp modelId="{65E24E42-1295-4633-AB7F-ABECAC4BBE10}">
@@ -6830,8 +6815,8 @@
       </dsp:nvSpPr>
       <dsp:spPr>
         <a:xfrm>
-          <a:off x="406400" y="96881"/>
-          <a:ext cx="5689600" cy="619920"/>
+          <a:off x="406400" y="121248"/>
+          <a:ext cx="5689600" cy="560880"/>
         </a:xfrm>
         <a:prstGeom prst="roundRect">
           <a:avLst/>
@@ -6877,7 +6862,7 @@
         </a:bodyPr>
         <a:lstStyle/>
         <a:p>
-          <a:pPr marL="0" lvl="0" indent="0" algn="l" defTabSz="933450">
+          <a:pPr marL="0" lvl="0" indent="0" algn="l" defTabSz="844550">
             <a:lnSpc>
               <a:spcPct val="90000"/>
             </a:lnSpc>
@@ -6890,21 +6875,21 @@
             <a:buNone/>
           </a:pPr>
           <a:r>
-            <a:rPr lang="zh-TW" altLang="en-US" sz="2100" b="1" kern="1200" dirty="0">
+            <a:rPr lang="zh-TW" altLang="en-US" sz="1900" b="1" kern="1200" dirty="0">
               <a:latin typeface="微軟正黑體" panose="020B0604030504040204" pitchFamily="34" charset="-120"/>
               <a:ea typeface="微軟正黑體" panose="020B0604030504040204" pitchFamily="34" charset="-120"/>
             </a:rPr>
             <a:t>棋盤 </a:t>
           </a:r>
           <a:r>
-            <a:rPr lang="en-US" altLang="zh-TW" sz="2100" b="1" kern="1200" dirty="0">
+            <a:rPr lang="en-US" altLang="zh-TW" sz="1900" b="1" kern="1200" dirty="0">
               <a:latin typeface="微軟正黑體" panose="020B0604030504040204" pitchFamily="34" charset="-120"/>
               <a:ea typeface="微軟正黑體" panose="020B0604030504040204" pitchFamily="34" charset="-120"/>
             </a:rPr>
             <a:t>+</a:t>
           </a:r>
           <a:r>
-            <a:rPr lang="zh-TW" altLang="en-US" sz="2100" b="1" kern="1200" dirty="0">
+            <a:rPr lang="zh-TW" altLang="en-US" sz="1900" b="1" kern="1200" dirty="0">
               <a:latin typeface="微軟正黑體" panose="020B0604030504040204" pitchFamily="34" charset="-120"/>
               <a:ea typeface="微軟正黑體" panose="020B0604030504040204" pitchFamily="34" charset="-120"/>
             </a:rPr>
@@ -6913,8 +6898,8 @@
         </a:p>
       </dsp:txBody>
       <dsp:txXfrm>
-        <a:off x="436662" y="127143"/>
-        <a:ext cx="5629076" cy="559396"/>
+        <a:off x="433780" y="148628"/>
+        <a:ext cx="5634840" cy="506120"/>
       </dsp:txXfrm>
     </dsp:sp>
     <dsp:sp modelId="{8D479DFD-05FA-40CC-B0B2-FBE17520714A}">
@@ -6924,8 +6909,8 @@
       </dsp:nvSpPr>
       <dsp:spPr>
         <a:xfrm>
-          <a:off x="0" y="2351651"/>
-          <a:ext cx="8128000" cy="1521449"/>
+          <a:off x="0" y="2161278"/>
+          <a:ext cx="8128000" cy="1376550"/>
         </a:xfrm>
         <a:prstGeom prst="rect">
           <a:avLst/>
@@ -6965,12 +6950,12 @@
         <a:fontRef idx="minor"/>
       </dsp:style>
       <dsp:txBody>
-        <a:bodyPr spcFirstLastPara="0" vert="horz" wrap="square" lIns="630823" tIns="437388" rIns="630823" bIns="149352" numCol="1" spcCol="1270" anchor="t" anchorCtr="0">
+        <a:bodyPr spcFirstLastPara="0" vert="horz" wrap="square" lIns="630823" tIns="395732" rIns="630823" bIns="135128" numCol="1" spcCol="1270" anchor="t" anchorCtr="0">
           <a:noAutofit/>
         </a:bodyPr>
         <a:lstStyle/>
         <a:p>
-          <a:pPr marL="228600" lvl="1" indent="-228600" algn="l" defTabSz="933450">
+          <a:pPr marL="171450" lvl="1" indent="-171450" algn="l" defTabSz="844550">
             <a:lnSpc>
               <a:spcPct val="90000"/>
             </a:lnSpc>
@@ -6983,35 +6968,35 @@
             <a:buNone/>
           </a:pPr>
           <a:r>
-            <a:rPr lang="zh-TW" altLang="en-US" sz="2100" b="1" kern="1200" dirty="0">
+            <a:rPr lang="zh-TW" altLang="en-US" sz="1900" b="1" kern="1200" dirty="0">
               <a:latin typeface="微軟正黑體" panose="020B0604030504040204" pitchFamily="34" charset="-120"/>
               <a:ea typeface="微軟正黑體" panose="020B0604030504040204" pitchFamily="34" charset="-120"/>
             </a:rPr>
             <a:t>生命值、攻擊力、防禦</a:t>
           </a:r>
           <a:r>
-            <a:rPr lang="en-US" altLang="zh-TW" sz="2100" b="1" kern="1200" dirty="0">
+            <a:rPr lang="en-US" altLang="zh-TW" sz="1900" b="1" kern="1200" dirty="0">
               <a:latin typeface="微軟正黑體" panose="020B0604030504040204" pitchFamily="34" charset="-120"/>
               <a:ea typeface="微軟正黑體" panose="020B0604030504040204" pitchFamily="34" charset="-120"/>
             </a:rPr>
             <a:t>……</a:t>
           </a:r>
           <a:r>
-            <a:rPr lang="zh-TW" altLang="en-US" sz="2100" b="1" kern="1200" dirty="0">
+            <a:rPr lang="zh-TW" altLang="en-US" sz="1900" b="1" kern="1200" dirty="0">
               <a:latin typeface="微軟正黑體" panose="020B0604030504040204" pitchFamily="34" charset="-120"/>
               <a:ea typeface="微軟正黑體" panose="020B0604030504040204" pitchFamily="34" charset="-120"/>
             </a:rPr>
             <a:t>等數值 </a:t>
           </a:r>
           <a:r>
-            <a:rPr lang="en-US" altLang="zh-TW" sz="2100" b="1" kern="1200" dirty="0">
+            <a:rPr lang="en-US" altLang="zh-TW" sz="1900" b="1" kern="1200" dirty="0">
               <a:latin typeface="微軟正黑體" panose="020B0604030504040204" pitchFamily="34" charset="-120"/>
               <a:ea typeface="微軟正黑體" panose="020B0604030504040204" pitchFamily="34" charset="-120"/>
             </a:rPr>
             <a:t>+ </a:t>
           </a:r>
           <a:r>
-            <a:rPr lang="zh-TW" altLang="en-US" sz="2100" b="1" kern="1200" dirty="0">
+            <a:rPr lang="zh-TW" altLang="en-US" sz="1900" b="1" kern="1200" dirty="0">
               <a:latin typeface="微軟正黑體" panose="020B0604030504040204" pitchFamily="34" charset="-120"/>
               <a:ea typeface="微軟正黑體" panose="020B0604030504040204" pitchFamily="34" charset="-120"/>
             </a:rPr>
@@ -7019,7 +7004,7 @@
           </a:r>
         </a:p>
         <a:p>
-          <a:pPr marL="228600" lvl="1" indent="-228600" algn="l" defTabSz="933450">
+          <a:pPr marL="171450" lvl="1" indent="-171450" algn="l" defTabSz="844550">
             <a:lnSpc>
               <a:spcPct val="90000"/>
             </a:lnSpc>
@@ -7032,35 +7017,28 @@
             <a:buNone/>
           </a:pPr>
           <a:r>
-            <a:rPr lang="en-US" altLang="zh-TW" sz="2100" b="1" kern="1200" dirty="0">
+            <a:rPr lang="zh-TW" altLang="en-US" sz="1900" b="1" kern="1200" dirty="0">
               <a:latin typeface="微軟正黑體" panose="020B0604030504040204" pitchFamily="34" charset="-120"/>
               <a:ea typeface="微軟正黑體" panose="020B0604030504040204" pitchFamily="34" charset="-120"/>
             </a:rPr>
-            <a:t>—</a:t>
+            <a:t>利用</a:t>
           </a:r>
           <a:r>
-            <a:rPr lang="zh-TW" altLang="en-US" sz="2100" b="1" kern="1200" dirty="0">
-              <a:latin typeface="微軟正黑體" panose="020B0604030504040204" pitchFamily="34" charset="-120"/>
-              <a:ea typeface="微軟正黑體" panose="020B0604030504040204" pitchFamily="34" charset="-120"/>
-            </a:rPr>
-            <a:t> 一大堆的 </a:t>
-          </a:r>
-          <a:r>
-            <a:rPr lang="en-US" altLang="zh-TW" sz="2100" b="1" kern="1200" dirty="0">
+            <a:rPr lang="en-US" altLang="zh-TW" sz="1900" b="1" kern="1200" dirty="0">
               <a:latin typeface="微軟正黑體" panose="020B0604030504040204" pitchFamily="34" charset="-120"/>
               <a:ea typeface="微軟正黑體" panose="020B0604030504040204" pitchFamily="34" charset="-120"/>
             </a:rPr>
             <a:t>object</a:t>
           </a:r>
-          <a:endParaRPr lang="zh-TW" altLang="en-US" sz="2100" b="1" kern="1200" dirty="0">
+          <a:endParaRPr lang="zh-TW" altLang="en-US" sz="1900" b="1" kern="1200" dirty="0">
             <a:latin typeface="微軟正黑體" panose="020B0604030504040204" pitchFamily="34" charset="-120"/>
             <a:ea typeface="微軟正黑體" panose="020B0604030504040204" pitchFamily="34" charset="-120"/>
           </a:endParaRPr>
         </a:p>
       </dsp:txBody>
       <dsp:txXfrm>
-        <a:off x="0" y="2351651"/>
-        <a:ext cx="8128000" cy="1521449"/>
+        <a:off x="0" y="2161278"/>
+        <a:ext cx="8128000" cy="1376550"/>
       </dsp:txXfrm>
     </dsp:sp>
     <dsp:sp modelId="{67B32554-9A6D-433E-B498-885B16CE3A24}">
@@ -7070,8 +7048,8 @@
       </dsp:nvSpPr>
       <dsp:spPr>
         <a:xfrm>
-          <a:off x="406400" y="2041691"/>
-          <a:ext cx="5689600" cy="619920"/>
+          <a:off x="406400" y="1880838"/>
+          <a:ext cx="5689600" cy="560880"/>
         </a:xfrm>
         <a:prstGeom prst="roundRect">
           <a:avLst/>
@@ -7117,7 +7095,7 @@
         </a:bodyPr>
         <a:lstStyle/>
         <a:p>
-          <a:pPr marL="0" lvl="0" indent="0" algn="l" defTabSz="933450">
+          <a:pPr marL="0" lvl="0" indent="0" algn="l" defTabSz="844550">
             <a:lnSpc>
               <a:spcPct val="90000"/>
             </a:lnSpc>
@@ -7130,31 +7108,31 @@
             <a:buNone/>
           </a:pPr>
           <a:r>
-            <a:rPr lang="zh-TW" altLang="en-US" sz="2100" b="1" kern="1200" dirty="0">
+            <a:rPr lang="zh-TW" altLang="en-US" sz="1900" b="1" kern="1200" dirty="0">
               <a:latin typeface="微軟正黑體" panose="020B0604030504040204" pitchFamily="34" charset="-120"/>
               <a:ea typeface="微軟正黑體" panose="020B0604030504040204" pitchFamily="34" charset="-120"/>
             </a:rPr>
             <a:t>角色數值 </a:t>
           </a:r>
           <a:r>
-            <a:rPr lang="en-US" altLang="zh-TW" sz="2100" b="1" kern="1200" dirty="0">
+            <a:rPr lang="en-US" altLang="zh-TW" sz="1900" b="1" kern="1200" dirty="0">
               <a:latin typeface="微軟正黑體" panose="020B0604030504040204" pitchFamily="34" charset="-120"/>
               <a:ea typeface="微軟正黑體" panose="020B0604030504040204" pitchFamily="34" charset="-120"/>
             </a:rPr>
             <a:t>+ </a:t>
           </a:r>
           <a:r>
-            <a:rPr lang="zh-TW" altLang="en-US" sz="2100" b="1" kern="1200" dirty="0">
+            <a:rPr lang="zh-TW" altLang="en-US" sz="1900" b="1" kern="1200" dirty="0">
               <a:latin typeface="微軟正黑體" panose="020B0604030504040204" pitchFamily="34" charset="-120"/>
               <a:ea typeface="微軟正黑體" panose="020B0604030504040204" pitchFamily="34" charset="-120"/>
             </a:rPr>
-            <a:t>技能</a:t>
+            <a:t>技能：</a:t>
           </a:r>
         </a:p>
       </dsp:txBody>
       <dsp:txXfrm>
-        <a:off x="436662" y="2071953"/>
-        <a:ext cx="5629076" cy="559396"/>
+        <a:off x="433780" y="1908218"/>
+        <a:ext cx="5634840" cy="506120"/>
       </dsp:txXfrm>
     </dsp:sp>
     <dsp:sp modelId="{E4D89F47-82E1-4D09-8F52-D67062376A99}">
@@ -7164,8 +7142,8 @@
       </dsp:nvSpPr>
       <dsp:spPr>
         <a:xfrm>
-          <a:off x="0" y="4288526"/>
-          <a:ext cx="8128000" cy="1025325"/>
+          <a:off x="0" y="3913689"/>
+          <a:ext cx="8128000" cy="1376550"/>
         </a:xfrm>
         <a:prstGeom prst="rect">
           <a:avLst/>
@@ -7205,12 +7183,12 @@
         <a:fontRef idx="minor"/>
       </dsp:style>
       <dsp:txBody>
-        <a:bodyPr spcFirstLastPara="0" vert="horz" wrap="square" lIns="630823" tIns="437388" rIns="630823" bIns="149352" numCol="1" spcCol="1270" anchor="t" anchorCtr="0">
+        <a:bodyPr spcFirstLastPara="0" vert="horz" wrap="square" lIns="630823" tIns="395732" rIns="630823" bIns="135128" numCol="1" spcCol="1270" anchor="t" anchorCtr="0">
           <a:noAutofit/>
         </a:bodyPr>
         <a:lstStyle/>
         <a:p>
-          <a:pPr marL="228600" lvl="1" indent="-228600" algn="l" defTabSz="933450">
+          <a:pPr marL="171450" lvl="1" indent="-171450" algn="l" defTabSz="844550">
             <a:lnSpc>
               <a:spcPct val="90000"/>
             </a:lnSpc>
@@ -7223,17 +7201,49 @@
             <a:buNone/>
           </a:pPr>
           <a:r>
-            <a:rPr lang="zh-TW" altLang="en-US" sz="2100" b="1" kern="1200" dirty="0">
+            <a:rPr lang="zh-TW" altLang="en-US" sz="1900" b="1" kern="1200" dirty="0">
               <a:latin typeface="微軟正黑體" panose="020B0604030504040204" pitchFamily="34" charset="-120"/>
               <a:ea typeface="微軟正黑體" panose="020B0604030504040204" pitchFamily="34" charset="-120"/>
             </a:rPr>
-            <a:t>過渡動畫（移動、攻擊、施放技能）</a:t>
+            <a:t>過渡動畫（移動、攻擊、施放技能）：</a:t>
           </a:r>
+        </a:p>
+        <a:p>
+          <a:pPr marL="171450" lvl="1" indent="-171450" algn="l" defTabSz="844550">
+            <a:lnSpc>
+              <a:spcPct val="90000"/>
+            </a:lnSpc>
+            <a:spcBef>
+              <a:spcPct val="0"/>
+            </a:spcBef>
+            <a:spcAft>
+              <a:spcPct val="15000"/>
+            </a:spcAft>
+            <a:buNone/>
+          </a:pPr>
+          <a:r>
+            <a:rPr lang="en-US" altLang="zh-TW" sz="1900" b="1" kern="1200" dirty="0" err="1">
+              <a:latin typeface="微軟正黑體" panose="020B0604030504040204" pitchFamily="34" charset="-120"/>
+              <a:ea typeface="微軟正黑體" panose="020B0604030504040204" pitchFamily="34" charset="-120"/>
+            </a:rPr>
+            <a:t>setTimeOut</a:t>
+          </a:r>
+          <a:r>
+            <a:rPr lang="en-US" altLang="zh-TW" sz="1900" b="1" kern="1200" dirty="0">
+              <a:latin typeface="微軟正黑體" panose="020B0604030504040204" pitchFamily="34" charset="-120"/>
+              <a:ea typeface="微軟正黑體" panose="020B0604030504040204" pitchFamily="34" charset="-120"/>
+            </a:rPr>
+            <a:t>()</a:t>
+          </a:r>
+          <a:endParaRPr lang="zh-TW" altLang="en-US" sz="1900" b="1" kern="1200" dirty="0">
+            <a:latin typeface="微軟正黑體" panose="020B0604030504040204" pitchFamily="34" charset="-120"/>
+            <a:ea typeface="微軟正黑體" panose="020B0604030504040204" pitchFamily="34" charset="-120"/>
+          </a:endParaRPr>
         </a:p>
       </dsp:txBody>
       <dsp:txXfrm>
-        <a:off x="0" y="4288526"/>
-        <a:ext cx="8128000" cy="1025325"/>
+        <a:off x="0" y="3913689"/>
+        <a:ext cx="8128000" cy="1376550"/>
       </dsp:txXfrm>
     </dsp:sp>
     <dsp:sp modelId="{E81282E9-8A85-4326-B606-13CC59C59E5F}">
@@ -7243,8 +7253,8 @@
       </dsp:nvSpPr>
       <dsp:spPr>
         <a:xfrm>
-          <a:off x="406400" y="3986501"/>
-          <a:ext cx="5689600" cy="619920"/>
+          <a:off x="406400" y="3640428"/>
+          <a:ext cx="5689600" cy="560880"/>
         </a:xfrm>
         <a:prstGeom prst="roundRect">
           <a:avLst/>
@@ -7290,7 +7300,7 @@
         </a:bodyPr>
         <a:lstStyle/>
         <a:p>
-          <a:pPr marL="0" lvl="0" indent="0" algn="l" defTabSz="933450">
+          <a:pPr marL="0" lvl="0" indent="0" algn="l" defTabSz="844550">
             <a:lnSpc>
               <a:spcPct val="90000"/>
             </a:lnSpc>
@@ -7303,7 +7313,7 @@
             <a:buNone/>
           </a:pPr>
           <a:r>
-            <a:rPr lang="zh-TW" altLang="en-US" sz="2100" b="1" kern="1200" dirty="0">
+            <a:rPr lang="zh-TW" altLang="en-US" sz="1900" b="1" kern="1200" dirty="0">
               <a:latin typeface="微軟正黑體" panose="020B0604030504040204" pitchFamily="34" charset="-120"/>
               <a:ea typeface="微軟正黑體" panose="020B0604030504040204" pitchFamily="34" charset="-120"/>
             </a:rPr>
@@ -7312,8 +7322,8 @@
         </a:p>
       </dsp:txBody>
       <dsp:txXfrm>
-        <a:off x="436662" y="4016763"/>
-        <a:ext cx="5629076" cy="559396"/>
+        <a:off x="433780" y="3667808"/>
+        <a:ext cx="5634840" cy="506120"/>
       </dsp:txXfrm>
     </dsp:sp>
   </dsp:spTree>
@@ -15369,7 +15379,7 @@
           <a:effectLst/>
           <a:extLst>
             <a:ext uri="{91240B29-F687-4f45-9708-019B960494DF}">
-              <a14:hiddenLine xmlns:a14="http://schemas.microsoft.com/office/drawing/2010/main" xmlns="" w="9525">
+              <a14:hiddenLine xmlns="" xmlns:a14="http://schemas.microsoft.com/office/drawing/2010/main" w="9525">
                 <a:solidFill>
                   <a:srgbClr val="000000"/>
                 </a:solidFill>
@@ -16891,7 +16901,7 @@
           <a:ln/>
           <a:extLst>
             <a:ext uri="{91240B29-F687-4f45-9708-019B960494DF}">
-              <a14:hiddenLine xmlns:a14="http://schemas.microsoft.com/office/drawing/2010/main" xmlns="" w="9525">
+              <a14:hiddenLine xmlns="" xmlns:a14="http://schemas.microsoft.com/office/drawing/2010/main" w="9525">
                 <a:solidFill>
                   <a:srgbClr val="000000"/>
                 </a:solidFill>
@@ -17166,7 +17176,7 @@
           <a:ln/>
           <a:extLst>
             <a:ext uri="{91240B29-F687-4f45-9708-019B960494DF}">
-              <a14:hiddenLine xmlns:a14="http://schemas.microsoft.com/office/drawing/2010/main" xmlns="" w="9525">
+              <a14:hiddenLine xmlns="" xmlns:a14="http://schemas.microsoft.com/office/drawing/2010/main" w="9525">
                 <a:solidFill>
                   <a:srgbClr val="000000"/>
                 </a:solidFill>
@@ -17449,7 +17459,7 @@
           <a:ln/>
           <a:extLst>
             <a:ext uri="{91240B29-F687-4f45-9708-019B960494DF}">
-              <a14:hiddenLine xmlns:a14="http://schemas.microsoft.com/office/drawing/2010/main" xmlns="" w="9525">
+              <a14:hiddenLine xmlns="" xmlns:a14="http://schemas.microsoft.com/office/drawing/2010/main" w="9525">
                 <a:solidFill>
                   <a:srgbClr val="000000"/>
                 </a:solidFill>
@@ -18075,7 +18085,7 @@
           <a:ln/>
           <a:extLst>
             <a:ext uri="{91240B29-F687-4f45-9708-019B960494DF}">
-              <a14:hiddenLine xmlns:a14="http://schemas.microsoft.com/office/drawing/2010/main" xmlns="" w="9525">
+              <a14:hiddenLine xmlns="" xmlns:a14="http://schemas.microsoft.com/office/drawing/2010/main" w="9525">
                 <a:solidFill>
                   <a:srgbClr val="000000"/>
                 </a:solidFill>
@@ -18414,7 +18424,7 @@
           <a:ln/>
           <a:extLst>
             <a:ext uri="{91240B29-F687-4f45-9708-019B960494DF}">
-              <a14:hiddenLine xmlns:a14="http://schemas.microsoft.com/office/drawing/2010/main" xmlns="" w="9525">
+              <a14:hiddenLine xmlns="" xmlns:a14="http://schemas.microsoft.com/office/drawing/2010/main" w="9525">
                 <a:solidFill>
                   <a:srgbClr val="000000"/>
                 </a:solidFill>
@@ -18891,7 +18901,7 @@
           <a:ln/>
           <a:extLst>
             <a:ext uri="{91240B29-F687-4f45-9708-019B960494DF}">
-              <a14:hiddenLine xmlns:a14="http://schemas.microsoft.com/office/drawing/2010/main" xmlns="" w="9525">
+              <a14:hiddenLine xmlns="" xmlns:a14="http://schemas.microsoft.com/office/drawing/2010/main" w="9525">
                 <a:solidFill>
                   <a:srgbClr val="000000"/>
                 </a:solidFill>
@@ -19320,7 +19330,7 @@
           <a:ln/>
           <a:extLst>
             <a:ext uri="{91240B29-F687-4f45-9708-019B960494DF}">
-              <a14:hiddenLine xmlns:a14="http://schemas.microsoft.com/office/drawing/2010/main" xmlns="" w="9525">
+              <a14:hiddenLine xmlns="" xmlns:a14="http://schemas.microsoft.com/office/drawing/2010/main" w="9525">
                 <a:solidFill>
                   <a:srgbClr val="000000"/>
                 </a:solidFill>
@@ -20802,7 +20812,7 @@
           <p:nvPr>
             <p:extLst>
               <p:ext uri="{D42A27DB-BD31-4B8C-83A1-F6EECF244321}">
-                <p14:modId xmlns:p14="http://schemas.microsoft.com/office/powerpoint/2010/main" val="1081622480"/>
+                <p14:modId xmlns:p14="http://schemas.microsoft.com/office/powerpoint/2010/main" val="2650189024"/>
               </p:ext>
             </p:extLst>
           </p:nvPr>

--- a/說明.pptx
+++ b/說明.pptx
@@ -6,11 +6,18 @@
   </p:sldMasterIdLst>
   <p:sldIdLst>
     <p:sldId id="256" r:id="rId2"/>
-    <p:sldId id="260" r:id="rId3"/>
-    <p:sldId id="257" r:id="rId4"/>
-    <p:sldId id="259" r:id="rId5"/>
-    <p:sldId id="261" r:id="rId6"/>
-    <p:sldId id="262" r:id="rId7"/>
+    <p:sldId id="263" r:id="rId3"/>
+    <p:sldId id="264" r:id="rId4"/>
+    <p:sldId id="265" r:id="rId5"/>
+    <p:sldId id="267" r:id="rId6"/>
+    <p:sldId id="266" r:id="rId7"/>
+    <p:sldId id="268" r:id="rId8"/>
+    <p:sldId id="269" r:id="rId9"/>
+    <p:sldId id="270" r:id="rId10"/>
+    <p:sldId id="260" r:id="rId11"/>
+    <p:sldId id="257" r:id="rId12"/>
+    <p:sldId id="261" r:id="rId13"/>
+    <p:sldId id="262" r:id="rId14"/>
   </p:sldIdLst>
   <p:sldSz cx="12192000" cy="6858000"/>
   <p:notesSz cx="6858000" cy="9144000"/>
@@ -121,25 +128,280 @@
 <pc:chgInfo xmlns:a="http://schemas.openxmlformats.org/drawingml/2006/main" xmlns:r="http://schemas.openxmlformats.org/officeDocument/2006/relationships" xmlns:ac="http://schemas.microsoft.com/office/drawing/2013/main/command" xmlns:pc="http://schemas.microsoft.com/office/powerpoint/2013/main/command">
   <pc:docChgLst>
     <pc:chgData name="智閎 范" userId="f3266fc41e4fe455" providerId="LiveId" clId="{4F604213-5077-4AE1-97B3-3EF5A655696D}"/>
-    <pc:docChg chg="modSld">
-      <pc:chgData name="智閎 范" userId="f3266fc41e4fe455" providerId="LiveId" clId="{4F604213-5077-4AE1-97B3-3EF5A655696D}" dt="2023-01-06T10:39:56.968" v="46" actId="20577"/>
+    <pc:docChg chg="undo custSel addSld delSld modSld sldOrd">
+      <pc:chgData name="智閎 范" userId="f3266fc41e4fe455" providerId="LiveId" clId="{4F604213-5077-4AE1-97B3-3EF5A655696D}" dt="2023-01-06T13:20:31.378" v="4550" actId="1076"/>
       <pc:docMkLst>
         <pc:docMk/>
       </pc:docMkLst>
       <pc:sldChg chg="modSp">
-        <pc:chgData name="智閎 范" userId="f3266fc41e4fe455" providerId="LiveId" clId="{4F604213-5077-4AE1-97B3-3EF5A655696D}" dt="2023-01-06T10:39:56.968" v="46" actId="20577"/>
+        <pc:chgData name="智閎 范" userId="f3266fc41e4fe455" providerId="LiveId" clId="{4F604213-5077-4AE1-97B3-3EF5A655696D}" dt="2023-01-06T12:15:05.066" v="57" actId="20577"/>
         <pc:sldMkLst>
           <pc:docMk/>
           <pc:sldMk cId="1174125863" sldId="257"/>
         </pc:sldMkLst>
         <pc:graphicFrameChg chg="mod">
-          <ac:chgData name="智閎 范" userId="f3266fc41e4fe455" providerId="LiveId" clId="{4F604213-5077-4AE1-97B3-3EF5A655696D}" dt="2023-01-06T10:39:56.968" v="46" actId="20577"/>
+          <ac:chgData name="智閎 范" userId="f3266fc41e4fe455" providerId="LiveId" clId="{4F604213-5077-4AE1-97B3-3EF5A655696D}" dt="2023-01-06T12:15:05.066" v="57" actId="20577"/>
           <ac:graphicFrameMkLst>
             <pc:docMk/>
             <pc:sldMk cId="1174125863" sldId="257"/>
             <ac:graphicFrameMk id="4" creationId="{24600411-681F-F568-3919-7298FE677A2E}"/>
           </ac:graphicFrameMkLst>
         </pc:graphicFrameChg>
+      </pc:sldChg>
+      <pc:sldChg chg="del">
+        <pc:chgData name="智閎 范" userId="f3266fc41e4fe455" providerId="LiveId" clId="{4F604213-5077-4AE1-97B3-3EF5A655696D}" dt="2023-01-06T12:15:19.109" v="58" actId="47"/>
+        <pc:sldMkLst>
+          <pc:docMk/>
+          <pc:sldMk cId="3662656075" sldId="259"/>
+        </pc:sldMkLst>
+      </pc:sldChg>
+      <pc:sldChg chg="modSp new mod">
+        <pc:chgData name="智閎 范" userId="f3266fc41e4fe455" providerId="LiveId" clId="{4F604213-5077-4AE1-97B3-3EF5A655696D}" dt="2023-01-06T12:25:52.666" v="758" actId="20577"/>
+        <pc:sldMkLst>
+          <pc:docMk/>
+          <pc:sldMk cId="540517780" sldId="263"/>
+        </pc:sldMkLst>
+        <pc:spChg chg="mod">
+          <ac:chgData name="智閎 范" userId="f3266fc41e4fe455" providerId="LiveId" clId="{4F604213-5077-4AE1-97B3-3EF5A655696D}" dt="2023-01-06T12:16:02.972" v="74" actId="2711"/>
+          <ac:spMkLst>
+            <pc:docMk/>
+            <pc:sldMk cId="540517780" sldId="263"/>
+            <ac:spMk id="2" creationId="{7221F0F6-2848-C631-62D2-87130C6DE8A7}"/>
+          </ac:spMkLst>
+        </pc:spChg>
+        <pc:spChg chg="mod">
+          <ac:chgData name="智閎 范" userId="f3266fc41e4fe455" providerId="LiveId" clId="{4F604213-5077-4AE1-97B3-3EF5A655696D}" dt="2023-01-06T12:25:52.666" v="758" actId="20577"/>
+          <ac:spMkLst>
+            <pc:docMk/>
+            <pc:sldMk cId="540517780" sldId="263"/>
+            <ac:spMk id="3" creationId="{88A488F1-D010-D101-0AC0-69A4FD2FF09F}"/>
+          </ac:spMkLst>
+        </pc:spChg>
+      </pc:sldChg>
+      <pc:sldChg chg="addSp delSp modSp new mod">
+        <pc:chgData name="智閎 范" userId="f3266fc41e4fe455" providerId="LiveId" clId="{4F604213-5077-4AE1-97B3-3EF5A655696D}" dt="2023-01-06T13:20:31.378" v="4550" actId="1076"/>
+        <pc:sldMkLst>
+          <pc:docMk/>
+          <pc:sldMk cId="1955338433" sldId="264"/>
+        </pc:sldMkLst>
+        <pc:spChg chg="mod">
+          <ac:chgData name="智閎 范" userId="f3266fc41e4fe455" providerId="LiveId" clId="{4F604213-5077-4AE1-97B3-3EF5A655696D}" dt="2023-01-06T12:33:54.544" v="1116" actId="20577"/>
+          <ac:spMkLst>
+            <pc:docMk/>
+            <pc:sldMk cId="1955338433" sldId="264"/>
+            <ac:spMk id="2" creationId="{04160999-A3FD-5D16-58FD-EEFF015C1B51}"/>
+          </ac:spMkLst>
+        </pc:spChg>
+        <pc:spChg chg="del">
+          <ac:chgData name="智閎 范" userId="f3266fc41e4fe455" providerId="LiveId" clId="{4F604213-5077-4AE1-97B3-3EF5A655696D}" dt="2023-01-06T12:24:41.580" v="701" actId="22"/>
+          <ac:spMkLst>
+            <pc:docMk/>
+            <pc:sldMk cId="1955338433" sldId="264"/>
+            <ac:spMk id="3" creationId="{1B5B8D3F-E6F8-7090-8927-D5A318137644}"/>
+          </ac:spMkLst>
+        </pc:spChg>
+        <pc:spChg chg="add mod">
+          <ac:chgData name="智閎 范" userId="f3266fc41e4fe455" providerId="LiveId" clId="{4F604213-5077-4AE1-97B3-3EF5A655696D}" dt="2023-01-06T12:27:57.944" v="831" actId="113"/>
+          <ac:spMkLst>
+            <pc:docMk/>
+            <pc:sldMk cId="1955338433" sldId="264"/>
+            <ac:spMk id="6" creationId="{1808E002-8F46-DB5A-3CB6-C1CD45D768AA}"/>
+          </ac:spMkLst>
+        </pc:spChg>
+        <pc:spChg chg="add del mod">
+          <ac:chgData name="智閎 范" userId="f3266fc41e4fe455" providerId="LiveId" clId="{4F604213-5077-4AE1-97B3-3EF5A655696D}" dt="2023-01-06T13:20:20.643" v="4539" actId="478"/>
+          <ac:spMkLst>
+            <pc:docMk/>
+            <pc:sldMk cId="1955338433" sldId="264"/>
+            <ac:spMk id="7" creationId="{E20157DD-567E-BC70-95E5-7A7DB784137B}"/>
+          </ac:spMkLst>
+        </pc:spChg>
+        <pc:spChg chg="add mod">
+          <ac:chgData name="智閎 范" userId="f3266fc41e4fe455" providerId="LiveId" clId="{4F604213-5077-4AE1-97B3-3EF5A655696D}" dt="2023-01-06T13:20:31.378" v="4550" actId="1076"/>
+          <ac:spMkLst>
+            <pc:docMk/>
+            <pc:sldMk cId="1955338433" sldId="264"/>
+            <ac:spMk id="8" creationId="{0C2BDEE9-BB0A-CD6B-6E1D-3F91B7FD1D6D}"/>
+          </ac:spMkLst>
+        </pc:spChg>
+        <pc:spChg chg="add mod">
+          <ac:chgData name="智閎 范" userId="f3266fc41e4fe455" providerId="LiveId" clId="{4F604213-5077-4AE1-97B3-3EF5A655696D}" dt="2023-01-06T12:28:25.346" v="854" actId="1076"/>
+          <ac:spMkLst>
+            <pc:docMk/>
+            <pc:sldMk cId="1955338433" sldId="264"/>
+            <ac:spMk id="9" creationId="{35878F59-78BE-6CB0-FF03-5CE82FF607F3}"/>
+          </ac:spMkLst>
+        </pc:spChg>
+        <pc:spChg chg="add mod">
+          <ac:chgData name="智閎 范" userId="f3266fc41e4fe455" providerId="LiveId" clId="{4F604213-5077-4AE1-97B3-3EF5A655696D}" dt="2023-01-06T13:19:45.913" v="4533" actId="1076"/>
+          <ac:spMkLst>
+            <pc:docMk/>
+            <pc:sldMk cId="1955338433" sldId="264"/>
+            <ac:spMk id="10" creationId="{B5DC1242-18EB-1A95-C66F-A8458A1F383B}"/>
+          </ac:spMkLst>
+        </pc:spChg>
+        <pc:spChg chg="add mod">
+          <ac:chgData name="智閎 范" userId="f3266fc41e4fe455" providerId="LiveId" clId="{4F604213-5077-4AE1-97B3-3EF5A655696D}" dt="2023-01-06T13:19:52.161" v="4534" actId="1076"/>
+          <ac:spMkLst>
+            <pc:docMk/>
+            <pc:sldMk cId="1955338433" sldId="264"/>
+            <ac:spMk id="11" creationId="{25A74316-D177-8B2B-0577-25E33E3EF35B}"/>
+          </ac:spMkLst>
+        </pc:spChg>
+        <pc:spChg chg="add mod">
+          <ac:chgData name="智閎 范" userId="f3266fc41e4fe455" providerId="LiveId" clId="{4F604213-5077-4AE1-97B3-3EF5A655696D}" dt="2023-01-06T12:33:43.646" v="1107" actId="1076"/>
+          <ac:spMkLst>
+            <pc:docMk/>
+            <pc:sldMk cId="1955338433" sldId="264"/>
+            <ac:spMk id="12" creationId="{FBAF5204-F561-956E-A701-756A8C60E603}"/>
+          </ac:spMkLst>
+        </pc:spChg>
+        <pc:picChg chg="add mod ord">
+          <ac:chgData name="智閎 范" userId="f3266fc41e4fe455" providerId="LiveId" clId="{4F604213-5077-4AE1-97B3-3EF5A655696D}" dt="2023-01-06T12:24:41.580" v="701" actId="22"/>
+          <ac:picMkLst>
+            <pc:docMk/>
+            <pc:sldMk cId="1955338433" sldId="264"/>
+            <ac:picMk id="5" creationId="{0DB06B48-C4C6-3DC5-CA45-802E4B7DBBA1}"/>
+          </ac:picMkLst>
+        </pc:picChg>
+      </pc:sldChg>
+      <pc:sldChg chg="modSp new mod">
+        <pc:chgData name="智閎 范" userId="f3266fc41e4fe455" providerId="LiveId" clId="{4F604213-5077-4AE1-97B3-3EF5A655696D}" dt="2023-01-06T13:00:00.739" v="3159" actId="6549"/>
+        <pc:sldMkLst>
+          <pc:docMk/>
+          <pc:sldMk cId="3820328196" sldId="265"/>
+        </pc:sldMkLst>
+        <pc:spChg chg="mod">
+          <ac:chgData name="智閎 范" userId="f3266fc41e4fe455" providerId="LiveId" clId="{4F604213-5077-4AE1-97B3-3EF5A655696D}" dt="2023-01-06T12:34:04.430" v="1122" actId="20577"/>
+          <ac:spMkLst>
+            <pc:docMk/>
+            <pc:sldMk cId="3820328196" sldId="265"/>
+            <ac:spMk id="2" creationId="{556FA152-7A69-5208-CBDB-C252A9A7D8F8}"/>
+          </ac:spMkLst>
+        </pc:spChg>
+        <pc:spChg chg="mod">
+          <ac:chgData name="智閎 范" userId="f3266fc41e4fe455" providerId="LiveId" clId="{4F604213-5077-4AE1-97B3-3EF5A655696D}" dt="2023-01-06T13:00:00.739" v="3159" actId="6549"/>
+          <ac:spMkLst>
+            <pc:docMk/>
+            <pc:sldMk cId="3820328196" sldId="265"/>
+            <ac:spMk id="3" creationId="{05EA3B15-838D-80D8-4EFF-AA33D04E505A}"/>
+          </ac:spMkLst>
+        </pc:spChg>
+      </pc:sldChg>
+      <pc:sldChg chg="modSp new mod">
+        <pc:chgData name="智閎 范" userId="f3266fc41e4fe455" providerId="LiveId" clId="{4F604213-5077-4AE1-97B3-3EF5A655696D}" dt="2023-01-06T13:12:39.422" v="4073" actId="20577"/>
+        <pc:sldMkLst>
+          <pc:docMk/>
+          <pc:sldMk cId="2097131005" sldId="266"/>
+        </pc:sldMkLst>
+        <pc:spChg chg="mod">
+          <ac:chgData name="智閎 范" userId="f3266fc41e4fe455" providerId="LiveId" clId="{4F604213-5077-4AE1-97B3-3EF5A655696D}" dt="2023-01-06T12:53:54.875" v="2613" actId="20577"/>
+          <ac:spMkLst>
+            <pc:docMk/>
+            <pc:sldMk cId="2097131005" sldId="266"/>
+            <ac:spMk id="2" creationId="{F87B5199-3158-2376-A62B-B7121A90D286}"/>
+          </ac:spMkLst>
+        </pc:spChg>
+        <pc:spChg chg="mod">
+          <ac:chgData name="智閎 范" userId="f3266fc41e4fe455" providerId="LiveId" clId="{4F604213-5077-4AE1-97B3-3EF5A655696D}" dt="2023-01-06T13:12:39.422" v="4073" actId="20577"/>
+          <ac:spMkLst>
+            <pc:docMk/>
+            <pc:sldMk cId="2097131005" sldId="266"/>
+            <ac:spMk id="3" creationId="{86BD630A-31AF-EEB6-B436-F378CBC624BB}"/>
+          </ac:spMkLst>
+        </pc:spChg>
+      </pc:sldChg>
+      <pc:sldChg chg="addSp modSp new mod ord modClrScheme chgLayout">
+        <pc:chgData name="智閎 范" userId="f3266fc41e4fe455" providerId="LiveId" clId="{4F604213-5077-4AE1-97B3-3EF5A655696D}" dt="2023-01-06T13:12:14.676" v="4066" actId="20577"/>
+        <pc:sldMkLst>
+          <pc:docMk/>
+          <pc:sldMk cId="3703094740" sldId="267"/>
+        </pc:sldMkLst>
+        <pc:spChg chg="add mod">
+          <ac:chgData name="智閎 范" userId="f3266fc41e4fe455" providerId="LiveId" clId="{4F604213-5077-4AE1-97B3-3EF5A655696D}" dt="2023-01-06T12:53:49.056" v="2609" actId="20577"/>
+          <ac:spMkLst>
+            <pc:docMk/>
+            <pc:sldMk cId="3703094740" sldId="267"/>
+            <ac:spMk id="2" creationId="{A38D2D17-D6E2-8110-0345-C8ADACF37232}"/>
+          </ac:spMkLst>
+        </pc:spChg>
+        <pc:spChg chg="add mod">
+          <ac:chgData name="智閎 范" userId="f3266fc41e4fe455" providerId="LiveId" clId="{4F604213-5077-4AE1-97B3-3EF5A655696D}" dt="2023-01-06T13:12:14.676" v="4066" actId="20577"/>
+          <ac:spMkLst>
+            <pc:docMk/>
+            <pc:sldMk cId="3703094740" sldId="267"/>
+            <ac:spMk id="3" creationId="{D10DD4D5-9FE8-78DB-2C66-438F28ACDD97}"/>
+          </ac:spMkLst>
+        </pc:spChg>
+      </pc:sldChg>
+      <pc:sldChg chg="modSp new mod">
+        <pc:chgData name="智閎 范" userId="f3266fc41e4fe455" providerId="LiveId" clId="{4F604213-5077-4AE1-97B3-3EF5A655696D}" dt="2023-01-06T13:05:03.600" v="3682" actId="20577"/>
+        <pc:sldMkLst>
+          <pc:docMk/>
+          <pc:sldMk cId="311784535" sldId="268"/>
+        </pc:sldMkLst>
+        <pc:spChg chg="mod">
+          <ac:chgData name="智閎 范" userId="f3266fc41e4fe455" providerId="LiveId" clId="{4F604213-5077-4AE1-97B3-3EF5A655696D}" dt="2023-01-06T12:59:25.264" v="3108" actId="20577"/>
+          <ac:spMkLst>
+            <pc:docMk/>
+            <pc:sldMk cId="311784535" sldId="268"/>
+            <ac:spMk id="2" creationId="{57AC0562-81FC-3B7B-51C3-82876E53493D}"/>
+          </ac:spMkLst>
+        </pc:spChg>
+        <pc:spChg chg="mod">
+          <ac:chgData name="智閎 范" userId="f3266fc41e4fe455" providerId="LiveId" clId="{4F604213-5077-4AE1-97B3-3EF5A655696D}" dt="2023-01-06T13:05:03.600" v="3682" actId="20577"/>
+          <ac:spMkLst>
+            <pc:docMk/>
+            <pc:sldMk cId="311784535" sldId="268"/>
+            <ac:spMk id="3" creationId="{41D7871F-416D-1398-8881-978629444C04}"/>
+          </ac:spMkLst>
+        </pc:spChg>
+      </pc:sldChg>
+      <pc:sldChg chg="modSp new mod">
+        <pc:chgData name="智閎 范" userId="f3266fc41e4fe455" providerId="LiveId" clId="{4F604213-5077-4AE1-97B3-3EF5A655696D}" dt="2023-01-06T13:17:38.265" v="4489" actId="20577"/>
+        <pc:sldMkLst>
+          <pc:docMk/>
+          <pc:sldMk cId="40944430" sldId="269"/>
+        </pc:sldMkLst>
+        <pc:spChg chg="mod">
+          <ac:chgData name="智閎 范" userId="f3266fc41e4fe455" providerId="LiveId" clId="{4F604213-5077-4AE1-97B3-3EF5A655696D}" dt="2023-01-06T13:13:29.063" v="4121" actId="20577"/>
+          <ac:spMkLst>
+            <pc:docMk/>
+            <pc:sldMk cId="40944430" sldId="269"/>
+            <ac:spMk id="2" creationId="{2F85DBFB-903C-D631-4C18-81796594BC66}"/>
+          </ac:spMkLst>
+        </pc:spChg>
+        <pc:spChg chg="mod">
+          <ac:chgData name="智閎 范" userId="f3266fc41e4fe455" providerId="LiveId" clId="{4F604213-5077-4AE1-97B3-3EF5A655696D}" dt="2023-01-06T13:17:38.265" v="4489" actId="20577"/>
+          <ac:spMkLst>
+            <pc:docMk/>
+            <pc:sldMk cId="40944430" sldId="269"/>
+            <ac:spMk id="3" creationId="{AC93AFA2-910A-426C-87BC-359D51E0C231}"/>
+          </ac:spMkLst>
+        </pc:spChg>
+      </pc:sldChg>
+      <pc:sldChg chg="modSp new mod">
+        <pc:chgData name="智閎 范" userId="f3266fc41e4fe455" providerId="LiveId" clId="{4F604213-5077-4AE1-97B3-3EF5A655696D}" dt="2023-01-06T13:14:55.792" v="4237" actId="20577"/>
+        <pc:sldMkLst>
+          <pc:docMk/>
+          <pc:sldMk cId="1945535128" sldId="270"/>
+        </pc:sldMkLst>
+        <pc:spChg chg="mod">
+          <ac:chgData name="智閎 范" userId="f3266fc41e4fe455" providerId="LiveId" clId="{4F604213-5077-4AE1-97B3-3EF5A655696D}" dt="2023-01-06T13:14:17.170" v="4158" actId="20577"/>
+          <ac:spMkLst>
+            <pc:docMk/>
+            <pc:sldMk cId="1945535128" sldId="270"/>
+            <ac:spMk id="2" creationId="{D581953E-D7D2-8901-05A8-63F97D4B789C}"/>
+          </ac:spMkLst>
+        </pc:spChg>
+        <pc:spChg chg="mod">
+          <ac:chgData name="智閎 范" userId="f3266fc41e4fe455" providerId="LiveId" clId="{4F604213-5077-4AE1-97B3-3EF5A655696D}" dt="2023-01-06T13:14:55.792" v="4237" actId="20577"/>
+          <ac:spMkLst>
+            <pc:docMk/>
+            <pc:sldMk cId="1945535128" sldId="270"/>
+            <ac:spMk id="3" creationId="{74141CD0-1BE0-4EE8-B0F7-F48FD8E1386C}"/>
+          </ac:spMkLst>
+        </pc:spChg>
       </pc:sldChg>
     </pc:docChg>
   </pc:docChgLst>
@@ -1848,788 +2110,6 @@
 </file>
 
 <file path=ppt/diagrams/colors3.xml><?xml version="1.0" encoding="utf-8"?>
-<dgm:colorsDef xmlns:dgm="http://schemas.openxmlformats.org/drawingml/2006/diagram" xmlns:a="http://schemas.openxmlformats.org/drawingml/2006/main" uniqueId="urn:microsoft.com/office/officeart/2005/8/colors/colorful3">
-  <dgm:title val=""/>
-  <dgm:desc val=""/>
-  <dgm:catLst>
-    <dgm:cat type="colorful" pri="10300"/>
-  </dgm:catLst>
-  <dgm:styleLbl name="node0">
-    <dgm:fillClrLst meth="repeat">
-      <a:schemeClr val="accent2"/>
-    </dgm:fillClrLst>
-    <dgm:linClrLst meth="repeat">
-      <a:schemeClr val="lt1"/>
-    </dgm:linClrLst>
-    <dgm:effectClrLst/>
-    <dgm:txLinClrLst/>
-    <dgm:txFillClrLst/>
-    <dgm:txEffectClrLst/>
-  </dgm:styleLbl>
-  <dgm:styleLbl name="node1">
-    <dgm:fillClrLst>
-      <a:schemeClr val="accent3"/>
-      <a:schemeClr val="accent4"/>
-    </dgm:fillClrLst>
-    <dgm:linClrLst meth="repeat">
-      <a:schemeClr val="lt1"/>
-    </dgm:linClrLst>
-    <dgm:effectClrLst/>
-    <dgm:txLinClrLst/>
-    <dgm:txFillClrLst/>
-    <dgm:txEffectClrLst/>
-  </dgm:styleLbl>
-  <dgm:styleLbl name="alignNode1">
-    <dgm:fillClrLst>
-      <a:schemeClr val="accent3"/>
-      <a:schemeClr val="accent4"/>
-    </dgm:fillClrLst>
-    <dgm:linClrLst>
-      <a:schemeClr val="accent3"/>
-      <a:schemeClr val="accent4"/>
-    </dgm:linClrLst>
-    <dgm:effectClrLst/>
-    <dgm:txLinClrLst/>
-    <dgm:txFillClrLst/>
-    <dgm:txEffectClrLst/>
-  </dgm:styleLbl>
-  <dgm:styleLbl name="lnNode1">
-    <dgm:fillClrLst>
-      <a:schemeClr val="accent3"/>
-      <a:schemeClr val="accent4"/>
-    </dgm:fillClrLst>
-    <dgm:linClrLst meth="repeat">
-      <a:schemeClr val="lt1"/>
-    </dgm:linClrLst>
-    <dgm:effectClrLst/>
-    <dgm:txLinClrLst/>
-    <dgm:txFillClrLst/>
-    <dgm:txEffectClrLst/>
-  </dgm:styleLbl>
-  <dgm:styleLbl name="vennNode1">
-    <dgm:fillClrLst>
-      <a:schemeClr val="accent3">
-        <a:alpha val="50000"/>
-      </a:schemeClr>
-      <a:schemeClr val="accent4">
-        <a:alpha val="50000"/>
-      </a:schemeClr>
-    </dgm:fillClrLst>
-    <dgm:linClrLst meth="repeat">
-      <a:schemeClr val="lt1"/>
-    </dgm:linClrLst>
-    <dgm:effectClrLst/>
-    <dgm:txLinClrLst/>
-    <dgm:txFillClrLst/>
-    <dgm:txEffectClrLst/>
-  </dgm:styleLbl>
-  <dgm:styleLbl name="node2">
-    <dgm:fillClrLst>
-      <a:schemeClr val="accent4"/>
-    </dgm:fillClrLst>
-    <dgm:linClrLst meth="repeat">
-      <a:schemeClr val="lt1"/>
-    </dgm:linClrLst>
-    <dgm:effectClrLst/>
-    <dgm:txLinClrLst/>
-    <dgm:txFillClrLst/>
-    <dgm:txEffectClrLst/>
-  </dgm:styleLbl>
-  <dgm:styleLbl name="node3">
-    <dgm:fillClrLst>
-      <a:schemeClr val="accent5"/>
-    </dgm:fillClrLst>
-    <dgm:linClrLst meth="repeat">
-      <a:schemeClr val="lt1"/>
-    </dgm:linClrLst>
-    <dgm:effectClrLst/>
-    <dgm:txLinClrLst/>
-    <dgm:txFillClrLst/>
-    <dgm:txEffectClrLst/>
-  </dgm:styleLbl>
-  <dgm:styleLbl name="node4">
-    <dgm:fillClrLst>
-      <a:schemeClr val="accent6"/>
-    </dgm:fillClrLst>
-    <dgm:linClrLst meth="repeat">
-      <a:schemeClr val="lt1"/>
-    </dgm:linClrLst>
-    <dgm:effectClrLst/>
-    <dgm:txLinClrLst/>
-    <dgm:txFillClrLst/>
-    <dgm:txEffectClrLst/>
-  </dgm:styleLbl>
-  <dgm:styleLbl name="fgImgPlace1">
-    <dgm:fillClrLst>
-      <a:schemeClr val="accent3">
-        <a:tint val="50000"/>
-      </a:schemeClr>
-      <a:schemeClr val="accent4">
-        <a:tint val="50000"/>
-      </a:schemeClr>
-    </dgm:fillClrLst>
-    <dgm:linClrLst meth="repeat">
-      <a:schemeClr val="lt1"/>
-    </dgm:linClrLst>
-    <dgm:effectClrLst/>
-    <dgm:txLinClrLst/>
-    <dgm:txFillClrLst meth="repeat">
-      <a:schemeClr val="lt1"/>
-    </dgm:txFillClrLst>
-    <dgm:txEffectClrLst/>
-  </dgm:styleLbl>
-  <dgm:styleLbl name="alignImgPlace1">
-    <dgm:fillClrLst>
-      <a:schemeClr val="accent3">
-        <a:tint val="50000"/>
-      </a:schemeClr>
-      <a:schemeClr val="accent4">
-        <a:tint val="20000"/>
-      </a:schemeClr>
-    </dgm:fillClrLst>
-    <dgm:linClrLst meth="repeat">
-      <a:schemeClr val="lt1"/>
-    </dgm:linClrLst>
-    <dgm:effectClrLst/>
-    <dgm:txLinClrLst/>
-    <dgm:txFillClrLst meth="repeat">
-      <a:schemeClr val="lt1"/>
-    </dgm:txFillClrLst>
-    <dgm:txEffectClrLst/>
-  </dgm:styleLbl>
-  <dgm:styleLbl name="bgImgPlace1">
-    <dgm:fillClrLst>
-      <a:schemeClr val="accent3">
-        <a:tint val="50000"/>
-      </a:schemeClr>
-      <a:schemeClr val="accent4">
-        <a:tint val="20000"/>
-      </a:schemeClr>
-    </dgm:fillClrLst>
-    <dgm:linClrLst meth="repeat">
-      <a:schemeClr val="lt1"/>
-    </dgm:linClrLst>
-    <dgm:effectClrLst/>
-    <dgm:txLinClrLst/>
-    <dgm:txFillClrLst meth="repeat">
-      <a:schemeClr val="lt1"/>
-    </dgm:txFillClrLst>
-    <dgm:txEffectClrLst/>
-  </dgm:styleLbl>
-  <dgm:styleLbl name="sibTrans2D1">
-    <dgm:fillClrLst>
-      <a:schemeClr val="accent3"/>
-      <a:schemeClr val="accent4"/>
-    </dgm:fillClrLst>
-    <dgm:linClrLst meth="repeat">
-      <a:schemeClr val="lt1"/>
-    </dgm:linClrLst>
-    <dgm:effectClrLst/>
-    <dgm:txLinClrLst/>
-    <dgm:txFillClrLst/>
-    <dgm:txEffectClrLst/>
-  </dgm:styleLbl>
-  <dgm:styleLbl name="fgSibTrans2D1">
-    <dgm:fillClrLst>
-      <a:schemeClr val="accent3"/>
-      <a:schemeClr val="accent4"/>
-    </dgm:fillClrLst>
-    <dgm:linClrLst meth="repeat">
-      <a:schemeClr val="lt1"/>
-    </dgm:linClrLst>
-    <dgm:effectClrLst/>
-    <dgm:txLinClrLst/>
-    <dgm:txFillClrLst meth="repeat">
-      <a:schemeClr val="lt1"/>
-    </dgm:txFillClrLst>
-    <dgm:txEffectClrLst/>
-  </dgm:styleLbl>
-  <dgm:styleLbl name="bgSibTrans2D1">
-    <dgm:fillClrLst>
-      <a:schemeClr val="accent3"/>
-      <a:schemeClr val="accent4"/>
-    </dgm:fillClrLst>
-    <dgm:linClrLst meth="repeat">
-      <a:schemeClr val="lt1"/>
-    </dgm:linClrLst>
-    <dgm:effectClrLst/>
-    <dgm:txLinClrLst/>
-    <dgm:txFillClrLst meth="repeat">
-      <a:schemeClr val="lt1"/>
-    </dgm:txFillClrLst>
-    <dgm:txEffectClrLst/>
-  </dgm:styleLbl>
-  <dgm:styleLbl name="sibTrans1D1">
-    <dgm:fillClrLst/>
-    <dgm:linClrLst>
-      <a:schemeClr val="accent3"/>
-      <a:schemeClr val="accent4"/>
-    </dgm:linClrLst>
-    <dgm:effectClrLst/>
-    <dgm:txLinClrLst/>
-    <dgm:txFillClrLst meth="repeat">
-      <a:schemeClr val="tx1"/>
-    </dgm:txFillClrLst>
-    <dgm:txEffectClrLst/>
-  </dgm:styleLbl>
-  <dgm:styleLbl name="callout">
-    <dgm:fillClrLst meth="repeat">
-      <a:schemeClr val="accent3"/>
-    </dgm:fillClrLst>
-    <dgm:linClrLst meth="repeat">
-      <a:schemeClr val="accent3">
-        <a:tint val="50000"/>
-      </a:schemeClr>
-    </dgm:linClrLst>
-    <dgm:effectClrLst/>
-    <dgm:txLinClrLst/>
-    <dgm:txFillClrLst meth="repeat">
-      <a:schemeClr val="tx1"/>
-    </dgm:txFillClrLst>
-    <dgm:txEffectClrLst/>
-  </dgm:styleLbl>
-  <dgm:styleLbl name="asst0">
-    <dgm:fillClrLst meth="repeat">
-      <a:schemeClr val="accent3"/>
-    </dgm:fillClrLst>
-    <dgm:linClrLst meth="repeat">
-      <a:schemeClr val="lt1">
-        <a:shade val="80000"/>
-      </a:schemeClr>
-    </dgm:linClrLst>
-    <dgm:effectClrLst/>
-    <dgm:txLinClrLst/>
-    <dgm:txFillClrLst/>
-    <dgm:txEffectClrLst/>
-  </dgm:styleLbl>
-  <dgm:styleLbl name="asst1">
-    <dgm:fillClrLst meth="repeat">
-      <a:schemeClr val="accent4"/>
-    </dgm:fillClrLst>
-    <dgm:linClrLst meth="repeat">
-      <a:schemeClr val="lt1">
-        <a:shade val="80000"/>
-      </a:schemeClr>
-    </dgm:linClrLst>
-    <dgm:effectClrLst/>
-    <dgm:txLinClrLst/>
-    <dgm:txFillClrLst/>
-    <dgm:txEffectClrLst/>
-  </dgm:styleLbl>
-  <dgm:styleLbl name="asst2">
-    <dgm:fillClrLst>
-      <a:schemeClr val="accent5"/>
-    </dgm:fillClrLst>
-    <dgm:linClrLst meth="repeat">
-      <a:schemeClr val="lt1"/>
-    </dgm:linClrLst>
-    <dgm:effectClrLst/>
-    <dgm:txLinClrLst/>
-    <dgm:txFillClrLst/>
-    <dgm:txEffectClrLst/>
-  </dgm:styleLbl>
-  <dgm:styleLbl name="asst3">
-    <dgm:fillClrLst>
-      <a:schemeClr val="accent6"/>
-    </dgm:fillClrLst>
-    <dgm:linClrLst meth="repeat">
-      <a:schemeClr val="lt1"/>
-    </dgm:linClrLst>
-    <dgm:effectClrLst/>
-    <dgm:txLinClrLst/>
-    <dgm:txFillClrLst/>
-    <dgm:txEffectClrLst/>
-  </dgm:styleLbl>
-  <dgm:styleLbl name="asst4">
-    <dgm:fillClrLst>
-      <a:schemeClr val="accent1"/>
-    </dgm:fillClrLst>
-    <dgm:linClrLst meth="repeat">
-      <a:schemeClr val="lt1"/>
-    </dgm:linClrLst>
-    <dgm:effectClrLst/>
-    <dgm:txLinClrLst/>
-    <dgm:txFillClrLst/>
-    <dgm:txEffectClrLst/>
-  </dgm:styleLbl>
-  <dgm:styleLbl name="parChTrans2D1">
-    <dgm:fillClrLst meth="repeat">
-      <a:schemeClr val="accent2"/>
-    </dgm:fillClrLst>
-    <dgm:linClrLst meth="repeat">
-      <a:schemeClr val="lt1"/>
-    </dgm:linClrLst>
-    <dgm:effectClrLst/>
-    <dgm:txLinClrLst/>
-    <dgm:txFillClrLst meth="repeat">
-      <a:schemeClr val="lt1"/>
-    </dgm:txFillClrLst>
-    <dgm:txEffectClrLst/>
-  </dgm:styleLbl>
-  <dgm:styleLbl name="parChTrans2D2">
-    <dgm:fillClrLst meth="repeat">
-      <a:schemeClr val="accent3"/>
-    </dgm:fillClrLst>
-    <dgm:linClrLst meth="repeat">
-      <a:schemeClr val="lt1"/>
-    </dgm:linClrLst>
-    <dgm:effectClrLst/>
-    <dgm:txLinClrLst/>
-    <dgm:txFillClrLst/>
-    <dgm:txEffectClrLst/>
-  </dgm:styleLbl>
-  <dgm:styleLbl name="parChTrans2D3">
-    <dgm:fillClrLst meth="repeat">
-      <a:schemeClr val="accent4"/>
-    </dgm:fillClrLst>
-    <dgm:linClrLst meth="repeat">
-      <a:schemeClr val="lt1"/>
-    </dgm:linClrLst>
-    <dgm:effectClrLst/>
-    <dgm:txLinClrLst/>
-    <dgm:txFillClrLst/>
-    <dgm:txEffectClrLst/>
-  </dgm:styleLbl>
-  <dgm:styleLbl name="parChTrans2D4">
-    <dgm:fillClrLst meth="repeat">
-      <a:schemeClr val="accent5"/>
-    </dgm:fillClrLst>
-    <dgm:linClrLst meth="repeat">
-      <a:schemeClr val="lt1"/>
-    </dgm:linClrLst>
-    <dgm:effectClrLst/>
-    <dgm:txLinClrLst/>
-    <dgm:txFillClrLst meth="repeat">
-      <a:schemeClr val="lt1"/>
-    </dgm:txFillClrLst>
-    <dgm:txEffectClrLst/>
-  </dgm:styleLbl>
-  <dgm:styleLbl name="parChTrans1D1">
-    <dgm:fillClrLst meth="repeat">
-      <a:schemeClr val="accent3"/>
-    </dgm:fillClrLst>
-    <dgm:linClrLst meth="repeat">
-      <a:schemeClr val="accent3"/>
-    </dgm:linClrLst>
-    <dgm:effectClrLst/>
-    <dgm:txLinClrLst/>
-    <dgm:txFillClrLst meth="repeat">
-      <a:schemeClr val="tx1"/>
-    </dgm:txFillClrLst>
-    <dgm:txEffectClrLst/>
-  </dgm:styleLbl>
-  <dgm:styleLbl name="parChTrans1D2">
-    <dgm:fillClrLst meth="repeat">
-      <a:schemeClr val="accent2">
-        <a:tint val="90000"/>
-      </a:schemeClr>
-    </dgm:fillClrLst>
-    <dgm:linClrLst meth="repeat">
-      <a:schemeClr val="accent4"/>
-    </dgm:linClrLst>
-    <dgm:effectClrLst/>
-    <dgm:txLinClrLst/>
-    <dgm:txFillClrLst meth="repeat">
-      <a:schemeClr val="tx1"/>
-    </dgm:txFillClrLst>
-    <dgm:txEffectClrLst/>
-  </dgm:styleLbl>
-  <dgm:styleLbl name="parChTrans1D3">
-    <dgm:fillClrLst meth="repeat">
-      <a:schemeClr val="accent2">
-        <a:tint val="70000"/>
-      </a:schemeClr>
-    </dgm:fillClrLst>
-    <dgm:linClrLst meth="repeat">
-      <a:schemeClr val="accent5"/>
-    </dgm:linClrLst>
-    <dgm:effectClrLst/>
-    <dgm:txLinClrLst/>
-    <dgm:txFillClrLst meth="repeat">
-      <a:schemeClr val="tx1"/>
-    </dgm:txFillClrLst>
-    <dgm:txEffectClrLst/>
-  </dgm:styleLbl>
-  <dgm:styleLbl name="parChTrans1D4">
-    <dgm:fillClrLst meth="repeat">
-      <a:schemeClr val="accent6">
-        <a:tint val="50000"/>
-      </a:schemeClr>
-    </dgm:fillClrLst>
-    <dgm:linClrLst meth="repeat">
-      <a:schemeClr val="accent6"/>
-    </dgm:linClrLst>
-    <dgm:effectClrLst/>
-    <dgm:txLinClrLst/>
-    <dgm:txFillClrLst meth="repeat">
-      <a:schemeClr val="tx1"/>
-    </dgm:txFillClrLst>
-    <dgm:txEffectClrLst/>
-  </dgm:styleLbl>
-  <dgm:styleLbl name="fgAcc1">
-    <dgm:fillClrLst meth="repeat">
-      <a:schemeClr val="lt1">
-        <a:alpha val="90000"/>
-      </a:schemeClr>
-    </dgm:fillClrLst>
-    <dgm:linClrLst>
-      <a:schemeClr val="accent3"/>
-      <a:schemeClr val="accent4"/>
-    </dgm:linClrLst>
-    <dgm:effectClrLst/>
-    <dgm:txLinClrLst/>
-    <dgm:txFillClrLst meth="repeat">
-      <a:schemeClr val="dk1"/>
-    </dgm:txFillClrLst>
-    <dgm:txEffectClrLst/>
-  </dgm:styleLbl>
-  <dgm:styleLbl name="conFgAcc1">
-    <dgm:fillClrLst meth="repeat">
-      <a:schemeClr val="lt1">
-        <a:alpha val="90000"/>
-      </a:schemeClr>
-    </dgm:fillClrLst>
-    <dgm:linClrLst>
-      <a:schemeClr val="accent3"/>
-      <a:schemeClr val="accent4"/>
-    </dgm:linClrLst>
-    <dgm:effectClrLst/>
-    <dgm:txLinClrLst/>
-    <dgm:txFillClrLst meth="repeat">
-      <a:schemeClr val="dk1"/>
-    </dgm:txFillClrLst>
-    <dgm:txEffectClrLst/>
-  </dgm:styleLbl>
-  <dgm:styleLbl name="alignAcc1">
-    <dgm:fillClrLst meth="repeat">
-      <a:schemeClr val="lt1">
-        <a:alpha val="90000"/>
-      </a:schemeClr>
-    </dgm:fillClrLst>
-    <dgm:linClrLst>
-      <a:schemeClr val="accent3"/>
-      <a:schemeClr val="accent4"/>
-    </dgm:linClrLst>
-    <dgm:effectClrLst/>
-    <dgm:txLinClrLst/>
-    <dgm:txFillClrLst meth="repeat">
-      <a:schemeClr val="dk1"/>
-    </dgm:txFillClrLst>
-    <dgm:txEffectClrLst/>
-  </dgm:styleLbl>
-  <dgm:styleLbl name="trAlignAcc1">
-    <dgm:fillClrLst meth="repeat">
-      <a:schemeClr val="lt1">
-        <a:alpha val="40000"/>
-      </a:schemeClr>
-    </dgm:fillClrLst>
-    <dgm:linClrLst meth="repeat">
-      <a:schemeClr val="accent2"/>
-    </dgm:linClrLst>
-    <dgm:effectClrLst/>
-    <dgm:txLinClrLst/>
-    <dgm:txFillClrLst meth="repeat">
-      <a:schemeClr val="dk1"/>
-    </dgm:txFillClrLst>
-    <dgm:txEffectClrLst/>
-  </dgm:styleLbl>
-  <dgm:styleLbl name="bgAcc1">
-    <dgm:fillClrLst meth="repeat">
-      <a:schemeClr val="lt1">
-        <a:alpha val="90000"/>
-      </a:schemeClr>
-    </dgm:fillClrLst>
-    <dgm:linClrLst>
-      <a:schemeClr val="accent3"/>
-      <a:schemeClr val="accent4"/>
-    </dgm:linClrLst>
-    <dgm:effectClrLst/>
-    <dgm:txLinClrLst/>
-    <dgm:txFillClrLst meth="repeat">
-      <a:schemeClr val="dk1"/>
-    </dgm:txFillClrLst>
-    <dgm:txEffectClrLst/>
-  </dgm:styleLbl>
-  <dgm:styleLbl name="solidFgAcc1">
-    <dgm:fillClrLst meth="repeat">
-      <a:schemeClr val="lt1"/>
-    </dgm:fillClrLst>
-    <dgm:linClrLst>
-      <a:schemeClr val="accent3"/>
-      <a:schemeClr val="accent4"/>
-    </dgm:linClrLst>
-    <dgm:effectClrLst/>
-    <dgm:txLinClrLst/>
-    <dgm:txFillClrLst meth="repeat">
-      <a:schemeClr val="dk1"/>
-    </dgm:txFillClrLst>
-    <dgm:txEffectClrLst/>
-  </dgm:styleLbl>
-  <dgm:styleLbl name="solidAlignAcc1">
-    <dgm:fillClrLst meth="repeat">
-      <a:schemeClr val="lt1"/>
-    </dgm:fillClrLst>
-    <dgm:linClrLst>
-      <a:schemeClr val="accent3"/>
-      <a:schemeClr val="accent4"/>
-    </dgm:linClrLst>
-    <dgm:effectClrLst/>
-    <dgm:txLinClrLst/>
-    <dgm:txFillClrLst meth="repeat">
-      <a:schemeClr val="dk1"/>
-    </dgm:txFillClrLst>
-    <dgm:txEffectClrLst/>
-  </dgm:styleLbl>
-  <dgm:styleLbl name="solidBgAcc1">
-    <dgm:fillClrLst meth="repeat">
-      <a:schemeClr val="lt1"/>
-    </dgm:fillClrLst>
-    <dgm:linClrLst>
-      <a:schemeClr val="accent3"/>
-      <a:schemeClr val="accent4"/>
-    </dgm:linClrLst>
-    <dgm:effectClrLst/>
-    <dgm:txLinClrLst/>
-    <dgm:txFillClrLst meth="repeat">
-      <a:schemeClr val="dk1"/>
-    </dgm:txFillClrLst>
-    <dgm:txEffectClrLst/>
-  </dgm:styleLbl>
-  <dgm:styleLbl name="fgAccFollowNode1">
-    <dgm:fillClrLst>
-      <a:schemeClr val="accent3">
-        <a:tint val="40000"/>
-        <a:alpha val="90000"/>
-      </a:schemeClr>
-      <a:schemeClr val="accent4">
-        <a:tint val="40000"/>
-        <a:alpha val="90000"/>
-      </a:schemeClr>
-    </dgm:fillClrLst>
-    <dgm:linClrLst>
-      <a:schemeClr val="accent3">
-        <a:tint val="40000"/>
-        <a:alpha val="90000"/>
-      </a:schemeClr>
-      <a:schemeClr val="accent4">
-        <a:tint val="40000"/>
-        <a:alpha val="90000"/>
-      </a:schemeClr>
-    </dgm:linClrLst>
-    <dgm:effectClrLst/>
-    <dgm:txLinClrLst/>
-    <dgm:txFillClrLst meth="repeat">
-      <a:schemeClr val="dk1"/>
-    </dgm:txFillClrLst>
-    <dgm:txEffectClrLst/>
-  </dgm:styleLbl>
-  <dgm:styleLbl name="alignAccFollowNode1">
-    <dgm:fillClrLst>
-      <a:schemeClr val="accent3">
-        <a:tint val="40000"/>
-        <a:alpha val="90000"/>
-      </a:schemeClr>
-      <a:schemeClr val="accent4">
-        <a:tint val="40000"/>
-        <a:alpha val="90000"/>
-      </a:schemeClr>
-    </dgm:fillClrLst>
-    <dgm:linClrLst>
-      <a:schemeClr val="accent3">
-        <a:tint val="40000"/>
-        <a:alpha val="90000"/>
-      </a:schemeClr>
-      <a:schemeClr val="accent4">
-        <a:tint val="40000"/>
-        <a:alpha val="90000"/>
-      </a:schemeClr>
-    </dgm:linClrLst>
-    <dgm:effectClrLst/>
-    <dgm:txLinClrLst/>
-    <dgm:txFillClrLst meth="repeat">
-      <a:schemeClr val="dk1"/>
-    </dgm:txFillClrLst>
-    <dgm:txEffectClrLst/>
-  </dgm:styleLbl>
-  <dgm:styleLbl name="bgAccFollowNode1">
-    <dgm:fillClrLst>
-      <a:schemeClr val="accent3">
-        <a:tint val="40000"/>
-        <a:alpha val="90000"/>
-      </a:schemeClr>
-      <a:schemeClr val="accent4">
-        <a:tint val="40000"/>
-        <a:alpha val="90000"/>
-      </a:schemeClr>
-    </dgm:fillClrLst>
-    <dgm:linClrLst>
-      <a:schemeClr val="accent3">
-        <a:tint val="40000"/>
-        <a:alpha val="90000"/>
-      </a:schemeClr>
-      <a:schemeClr val="accent4">
-        <a:tint val="40000"/>
-        <a:alpha val="90000"/>
-      </a:schemeClr>
-    </dgm:linClrLst>
-    <dgm:effectClrLst/>
-    <dgm:txLinClrLst/>
-    <dgm:txFillClrLst meth="repeat">
-      <a:schemeClr val="dk1"/>
-    </dgm:txFillClrLst>
-    <dgm:txEffectClrLst/>
-  </dgm:styleLbl>
-  <dgm:styleLbl name="fgAcc0">
-    <dgm:fillClrLst meth="repeat">
-      <a:schemeClr val="lt1">
-        <a:alpha val="90000"/>
-      </a:schemeClr>
-    </dgm:fillClrLst>
-    <dgm:linClrLst>
-      <a:schemeClr val="accent2"/>
-    </dgm:linClrLst>
-    <dgm:effectClrLst/>
-    <dgm:txLinClrLst/>
-    <dgm:txFillClrLst meth="repeat">
-      <a:schemeClr val="dk1"/>
-    </dgm:txFillClrLst>
-    <dgm:txEffectClrLst/>
-  </dgm:styleLbl>
-  <dgm:styleLbl name="fgAcc2">
-    <dgm:fillClrLst meth="repeat">
-      <a:schemeClr val="lt1">
-        <a:alpha val="90000"/>
-      </a:schemeClr>
-    </dgm:fillClrLst>
-    <dgm:linClrLst>
-      <a:schemeClr val="accent4"/>
-    </dgm:linClrLst>
-    <dgm:effectClrLst/>
-    <dgm:txLinClrLst/>
-    <dgm:txFillClrLst meth="repeat">
-      <a:schemeClr val="dk1"/>
-    </dgm:txFillClrLst>
-    <dgm:txEffectClrLst/>
-  </dgm:styleLbl>
-  <dgm:styleLbl name="fgAcc3">
-    <dgm:fillClrLst meth="repeat">
-      <a:schemeClr val="lt1">
-        <a:alpha val="90000"/>
-      </a:schemeClr>
-    </dgm:fillClrLst>
-    <dgm:linClrLst>
-      <a:schemeClr val="accent5"/>
-    </dgm:linClrLst>
-    <dgm:effectClrLst/>
-    <dgm:txLinClrLst/>
-    <dgm:txFillClrLst meth="repeat">
-      <a:schemeClr val="dk1"/>
-    </dgm:txFillClrLst>
-    <dgm:txEffectClrLst/>
-  </dgm:styleLbl>
-  <dgm:styleLbl name="fgAcc4">
-    <dgm:fillClrLst meth="repeat">
-      <a:schemeClr val="lt1">
-        <a:alpha val="90000"/>
-      </a:schemeClr>
-    </dgm:fillClrLst>
-    <dgm:linClrLst>
-      <a:schemeClr val="accent6"/>
-    </dgm:linClrLst>
-    <dgm:effectClrLst/>
-    <dgm:txLinClrLst/>
-    <dgm:txFillClrLst meth="repeat">
-      <a:schemeClr val="dk1"/>
-    </dgm:txFillClrLst>
-    <dgm:txEffectClrLst/>
-  </dgm:styleLbl>
-  <dgm:styleLbl name="bgShp">
-    <dgm:fillClrLst meth="repeat">
-      <a:schemeClr val="accent3">
-        <a:tint val="40000"/>
-      </a:schemeClr>
-    </dgm:fillClrLst>
-    <dgm:linClrLst meth="repeat">
-      <a:schemeClr val="dk1"/>
-    </dgm:linClrLst>
-    <dgm:effectClrLst/>
-    <dgm:txLinClrLst/>
-    <dgm:txFillClrLst meth="repeat">
-      <a:schemeClr val="dk1"/>
-    </dgm:txFillClrLst>
-    <dgm:txEffectClrLst/>
-  </dgm:styleLbl>
-  <dgm:styleLbl name="dkBgShp">
-    <dgm:fillClrLst meth="repeat">
-      <a:schemeClr val="accent3">
-        <a:shade val="90000"/>
-      </a:schemeClr>
-    </dgm:fillClrLst>
-    <dgm:linClrLst meth="repeat">
-      <a:schemeClr val="dk1"/>
-    </dgm:linClrLst>
-    <dgm:effectClrLst/>
-    <dgm:txLinClrLst/>
-    <dgm:txFillClrLst meth="repeat">
-      <a:schemeClr val="lt1"/>
-    </dgm:txFillClrLst>
-    <dgm:txEffectClrLst/>
-  </dgm:styleLbl>
-  <dgm:styleLbl name="trBgShp">
-    <dgm:fillClrLst meth="repeat">
-      <a:schemeClr val="accent2">
-        <a:tint val="50000"/>
-        <a:alpha val="40000"/>
-      </a:schemeClr>
-    </dgm:fillClrLst>
-    <dgm:linClrLst meth="repeat">
-      <a:schemeClr val="accent3"/>
-    </dgm:linClrLst>
-    <dgm:effectClrLst/>
-    <dgm:txLinClrLst/>
-    <dgm:txFillClrLst meth="repeat">
-      <a:schemeClr val="lt1"/>
-    </dgm:txFillClrLst>
-    <dgm:txEffectClrLst/>
-  </dgm:styleLbl>
-  <dgm:styleLbl name="fgShp">
-    <dgm:fillClrLst meth="repeat">
-      <a:schemeClr val="accent3">
-        <a:tint val="40000"/>
-      </a:schemeClr>
-    </dgm:fillClrLst>
-    <dgm:linClrLst meth="repeat">
-      <a:schemeClr val="lt1"/>
-    </dgm:linClrLst>
-    <dgm:effectClrLst/>
-    <dgm:txLinClrLst/>
-    <dgm:txFillClrLst meth="repeat">
-      <a:schemeClr val="dk1"/>
-    </dgm:txFillClrLst>
-    <dgm:txEffectClrLst/>
-  </dgm:styleLbl>
-  <dgm:styleLbl name="revTx">
-    <dgm:fillClrLst meth="repeat">
-      <a:schemeClr val="lt1">
-        <a:alpha val="0"/>
-      </a:schemeClr>
-    </dgm:fillClrLst>
-    <dgm:linClrLst meth="repeat">
-      <a:schemeClr val="dk1">
-        <a:alpha val="0"/>
-      </a:schemeClr>
-    </dgm:linClrLst>
-    <dgm:effectClrLst/>
-    <dgm:txLinClrLst/>
-    <dgm:txFillClrLst meth="repeat">
-      <a:schemeClr val="tx1"/>
-    </dgm:txFillClrLst>
-    <dgm:txEffectClrLst/>
-  </dgm:styleLbl>
-</dgm:colorsDef>
-</file>
-
-<file path=ppt/diagrams/colors4.xml><?xml version="1.0" encoding="utf-8"?>
 <dgm:colorsDef xmlns:dgm="http://schemas.openxmlformats.org/drawingml/2006/diagram" xmlns:a="http://schemas.openxmlformats.org/drawingml/2006/main" uniqueId="urn:microsoft.com/office/officeart/2005/8/colors/colorful2">
   <dgm:title val=""/>
   <dgm:desc val=""/>
@@ -3411,7 +2891,7 @@
 </dgm:colorsDef>
 </file>
 
-<file path=ppt/diagrams/colors5.xml><?xml version="1.0" encoding="utf-8"?>
+<file path=ppt/diagrams/colors4.xml><?xml version="1.0" encoding="utf-8"?>
 <dgm:colorsDef xmlns:dgm="http://schemas.openxmlformats.org/drawingml/2006/diagram" xmlns:a="http://schemas.openxmlformats.org/drawingml/2006/main" uniqueId="urn:microsoft.com/office/officeart/2005/8/colors/accent1_2">
   <dgm:title val=""/>
   <dgm:desc val=""/>
@@ -5113,20 +4593,51 @@
             </a:rPr>
             <a:t>()</a:t>
           </a:r>
-          <a:endParaRPr lang="zh-TW" altLang="en-US" b="1" dirty="0">
-            <a:latin typeface="微軟正黑體" panose="020B0604030504040204" pitchFamily="34" charset="-120"/>
-            <a:ea typeface="微軟正黑體" panose="020B0604030504040204" pitchFamily="34" charset="-120"/>
-          </a:endParaRPr>
+          <a:r>
+            <a:rPr lang="zh-TW" altLang="en-US" b="1" dirty="0">
+              <a:latin typeface="微軟正黑體" panose="020B0604030504040204" pitchFamily="34" charset="-120"/>
+              <a:ea typeface="微軟正黑體" panose="020B0604030504040204" pitchFamily="34" charset="-120"/>
+            </a:rPr>
+            <a:t> </a:t>
+          </a:r>
+          <a:r>
+            <a:rPr lang="en-US" altLang="zh-TW" b="1" dirty="0">
+              <a:latin typeface="微軟正黑體" panose="020B0604030504040204" pitchFamily="34" charset="-120"/>
+              <a:ea typeface="微軟正黑體" panose="020B0604030504040204" pitchFamily="34" charset="-120"/>
+            </a:rPr>
+            <a:t>+</a:t>
+          </a:r>
+          <a:r>
+            <a:rPr lang="zh-TW" altLang="en-US" b="1" dirty="0">
+              <a:latin typeface="微軟正黑體" panose="020B0604030504040204" pitchFamily="34" charset="-120"/>
+              <a:ea typeface="微軟正黑體" panose="020B0604030504040204" pitchFamily="34" charset="-120"/>
+            </a:rPr>
+            <a:t> 音效</a:t>
+          </a:r>
         </a:p>
       </dgm:t>
     </dgm:pt>
     <dgm:pt modelId="{7D1C3B8A-35D5-4B79-B544-5DD32901C39A}" type="parTrans" cxnId="{CF2B8820-92EE-47F5-9865-4C2F2E8200F6}">
       <dgm:prSet/>
       <dgm:spPr/>
+      <dgm:t>
+        <a:bodyPr/>
+        <a:lstStyle/>
+        <a:p>
+          <a:endParaRPr lang="zh-TW" altLang="en-US"/>
+        </a:p>
+      </dgm:t>
     </dgm:pt>
     <dgm:pt modelId="{18C5F669-C6EC-4047-B13E-8E93753F582B}" type="sibTrans" cxnId="{CF2B8820-92EE-47F5-9865-4C2F2E8200F6}">
       <dgm:prSet/>
       <dgm:spPr/>
+      <dgm:t>
+        <a:bodyPr/>
+        <a:lstStyle/>
+        <a:p>
+          <a:endParaRPr lang="zh-TW" altLang="en-US"/>
+        </a:p>
+      </dgm:t>
     </dgm:pt>
     <dgm:pt modelId="{DF3741AF-05B0-40FA-996C-378EC3915C2A}" type="pres">
       <dgm:prSet presAssocID="{6585EB23-FBDB-4292-83A2-19F9B9B17E30}" presName="linear" presStyleCnt="0">
@@ -5286,341 +4797,6 @@
 </file>
 
 <file path=ppt/diagrams/data3.xml><?xml version="1.0" encoding="utf-8"?>
-<dgm:dataModel xmlns:dgm="http://schemas.openxmlformats.org/drawingml/2006/diagram" xmlns:a="http://schemas.openxmlformats.org/drawingml/2006/main">
-  <dgm:ptLst>
-    <dgm:pt modelId="{7CFF3C8C-CAD2-44EA-AF54-854DCF243256}" type="doc">
-      <dgm:prSet loTypeId="urn:microsoft.com/office/officeart/2005/8/layout/radial6" loCatId="cycle" qsTypeId="urn:microsoft.com/office/officeart/2005/8/quickstyle/simple1" qsCatId="simple" csTypeId="urn:microsoft.com/office/officeart/2005/8/colors/colorful3" csCatId="colorful" phldr="1"/>
-      <dgm:spPr/>
-      <dgm:t>
-        <a:bodyPr/>
-        <a:lstStyle/>
-        <a:p>
-          <a:endParaRPr lang="zh-TW" altLang="en-US"/>
-        </a:p>
-      </dgm:t>
-    </dgm:pt>
-    <dgm:pt modelId="{8F9F716C-90B0-4D70-A22B-CE72D9A4F3C0}">
-      <dgm:prSet phldrT="[文字]"/>
-      <dgm:spPr/>
-      <dgm:t>
-        <a:bodyPr/>
-        <a:lstStyle/>
-        <a:p>
-          <a:r>
-            <a:rPr lang="zh-TW" altLang="en-US" b="1" dirty="0">
-              <a:latin typeface="微軟正黑體" panose="020B0604030504040204" pitchFamily="34" charset="-120"/>
-              <a:ea typeface="微軟正黑體" panose="020B0604030504040204" pitchFamily="34" charset="-120"/>
-            </a:rPr>
-            <a:t>如何</a:t>
-          </a:r>
-          <a:endParaRPr lang="en-US" altLang="zh-TW" b="1" dirty="0">
-            <a:latin typeface="微軟正黑體" panose="020B0604030504040204" pitchFamily="34" charset="-120"/>
-            <a:ea typeface="微軟正黑體" panose="020B0604030504040204" pitchFamily="34" charset="-120"/>
-          </a:endParaRPr>
-        </a:p>
-        <a:p>
-          <a:r>
-            <a:rPr lang="zh-TW" altLang="en-US" b="1" dirty="0">
-              <a:latin typeface="微軟正黑體" panose="020B0604030504040204" pitchFamily="34" charset="-120"/>
-              <a:ea typeface="微軟正黑體" panose="020B0604030504040204" pitchFamily="34" charset="-120"/>
-            </a:rPr>
-            <a:t>完成</a:t>
-          </a:r>
-        </a:p>
-      </dgm:t>
-    </dgm:pt>
-    <dgm:pt modelId="{D0CBCB2A-847B-430B-A3AC-D6F2275B0B6B}" type="parTrans" cxnId="{564DFACE-9653-40E5-938B-944AABE59A25}">
-      <dgm:prSet/>
-      <dgm:spPr/>
-      <dgm:t>
-        <a:bodyPr/>
-        <a:lstStyle/>
-        <a:p>
-          <a:endParaRPr lang="zh-TW" altLang="en-US" b="1">
-            <a:latin typeface="微軟正黑體" panose="020B0604030504040204" pitchFamily="34" charset="-120"/>
-            <a:ea typeface="微軟正黑體" panose="020B0604030504040204" pitchFamily="34" charset="-120"/>
-          </a:endParaRPr>
-        </a:p>
-      </dgm:t>
-    </dgm:pt>
-    <dgm:pt modelId="{EAB5B718-BD86-4F95-9BD6-0AD606E44D7D}" type="sibTrans" cxnId="{564DFACE-9653-40E5-938B-944AABE59A25}">
-      <dgm:prSet/>
-      <dgm:spPr/>
-      <dgm:t>
-        <a:bodyPr/>
-        <a:lstStyle/>
-        <a:p>
-          <a:endParaRPr lang="zh-TW" altLang="en-US" b="1">
-            <a:latin typeface="微軟正黑體" panose="020B0604030504040204" pitchFamily="34" charset="-120"/>
-            <a:ea typeface="微軟正黑體" panose="020B0604030504040204" pitchFamily="34" charset="-120"/>
-          </a:endParaRPr>
-        </a:p>
-      </dgm:t>
-    </dgm:pt>
-    <dgm:pt modelId="{5AC10DE1-88EE-48C5-835C-DFA75B4B3C42}">
-      <dgm:prSet phldrT="[文字]"/>
-      <dgm:spPr/>
-      <dgm:t>
-        <a:bodyPr/>
-        <a:lstStyle/>
-        <a:p>
-          <a:r>
-            <a:rPr lang="zh-TW" altLang="en-US" b="1" dirty="0">
-              <a:latin typeface="微軟正黑體" panose="020B0604030504040204" pitchFamily="34" charset="-120"/>
-              <a:ea typeface="微軟正黑體" panose="020B0604030504040204" pitchFamily="34" charset="-120"/>
-            </a:rPr>
-            <a:t>網路</a:t>
-          </a:r>
-          <a:endParaRPr lang="en-US" altLang="zh-TW" b="1" dirty="0">
-            <a:latin typeface="微軟正黑體" panose="020B0604030504040204" pitchFamily="34" charset="-120"/>
-            <a:ea typeface="微軟正黑體" panose="020B0604030504040204" pitchFamily="34" charset="-120"/>
-          </a:endParaRPr>
-        </a:p>
-        <a:p>
-          <a:r>
-            <a:rPr lang="zh-TW" altLang="en-US" b="1" dirty="0">
-              <a:latin typeface="微軟正黑體" panose="020B0604030504040204" pitchFamily="34" charset="-120"/>
-              <a:ea typeface="微軟正黑體" panose="020B0604030504040204" pitchFamily="34" charset="-120"/>
-            </a:rPr>
-            <a:t>程式碼</a:t>
-          </a:r>
-        </a:p>
-      </dgm:t>
-    </dgm:pt>
-    <dgm:pt modelId="{AF449040-1CD8-46D0-B072-0DC66B8B1AD9}" type="parTrans" cxnId="{08123A6E-844B-41FF-81CB-9CC9D14DC536}">
-      <dgm:prSet/>
-      <dgm:spPr/>
-      <dgm:t>
-        <a:bodyPr/>
-        <a:lstStyle/>
-        <a:p>
-          <a:endParaRPr lang="zh-TW" altLang="en-US" b="1">
-            <a:latin typeface="微軟正黑體" panose="020B0604030504040204" pitchFamily="34" charset="-120"/>
-            <a:ea typeface="微軟正黑體" panose="020B0604030504040204" pitchFamily="34" charset="-120"/>
-          </a:endParaRPr>
-        </a:p>
-      </dgm:t>
-    </dgm:pt>
-    <dgm:pt modelId="{B07E5AC8-1C6B-4DAA-9AD4-8E06EF841ECF}" type="sibTrans" cxnId="{08123A6E-844B-41FF-81CB-9CC9D14DC536}">
-      <dgm:prSet/>
-      <dgm:spPr/>
-      <dgm:t>
-        <a:bodyPr/>
-        <a:lstStyle/>
-        <a:p>
-          <a:endParaRPr lang="zh-TW" altLang="en-US" b="1">
-            <a:latin typeface="微軟正黑體" panose="020B0604030504040204" pitchFamily="34" charset="-120"/>
-            <a:ea typeface="微軟正黑體" panose="020B0604030504040204" pitchFamily="34" charset="-120"/>
-          </a:endParaRPr>
-        </a:p>
-      </dgm:t>
-    </dgm:pt>
-    <dgm:pt modelId="{E128044E-9EEA-4C5E-81A1-FFE8619D506A}">
-      <dgm:prSet phldrT="[文字]"/>
-      <dgm:spPr/>
-      <dgm:t>
-        <a:bodyPr/>
-        <a:lstStyle/>
-        <a:p>
-          <a:r>
-            <a:rPr lang="zh-TW" altLang="en-US" b="1" dirty="0">
-              <a:latin typeface="微軟正黑體" panose="020B0604030504040204" pitchFamily="34" charset="-120"/>
-              <a:ea typeface="微軟正黑體" panose="020B0604030504040204" pitchFamily="34" charset="-120"/>
-            </a:rPr>
-            <a:t>自身</a:t>
-          </a:r>
-          <a:endParaRPr lang="en-US" altLang="zh-TW" b="1" dirty="0">
-            <a:latin typeface="微軟正黑體" panose="020B0604030504040204" pitchFamily="34" charset="-120"/>
-            <a:ea typeface="微軟正黑體" panose="020B0604030504040204" pitchFamily="34" charset="-120"/>
-          </a:endParaRPr>
-        </a:p>
-        <a:p>
-          <a:r>
-            <a:rPr lang="zh-TW" altLang="en-US" b="1" dirty="0">
-              <a:latin typeface="微軟正黑體" panose="020B0604030504040204" pitchFamily="34" charset="-120"/>
-              <a:ea typeface="微軟正黑體" panose="020B0604030504040204" pitchFamily="34" charset="-120"/>
-            </a:rPr>
-            <a:t>遊玩經驗</a:t>
-          </a:r>
-        </a:p>
-      </dgm:t>
-    </dgm:pt>
-    <dgm:pt modelId="{AF410466-9246-472C-8272-A69130992FC8}" type="parTrans" cxnId="{D9226C47-4DBA-4774-A0E5-DAD46218B9A3}">
-      <dgm:prSet/>
-      <dgm:spPr/>
-      <dgm:t>
-        <a:bodyPr/>
-        <a:lstStyle/>
-        <a:p>
-          <a:endParaRPr lang="zh-TW" altLang="en-US" b="1">
-            <a:latin typeface="微軟正黑體" panose="020B0604030504040204" pitchFamily="34" charset="-120"/>
-            <a:ea typeface="微軟正黑體" panose="020B0604030504040204" pitchFamily="34" charset="-120"/>
-          </a:endParaRPr>
-        </a:p>
-      </dgm:t>
-    </dgm:pt>
-    <dgm:pt modelId="{710691D7-C7E2-47B1-AED9-1042C8187EB9}" type="sibTrans" cxnId="{D9226C47-4DBA-4774-A0E5-DAD46218B9A3}">
-      <dgm:prSet/>
-      <dgm:spPr/>
-      <dgm:t>
-        <a:bodyPr/>
-        <a:lstStyle/>
-        <a:p>
-          <a:endParaRPr lang="zh-TW" altLang="en-US" b="1">
-            <a:latin typeface="微軟正黑體" panose="020B0604030504040204" pitchFamily="34" charset="-120"/>
-            <a:ea typeface="微軟正黑體" panose="020B0604030504040204" pitchFamily="34" charset="-120"/>
-          </a:endParaRPr>
-        </a:p>
-      </dgm:t>
-    </dgm:pt>
-    <dgm:pt modelId="{28BC715C-910B-4C68-B1EC-770461AC1880}">
-      <dgm:prSet phldrT="[文字]"/>
-      <dgm:spPr/>
-      <dgm:t>
-        <a:bodyPr/>
-        <a:lstStyle/>
-        <a:p>
-          <a:r>
-            <a:rPr lang="en-US" altLang="zh-TW" b="1" dirty="0">
-              <a:latin typeface="微軟正黑體" panose="020B0604030504040204" pitchFamily="34" charset="-120"/>
-              <a:ea typeface="微軟正黑體" panose="020B0604030504040204" pitchFamily="34" charset="-120"/>
-            </a:rPr>
-            <a:t>W3Schools</a:t>
-          </a:r>
-          <a:endParaRPr lang="zh-TW" altLang="en-US" b="1" dirty="0">
-            <a:latin typeface="微軟正黑體" panose="020B0604030504040204" pitchFamily="34" charset="-120"/>
-            <a:ea typeface="微軟正黑體" panose="020B0604030504040204" pitchFamily="34" charset="-120"/>
-          </a:endParaRPr>
-        </a:p>
-      </dgm:t>
-    </dgm:pt>
-    <dgm:pt modelId="{63ED14CE-6667-487D-B584-71A267CAE08A}" type="parTrans" cxnId="{A7E290CA-C0CD-42DB-9F8E-C002B9BB9B9F}">
-      <dgm:prSet/>
-      <dgm:spPr/>
-      <dgm:t>
-        <a:bodyPr/>
-        <a:lstStyle/>
-        <a:p>
-          <a:endParaRPr lang="zh-TW" altLang="en-US" b="1">
-            <a:latin typeface="微軟正黑體" panose="020B0604030504040204" pitchFamily="34" charset="-120"/>
-            <a:ea typeface="微軟正黑體" panose="020B0604030504040204" pitchFamily="34" charset="-120"/>
-          </a:endParaRPr>
-        </a:p>
-      </dgm:t>
-    </dgm:pt>
-    <dgm:pt modelId="{496EF2D5-9CFB-4CEA-87D5-987D5BC33D2D}" type="sibTrans" cxnId="{A7E290CA-C0CD-42DB-9F8E-C002B9BB9B9F}">
-      <dgm:prSet/>
-      <dgm:spPr/>
-      <dgm:t>
-        <a:bodyPr/>
-        <a:lstStyle/>
-        <a:p>
-          <a:endParaRPr lang="zh-TW" altLang="en-US" b="1">
-            <a:latin typeface="微軟正黑體" panose="020B0604030504040204" pitchFamily="34" charset="-120"/>
-            <a:ea typeface="微軟正黑體" panose="020B0604030504040204" pitchFamily="34" charset="-120"/>
-          </a:endParaRPr>
-        </a:p>
-      </dgm:t>
-    </dgm:pt>
-    <dgm:pt modelId="{4BE9068C-8F92-4873-9A35-34D1CB8F06D0}" type="pres">
-      <dgm:prSet presAssocID="{7CFF3C8C-CAD2-44EA-AF54-854DCF243256}" presName="Name0" presStyleCnt="0">
-        <dgm:presLayoutVars>
-          <dgm:chMax val="1"/>
-          <dgm:dir/>
-          <dgm:animLvl val="ctr"/>
-          <dgm:resizeHandles val="exact"/>
-        </dgm:presLayoutVars>
-      </dgm:prSet>
-      <dgm:spPr/>
-    </dgm:pt>
-    <dgm:pt modelId="{7F6ED56F-8249-42B3-A26E-F74BF63B0B17}" type="pres">
-      <dgm:prSet presAssocID="{8F9F716C-90B0-4D70-A22B-CE72D9A4F3C0}" presName="centerShape" presStyleLbl="node0" presStyleIdx="0" presStyleCnt="1"/>
-      <dgm:spPr/>
-    </dgm:pt>
-    <dgm:pt modelId="{CBB73770-6F83-4164-9F8B-5CB3477A2339}" type="pres">
-      <dgm:prSet presAssocID="{5AC10DE1-88EE-48C5-835C-DFA75B4B3C42}" presName="node" presStyleLbl="node1" presStyleIdx="0" presStyleCnt="3">
-        <dgm:presLayoutVars>
-          <dgm:bulletEnabled val="1"/>
-        </dgm:presLayoutVars>
-      </dgm:prSet>
-      <dgm:spPr/>
-    </dgm:pt>
-    <dgm:pt modelId="{2B54F4B7-3C7B-445B-AB1A-1CC29D730BE7}" type="pres">
-      <dgm:prSet presAssocID="{5AC10DE1-88EE-48C5-835C-DFA75B4B3C42}" presName="dummy" presStyleCnt="0"/>
-      <dgm:spPr/>
-    </dgm:pt>
-    <dgm:pt modelId="{B6CF47F7-3F94-409F-A63B-4E3867BD5D43}" type="pres">
-      <dgm:prSet presAssocID="{B07E5AC8-1C6B-4DAA-9AD4-8E06EF841ECF}" presName="sibTrans" presStyleLbl="sibTrans2D1" presStyleIdx="0" presStyleCnt="3"/>
-      <dgm:spPr/>
-    </dgm:pt>
-    <dgm:pt modelId="{1F47ABAE-0982-49B1-9F2A-82FC4F3278FA}" type="pres">
-      <dgm:prSet presAssocID="{E128044E-9EEA-4C5E-81A1-FFE8619D506A}" presName="node" presStyleLbl="node1" presStyleIdx="1" presStyleCnt="3">
-        <dgm:presLayoutVars>
-          <dgm:bulletEnabled val="1"/>
-        </dgm:presLayoutVars>
-      </dgm:prSet>
-      <dgm:spPr/>
-    </dgm:pt>
-    <dgm:pt modelId="{6DDF3555-B816-4FF1-A6FF-587CEAAFC1E4}" type="pres">
-      <dgm:prSet presAssocID="{E128044E-9EEA-4C5E-81A1-FFE8619D506A}" presName="dummy" presStyleCnt="0"/>
-      <dgm:spPr/>
-    </dgm:pt>
-    <dgm:pt modelId="{2248D0B8-F610-45B9-A6E3-72E924C6066F}" type="pres">
-      <dgm:prSet presAssocID="{710691D7-C7E2-47B1-AED9-1042C8187EB9}" presName="sibTrans" presStyleLbl="sibTrans2D1" presStyleIdx="1" presStyleCnt="3"/>
-      <dgm:spPr/>
-    </dgm:pt>
-    <dgm:pt modelId="{D0055DF3-9F1B-4704-A3B1-13961A0B625A}" type="pres">
-      <dgm:prSet presAssocID="{28BC715C-910B-4C68-B1EC-770461AC1880}" presName="node" presStyleLbl="node1" presStyleIdx="2" presStyleCnt="3">
-        <dgm:presLayoutVars>
-          <dgm:bulletEnabled val="1"/>
-        </dgm:presLayoutVars>
-      </dgm:prSet>
-      <dgm:spPr/>
-    </dgm:pt>
-    <dgm:pt modelId="{1CDB99B5-AB92-4542-B0AD-33D1637E90AA}" type="pres">
-      <dgm:prSet presAssocID="{28BC715C-910B-4C68-B1EC-770461AC1880}" presName="dummy" presStyleCnt="0"/>
-      <dgm:spPr/>
-    </dgm:pt>
-    <dgm:pt modelId="{35E43924-44A8-42B2-8481-0C49181627B4}" type="pres">
-      <dgm:prSet presAssocID="{496EF2D5-9CFB-4CEA-87D5-987D5BC33D2D}" presName="sibTrans" presStyleLbl="sibTrans2D1" presStyleIdx="2" presStyleCnt="3"/>
-      <dgm:spPr/>
-    </dgm:pt>
-  </dgm:ptLst>
-  <dgm:cxnLst>
-    <dgm:cxn modelId="{C93D8004-548D-43FD-8272-ED04262276E8}" type="presOf" srcId="{8F9F716C-90B0-4D70-A22B-CE72D9A4F3C0}" destId="{7F6ED56F-8249-42B3-A26E-F74BF63B0B17}" srcOrd="0" destOrd="0" presId="urn:microsoft.com/office/officeart/2005/8/layout/radial6"/>
-    <dgm:cxn modelId="{5C9B9821-768A-4D8B-81C9-DE4801124199}" type="presOf" srcId="{28BC715C-910B-4C68-B1EC-770461AC1880}" destId="{D0055DF3-9F1B-4704-A3B1-13961A0B625A}" srcOrd="0" destOrd="0" presId="urn:microsoft.com/office/officeart/2005/8/layout/radial6"/>
-    <dgm:cxn modelId="{AEE31137-D441-4F42-8685-2906943B4D38}" type="presOf" srcId="{496EF2D5-9CFB-4CEA-87D5-987D5BC33D2D}" destId="{35E43924-44A8-42B2-8481-0C49181627B4}" srcOrd="0" destOrd="0" presId="urn:microsoft.com/office/officeart/2005/8/layout/radial6"/>
-    <dgm:cxn modelId="{9AA89A61-0E42-4FE7-BF28-FDC8DAD59A11}" type="presOf" srcId="{7CFF3C8C-CAD2-44EA-AF54-854DCF243256}" destId="{4BE9068C-8F92-4873-9A35-34D1CB8F06D0}" srcOrd="0" destOrd="0" presId="urn:microsoft.com/office/officeart/2005/8/layout/radial6"/>
-    <dgm:cxn modelId="{D9226C47-4DBA-4774-A0E5-DAD46218B9A3}" srcId="{8F9F716C-90B0-4D70-A22B-CE72D9A4F3C0}" destId="{E128044E-9EEA-4C5E-81A1-FFE8619D506A}" srcOrd="1" destOrd="0" parTransId="{AF410466-9246-472C-8272-A69130992FC8}" sibTransId="{710691D7-C7E2-47B1-AED9-1042C8187EB9}"/>
-    <dgm:cxn modelId="{08123A6E-844B-41FF-81CB-9CC9D14DC536}" srcId="{8F9F716C-90B0-4D70-A22B-CE72D9A4F3C0}" destId="{5AC10DE1-88EE-48C5-835C-DFA75B4B3C42}" srcOrd="0" destOrd="0" parTransId="{AF449040-1CD8-46D0-B072-0DC66B8B1AD9}" sibTransId="{B07E5AC8-1C6B-4DAA-9AD4-8E06EF841ECF}"/>
-    <dgm:cxn modelId="{DCA52F84-E123-49E3-A2D4-2143596F860F}" type="presOf" srcId="{5AC10DE1-88EE-48C5-835C-DFA75B4B3C42}" destId="{CBB73770-6F83-4164-9F8B-5CB3477A2339}" srcOrd="0" destOrd="0" presId="urn:microsoft.com/office/officeart/2005/8/layout/radial6"/>
-    <dgm:cxn modelId="{A7E290CA-C0CD-42DB-9F8E-C002B9BB9B9F}" srcId="{8F9F716C-90B0-4D70-A22B-CE72D9A4F3C0}" destId="{28BC715C-910B-4C68-B1EC-770461AC1880}" srcOrd="2" destOrd="0" parTransId="{63ED14CE-6667-487D-B584-71A267CAE08A}" sibTransId="{496EF2D5-9CFB-4CEA-87D5-987D5BC33D2D}"/>
-    <dgm:cxn modelId="{564DFACE-9653-40E5-938B-944AABE59A25}" srcId="{7CFF3C8C-CAD2-44EA-AF54-854DCF243256}" destId="{8F9F716C-90B0-4D70-A22B-CE72D9A4F3C0}" srcOrd="0" destOrd="0" parTransId="{D0CBCB2A-847B-430B-A3AC-D6F2275B0B6B}" sibTransId="{EAB5B718-BD86-4F95-9BD6-0AD606E44D7D}"/>
-    <dgm:cxn modelId="{900E2CE8-2901-4BBC-90CD-978354DAFC67}" type="presOf" srcId="{B07E5AC8-1C6B-4DAA-9AD4-8E06EF841ECF}" destId="{B6CF47F7-3F94-409F-A63B-4E3867BD5D43}" srcOrd="0" destOrd="0" presId="urn:microsoft.com/office/officeart/2005/8/layout/radial6"/>
-    <dgm:cxn modelId="{F28E63F4-5DE9-4D49-9E8D-3492FC28E2DF}" type="presOf" srcId="{E128044E-9EEA-4C5E-81A1-FFE8619D506A}" destId="{1F47ABAE-0982-49B1-9F2A-82FC4F3278FA}" srcOrd="0" destOrd="0" presId="urn:microsoft.com/office/officeart/2005/8/layout/radial6"/>
-    <dgm:cxn modelId="{7C5E25FE-10B7-44FA-A25B-4C696EAD94F6}" type="presOf" srcId="{710691D7-C7E2-47B1-AED9-1042C8187EB9}" destId="{2248D0B8-F610-45B9-A6E3-72E924C6066F}" srcOrd="0" destOrd="0" presId="urn:microsoft.com/office/officeart/2005/8/layout/radial6"/>
-    <dgm:cxn modelId="{2CA1F33B-29A6-45FA-B14D-FABEE841466D}" type="presParOf" srcId="{4BE9068C-8F92-4873-9A35-34D1CB8F06D0}" destId="{7F6ED56F-8249-42B3-A26E-F74BF63B0B17}" srcOrd="0" destOrd="0" presId="urn:microsoft.com/office/officeart/2005/8/layout/radial6"/>
-    <dgm:cxn modelId="{93C8B7A5-B66B-4637-AE50-E5D37B3DE584}" type="presParOf" srcId="{4BE9068C-8F92-4873-9A35-34D1CB8F06D0}" destId="{CBB73770-6F83-4164-9F8B-5CB3477A2339}" srcOrd="1" destOrd="0" presId="urn:microsoft.com/office/officeart/2005/8/layout/radial6"/>
-    <dgm:cxn modelId="{A8A62C4F-FE1D-42FA-9985-3A42A9B78989}" type="presParOf" srcId="{4BE9068C-8F92-4873-9A35-34D1CB8F06D0}" destId="{2B54F4B7-3C7B-445B-AB1A-1CC29D730BE7}" srcOrd="2" destOrd="0" presId="urn:microsoft.com/office/officeart/2005/8/layout/radial6"/>
-    <dgm:cxn modelId="{96172375-127A-4148-97C4-385D490F32B5}" type="presParOf" srcId="{4BE9068C-8F92-4873-9A35-34D1CB8F06D0}" destId="{B6CF47F7-3F94-409F-A63B-4E3867BD5D43}" srcOrd="3" destOrd="0" presId="urn:microsoft.com/office/officeart/2005/8/layout/radial6"/>
-    <dgm:cxn modelId="{995DD1CF-0899-47FA-9968-C6A0B3FB6562}" type="presParOf" srcId="{4BE9068C-8F92-4873-9A35-34D1CB8F06D0}" destId="{1F47ABAE-0982-49B1-9F2A-82FC4F3278FA}" srcOrd="4" destOrd="0" presId="urn:microsoft.com/office/officeart/2005/8/layout/radial6"/>
-    <dgm:cxn modelId="{8C10C742-FDC7-44FD-A4E1-692DC5062181}" type="presParOf" srcId="{4BE9068C-8F92-4873-9A35-34D1CB8F06D0}" destId="{6DDF3555-B816-4FF1-A6FF-587CEAAFC1E4}" srcOrd="5" destOrd="0" presId="urn:microsoft.com/office/officeart/2005/8/layout/radial6"/>
-    <dgm:cxn modelId="{613390BB-6525-4B8C-84C1-FF98F74AC4AA}" type="presParOf" srcId="{4BE9068C-8F92-4873-9A35-34D1CB8F06D0}" destId="{2248D0B8-F610-45B9-A6E3-72E924C6066F}" srcOrd="6" destOrd="0" presId="urn:microsoft.com/office/officeart/2005/8/layout/radial6"/>
-    <dgm:cxn modelId="{5CABB5CB-ECD2-4DDB-AF3C-5FEF033F8D7A}" type="presParOf" srcId="{4BE9068C-8F92-4873-9A35-34D1CB8F06D0}" destId="{D0055DF3-9F1B-4704-A3B1-13961A0B625A}" srcOrd="7" destOrd="0" presId="urn:microsoft.com/office/officeart/2005/8/layout/radial6"/>
-    <dgm:cxn modelId="{288DFCB2-6A75-4DCC-B080-61870B29DEE5}" type="presParOf" srcId="{4BE9068C-8F92-4873-9A35-34D1CB8F06D0}" destId="{1CDB99B5-AB92-4542-B0AD-33D1637E90AA}" srcOrd="8" destOrd="0" presId="urn:microsoft.com/office/officeart/2005/8/layout/radial6"/>
-    <dgm:cxn modelId="{E81E666C-988D-41EC-A1E6-1E17FFB30BF4}" type="presParOf" srcId="{4BE9068C-8F92-4873-9A35-34D1CB8F06D0}" destId="{35E43924-44A8-42B2-8481-0C49181627B4}" srcOrd="9" destOrd="0" presId="urn:microsoft.com/office/officeart/2005/8/layout/radial6"/>
-  </dgm:cxnLst>
-  <dgm:bg/>
-  <dgm:whole/>
-  <dgm:extLst>
-    <a:ext uri="http://schemas.microsoft.com/office/drawing/2008/diagram">
-      <dsp:dataModelExt xmlns:dsp="http://schemas.microsoft.com/office/drawing/2008/diagram" relId="rId6" minVer="http://schemas.openxmlformats.org/drawingml/2006/diagram"/>
-    </a:ext>
-  </dgm:extLst>
-</dgm:dataModel>
-</file>
-
-<file path=ppt/diagrams/data4.xml><?xml version="1.0" encoding="utf-8"?>
 <dgm:dataModel xmlns:dgm="http://schemas.openxmlformats.org/drawingml/2006/diagram" xmlns:a="http://schemas.openxmlformats.org/drawingml/2006/main">
   <dgm:ptLst>
     <dgm:pt modelId="{AECF2090-4126-4E50-8AC8-C96E91E71FB2}" type="doc">
@@ -5919,7 +5095,7 @@
 </dgm:dataModel>
 </file>
 
-<file path=ppt/diagrams/data5.xml><?xml version="1.0" encoding="utf-8"?>
+<file path=ppt/diagrams/data4.xml><?xml version="1.0" encoding="utf-8"?>
 <dgm:dataModel xmlns:dgm="http://schemas.openxmlformats.org/drawingml/2006/diagram" xmlns:a="http://schemas.openxmlformats.org/drawingml/2006/main">
   <dgm:ptLst>
     <dgm:pt modelId="{C141103B-7529-4CE1-A37B-92885A219DF0}" type="doc">
@@ -7235,10 +6411,27 @@
             </a:rPr>
             <a:t>()</a:t>
           </a:r>
-          <a:endParaRPr lang="zh-TW" altLang="en-US" sz="1900" b="1" kern="1200" dirty="0">
-            <a:latin typeface="微軟正黑體" panose="020B0604030504040204" pitchFamily="34" charset="-120"/>
-            <a:ea typeface="微軟正黑體" panose="020B0604030504040204" pitchFamily="34" charset="-120"/>
-          </a:endParaRPr>
+          <a:r>
+            <a:rPr lang="zh-TW" altLang="en-US" sz="1900" b="1" kern="1200" dirty="0">
+              <a:latin typeface="微軟正黑體" panose="020B0604030504040204" pitchFamily="34" charset="-120"/>
+              <a:ea typeface="微軟正黑體" panose="020B0604030504040204" pitchFamily="34" charset="-120"/>
+            </a:rPr>
+            <a:t> </a:t>
+          </a:r>
+          <a:r>
+            <a:rPr lang="en-US" altLang="zh-TW" sz="1900" b="1" kern="1200" dirty="0">
+              <a:latin typeface="微軟正黑體" panose="020B0604030504040204" pitchFamily="34" charset="-120"/>
+              <a:ea typeface="微軟正黑體" panose="020B0604030504040204" pitchFamily="34" charset="-120"/>
+            </a:rPr>
+            <a:t>+</a:t>
+          </a:r>
+          <a:r>
+            <a:rPr lang="zh-TW" altLang="en-US" sz="1900" b="1" kern="1200" dirty="0">
+              <a:latin typeface="微軟正黑體" panose="020B0604030504040204" pitchFamily="34" charset="-120"/>
+              <a:ea typeface="微軟正黑體" panose="020B0604030504040204" pitchFamily="34" charset="-120"/>
+            </a:rPr>
+            <a:t> 音效</a:t>
+          </a:r>
         </a:p>
       </dsp:txBody>
       <dsp:txXfrm>
@@ -7331,552 +6524,6 @@
 </file>
 
 <file path=ppt/diagrams/drawing3.xml><?xml version="1.0" encoding="utf-8"?>
-<dsp:drawing xmlns:dgm="http://schemas.openxmlformats.org/drawingml/2006/diagram" xmlns:dsp="http://schemas.microsoft.com/office/drawing/2008/diagram" xmlns:a="http://schemas.openxmlformats.org/drawingml/2006/main">
-  <dsp:spTree>
-    <dsp:nvGrpSpPr>
-      <dsp:cNvPr id="0" name=""/>
-      <dsp:cNvGrpSpPr/>
-    </dsp:nvGrpSpPr>
-    <dsp:grpSpPr/>
-    <dsp:sp modelId="{35E43924-44A8-42B2-8481-0C49181627B4}">
-      <dsp:nvSpPr>
-        <dsp:cNvPr id="0" name=""/>
-        <dsp:cNvSpPr/>
-      </dsp:nvSpPr>
-      <dsp:spPr>
-        <a:xfrm>
-          <a:off x="1833742" y="668065"/>
-          <a:ext cx="4460515" cy="4460515"/>
-        </a:xfrm>
-        <a:prstGeom prst="blockArc">
-          <a:avLst>
-            <a:gd name="adj1" fmla="val 9000000"/>
-            <a:gd name="adj2" fmla="val 16200000"/>
-            <a:gd name="adj3" fmla="val 4637"/>
-          </a:avLst>
-        </a:prstGeom>
-        <a:solidFill>
-          <a:schemeClr val="accent3">
-            <a:hueOff val="-2534067"/>
-            <a:satOff val="16319"/>
-            <a:lumOff val="588"/>
-            <a:alphaOff val="0"/>
-          </a:schemeClr>
-        </a:solidFill>
-        <a:ln>
-          <a:noFill/>
-        </a:ln>
-        <a:effectLst/>
-      </dsp:spPr>
-      <dsp:style>
-        <a:lnRef idx="0">
-          <a:scrgbClr r="0" g="0" b="0"/>
-        </a:lnRef>
-        <a:fillRef idx="1">
-          <a:scrgbClr r="0" g="0" b="0"/>
-        </a:fillRef>
-        <a:effectRef idx="0">
-          <a:scrgbClr r="0" g="0" b="0"/>
-        </a:effectRef>
-        <a:fontRef idx="minor">
-          <a:schemeClr val="lt1"/>
-        </a:fontRef>
-      </dsp:style>
-    </dsp:sp>
-    <dsp:sp modelId="{2248D0B8-F610-45B9-A6E3-72E924C6066F}">
-      <dsp:nvSpPr>
-        <dsp:cNvPr id="0" name=""/>
-        <dsp:cNvSpPr/>
-      </dsp:nvSpPr>
-      <dsp:spPr>
-        <a:xfrm>
-          <a:off x="1833742" y="668065"/>
-          <a:ext cx="4460515" cy="4460515"/>
-        </a:xfrm>
-        <a:prstGeom prst="blockArc">
-          <a:avLst>
-            <a:gd name="adj1" fmla="val 1800000"/>
-            <a:gd name="adj2" fmla="val 9000000"/>
-            <a:gd name="adj3" fmla="val 4637"/>
-          </a:avLst>
-        </a:prstGeom>
-        <a:solidFill>
-          <a:schemeClr val="accent3">
-            <a:hueOff val="-1267033"/>
-            <a:satOff val="8160"/>
-            <a:lumOff val="294"/>
-            <a:alphaOff val="0"/>
-          </a:schemeClr>
-        </a:solidFill>
-        <a:ln>
-          <a:noFill/>
-        </a:ln>
-        <a:effectLst/>
-      </dsp:spPr>
-      <dsp:style>
-        <a:lnRef idx="0">
-          <a:scrgbClr r="0" g="0" b="0"/>
-        </a:lnRef>
-        <a:fillRef idx="1">
-          <a:scrgbClr r="0" g="0" b="0"/>
-        </a:fillRef>
-        <a:effectRef idx="0">
-          <a:scrgbClr r="0" g="0" b="0"/>
-        </a:effectRef>
-        <a:fontRef idx="minor">
-          <a:schemeClr val="lt1"/>
-        </a:fontRef>
-      </dsp:style>
-    </dsp:sp>
-    <dsp:sp modelId="{B6CF47F7-3F94-409F-A63B-4E3867BD5D43}">
-      <dsp:nvSpPr>
-        <dsp:cNvPr id="0" name=""/>
-        <dsp:cNvSpPr/>
-      </dsp:nvSpPr>
-      <dsp:spPr>
-        <a:xfrm>
-          <a:off x="1833742" y="668065"/>
-          <a:ext cx="4460515" cy="4460515"/>
-        </a:xfrm>
-        <a:prstGeom prst="blockArc">
-          <a:avLst>
-            <a:gd name="adj1" fmla="val 16200000"/>
-            <a:gd name="adj2" fmla="val 1800000"/>
-            <a:gd name="adj3" fmla="val 4637"/>
-          </a:avLst>
-        </a:prstGeom>
-        <a:solidFill>
-          <a:schemeClr val="accent3">
-            <a:hueOff val="0"/>
-            <a:satOff val="0"/>
-            <a:lumOff val="0"/>
-            <a:alphaOff val="0"/>
-          </a:schemeClr>
-        </a:solidFill>
-        <a:ln>
-          <a:noFill/>
-        </a:ln>
-        <a:effectLst/>
-      </dsp:spPr>
-      <dsp:style>
-        <a:lnRef idx="0">
-          <a:scrgbClr r="0" g="0" b="0"/>
-        </a:lnRef>
-        <a:fillRef idx="1">
-          <a:scrgbClr r="0" g="0" b="0"/>
-        </a:fillRef>
-        <a:effectRef idx="0">
-          <a:scrgbClr r="0" g="0" b="0"/>
-        </a:effectRef>
-        <a:fontRef idx="minor">
-          <a:schemeClr val="lt1"/>
-        </a:fontRef>
-      </dsp:style>
-    </dsp:sp>
-    <dsp:sp modelId="{7F6ED56F-8249-42B3-A26E-F74BF63B0B17}">
-      <dsp:nvSpPr>
-        <dsp:cNvPr id="0" name=""/>
-        <dsp:cNvSpPr/>
-      </dsp:nvSpPr>
-      <dsp:spPr>
-        <a:xfrm>
-          <a:off x="3038078" y="1872401"/>
-          <a:ext cx="2051843" cy="2051843"/>
-        </a:xfrm>
-        <a:prstGeom prst="ellipse">
-          <a:avLst/>
-        </a:prstGeom>
-        <a:solidFill>
-          <a:schemeClr val="accent2">
-            <a:hueOff val="0"/>
-            <a:satOff val="0"/>
-            <a:lumOff val="0"/>
-            <a:alphaOff val="0"/>
-          </a:schemeClr>
-        </a:solidFill>
-        <a:ln w="15875" cap="rnd" cmpd="sng" algn="ctr">
-          <a:solidFill>
-            <a:schemeClr val="lt1">
-              <a:hueOff val="0"/>
-              <a:satOff val="0"/>
-              <a:lumOff val="0"/>
-              <a:alphaOff val="0"/>
-            </a:schemeClr>
-          </a:solidFill>
-          <a:prstDash val="solid"/>
-        </a:ln>
-        <a:effectLst/>
-      </dsp:spPr>
-      <dsp:style>
-        <a:lnRef idx="2">
-          <a:scrgbClr r="0" g="0" b="0"/>
-        </a:lnRef>
-        <a:fillRef idx="1">
-          <a:scrgbClr r="0" g="0" b="0"/>
-        </a:fillRef>
-        <a:effectRef idx="0">
-          <a:scrgbClr r="0" g="0" b="0"/>
-        </a:effectRef>
-        <a:fontRef idx="minor">
-          <a:schemeClr val="lt1"/>
-        </a:fontRef>
-      </dsp:style>
-      <dsp:txBody>
-        <a:bodyPr spcFirstLastPara="0" vert="horz" wrap="square" lIns="35560" tIns="35560" rIns="35560" bIns="35560" numCol="1" spcCol="1270" anchor="ctr" anchorCtr="0">
-          <a:noAutofit/>
-        </a:bodyPr>
-        <a:lstStyle/>
-        <a:p>
-          <a:pPr marL="0" lvl="0" indent="0" algn="ctr" defTabSz="1244600">
-            <a:lnSpc>
-              <a:spcPct val="90000"/>
-            </a:lnSpc>
-            <a:spcBef>
-              <a:spcPct val="0"/>
-            </a:spcBef>
-            <a:spcAft>
-              <a:spcPct val="35000"/>
-            </a:spcAft>
-            <a:buNone/>
-          </a:pPr>
-          <a:r>
-            <a:rPr lang="zh-TW" altLang="en-US" sz="2800" b="1" kern="1200" dirty="0">
-              <a:latin typeface="微軟正黑體" panose="020B0604030504040204" pitchFamily="34" charset="-120"/>
-              <a:ea typeface="微軟正黑體" panose="020B0604030504040204" pitchFamily="34" charset="-120"/>
-            </a:rPr>
-            <a:t>如何</a:t>
-          </a:r>
-          <a:endParaRPr lang="en-US" altLang="zh-TW" sz="2800" b="1" kern="1200" dirty="0">
-            <a:latin typeface="微軟正黑體" panose="020B0604030504040204" pitchFamily="34" charset="-120"/>
-            <a:ea typeface="微軟正黑體" panose="020B0604030504040204" pitchFamily="34" charset="-120"/>
-          </a:endParaRPr>
-        </a:p>
-        <a:p>
-          <a:pPr marL="0" lvl="0" indent="0" algn="ctr" defTabSz="1244600">
-            <a:lnSpc>
-              <a:spcPct val="90000"/>
-            </a:lnSpc>
-            <a:spcBef>
-              <a:spcPct val="0"/>
-            </a:spcBef>
-            <a:spcAft>
-              <a:spcPct val="35000"/>
-            </a:spcAft>
-            <a:buNone/>
-          </a:pPr>
-          <a:r>
-            <a:rPr lang="zh-TW" altLang="en-US" sz="2800" b="1" kern="1200" dirty="0">
-              <a:latin typeface="微軟正黑體" panose="020B0604030504040204" pitchFamily="34" charset="-120"/>
-              <a:ea typeface="微軟正黑體" panose="020B0604030504040204" pitchFamily="34" charset="-120"/>
-            </a:rPr>
-            <a:t>完成</a:t>
-          </a:r>
-        </a:p>
-      </dsp:txBody>
-      <dsp:txXfrm>
-        <a:off x="3338563" y="2172886"/>
-        <a:ext cx="1450873" cy="1450873"/>
-      </dsp:txXfrm>
-    </dsp:sp>
-    <dsp:sp modelId="{CBB73770-6F83-4164-9F8B-5CB3477A2339}">
-      <dsp:nvSpPr>
-        <dsp:cNvPr id="0" name=""/>
-        <dsp:cNvSpPr/>
-      </dsp:nvSpPr>
-      <dsp:spPr>
-        <a:xfrm>
-          <a:off x="3345854" y="1626"/>
-          <a:ext cx="1436290" cy="1436290"/>
-        </a:xfrm>
-        <a:prstGeom prst="ellipse">
-          <a:avLst/>
-        </a:prstGeom>
-        <a:solidFill>
-          <a:schemeClr val="accent3">
-            <a:hueOff val="0"/>
-            <a:satOff val="0"/>
-            <a:lumOff val="0"/>
-            <a:alphaOff val="0"/>
-          </a:schemeClr>
-        </a:solidFill>
-        <a:ln w="15875" cap="rnd" cmpd="sng" algn="ctr">
-          <a:solidFill>
-            <a:schemeClr val="lt1">
-              <a:hueOff val="0"/>
-              <a:satOff val="0"/>
-              <a:lumOff val="0"/>
-              <a:alphaOff val="0"/>
-            </a:schemeClr>
-          </a:solidFill>
-          <a:prstDash val="solid"/>
-        </a:ln>
-        <a:effectLst/>
-      </dsp:spPr>
-      <dsp:style>
-        <a:lnRef idx="2">
-          <a:scrgbClr r="0" g="0" b="0"/>
-        </a:lnRef>
-        <a:fillRef idx="1">
-          <a:scrgbClr r="0" g="0" b="0"/>
-        </a:fillRef>
-        <a:effectRef idx="0">
-          <a:scrgbClr r="0" g="0" b="0"/>
-        </a:effectRef>
-        <a:fontRef idx="minor">
-          <a:schemeClr val="lt1"/>
-        </a:fontRef>
-      </dsp:style>
-      <dsp:txBody>
-        <a:bodyPr spcFirstLastPara="0" vert="horz" wrap="square" lIns="17780" tIns="17780" rIns="17780" bIns="17780" numCol="1" spcCol="1270" anchor="ctr" anchorCtr="0">
-          <a:noAutofit/>
-        </a:bodyPr>
-        <a:lstStyle/>
-        <a:p>
-          <a:pPr marL="0" lvl="0" indent="0" algn="ctr" defTabSz="622300">
-            <a:lnSpc>
-              <a:spcPct val="90000"/>
-            </a:lnSpc>
-            <a:spcBef>
-              <a:spcPct val="0"/>
-            </a:spcBef>
-            <a:spcAft>
-              <a:spcPct val="35000"/>
-            </a:spcAft>
-            <a:buNone/>
-          </a:pPr>
-          <a:r>
-            <a:rPr lang="zh-TW" altLang="en-US" sz="1400" b="1" kern="1200" dirty="0">
-              <a:latin typeface="微軟正黑體" panose="020B0604030504040204" pitchFamily="34" charset="-120"/>
-              <a:ea typeface="微軟正黑體" panose="020B0604030504040204" pitchFamily="34" charset="-120"/>
-            </a:rPr>
-            <a:t>網路</a:t>
-          </a:r>
-          <a:endParaRPr lang="en-US" altLang="zh-TW" sz="1400" b="1" kern="1200" dirty="0">
-            <a:latin typeface="微軟正黑體" panose="020B0604030504040204" pitchFamily="34" charset="-120"/>
-            <a:ea typeface="微軟正黑體" panose="020B0604030504040204" pitchFamily="34" charset="-120"/>
-          </a:endParaRPr>
-        </a:p>
-        <a:p>
-          <a:pPr marL="0" lvl="0" indent="0" algn="ctr" defTabSz="622300">
-            <a:lnSpc>
-              <a:spcPct val="90000"/>
-            </a:lnSpc>
-            <a:spcBef>
-              <a:spcPct val="0"/>
-            </a:spcBef>
-            <a:spcAft>
-              <a:spcPct val="35000"/>
-            </a:spcAft>
-            <a:buNone/>
-          </a:pPr>
-          <a:r>
-            <a:rPr lang="zh-TW" altLang="en-US" sz="1400" b="1" kern="1200" dirty="0">
-              <a:latin typeface="微軟正黑體" panose="020B0604030504040204" pitchFamily="34" charset="-120"/>
-              <a:ea typeface="微軟正黑體" panose="020B0604030504040204" pitchFamily="34" charset="-120"/>
-            </a:rPr>
-            <a:t>程式碼</a:t>
-          </a:r>
-        </a:p>
-      </dsp:txBody>
-      <dsp:txXfrm>
-        <a:off x="3556194" y="211966"/>
-        <a:ext cx="1015610" cy="1015610"/>
-      </dsp:txXfrm>
-    </dsp:sp>
-    <dsp:sp modelId="{1F47ABAE-0982-49B1-9F2A-82FC4F3278FA}">
-      <dsp:nvSpPr>
-        <dsp:cNvPr id="0" name=""/>
-        <dsp:cNvSpPr/>
-      </dsp:nvSpPr>
-      <dsp:spPr>
-        <a:xfrm>
-          <a:off x="5232535" y="3269453"/>
-          <a:ext cx="1436290" cy="1436290"/>
-        </a:xfrm>
-        <a:prstGeom prst="ellipse">
-          <a:avLst/>
-        </a:prstGeom>
-        <a:solidFill>
-          <a:schemeClr val="accent3">
-            <a:hueOff val="-1267033"/>
-            <a:satOff val="8160"/>
-            <a:lumOff val="294"/>
-            <a:alphaOff val="0"/>
-          </a:schemeClr>
-        </a:solidFill>
-        <a:ln w="15875" cap="rnd" cmpd="sng" algn="ctr">
-          <a:solidFill>
-            <a:schemeClr val="lt1">
-              <a:hueOff val="0"/>
-              <a:satOff val="0"/>
-              <a:lumOff val="0"/>
-              <a:alphaOff val="0"/>
-            </a:schemeClr>
-          </a:solidFill>
-          <a:prstDash val="solid"/>
-        </a:ln>
-        <a:effectLst/>
-      </dsp:spPr>
-      <dsp:style>
-        <a:lnRef idx="2">
-          <a:scrgbClr r="0" g="0" b="0"/>
-        </a:lnRef>
-        <a:fillRef idx="1">
-          <a:scrgbClr r="0" g="0" b="0"/>
-        </a:fillRef>
-        <a:effectRef idx="0">
-          <a:scrgbClr r="0" g="0" b="0"/>
-        </a:effectRef>
-        <a:fontRef idx="minor">
-          <a:schemeClr val="lt1"/>
-        </a:fontRef>
-      </dsp:style>
-      <dsp:txBody>
-        <a:bodyPr spcFirstLastPara="0" vert="horz" wrap="square" lIns="17780" tIns="17780" rIns="17780" bIns="17780" numCol="1" spcCol="1270" anchor="ctr" anchorCtr="0">
-          <a:noAutofit/>
-        </a:bodyPr>
-        <a:lstStyle/>
-        <a:p>
-          <a:pPr marL="0" lvl="0" indent="0" algn="ctr" defTabSz="622300">
-            <a:lnSpc>
-              <a:spcPct val="90000"/>
-            </a:lnSpc>
-            <a:spcBef>
-              <a:spcPct val="0"/>
-            </a:spcBef>
-            <a:spcAft>
-              <a:spcPct val="35000"/>
-            </a:spcAft>
-            <a:buNone/>
-          </a:pPr>
-          <a:r>
-            <a:rPr lang="zh-TW" altLang="en-US" sz="1400" b="1" kern="1200" dirty="0">
-              <a:latin typeface="微軟正黑體" panose="020B0604030504040204" pitchFamily="34" charset="-120"/>
-              <a:ea typeface="微軟正黑體" panose="020B0604030504040204" pitchFamily="34" charset="-120"/>
-            </a:rPr>
-            <a:t>自身</a:t>
-          </a:r>
-          <a:endParaRPr lang="en-US" altLang="zh-TW" sz="1400" b="1" kern="1200" dirty="0">
-            <a:latin typeface="微軟正黑體" panose="020B0604030504040204" pitchFamily="34" charset="-120"/>
-            <a:ea typeface="微軟正黑體" panose="020B0604030504040204" pitchFamily="34" charset="-120"/>
-          </a:endParaRPr>
-        </a:p>
-        <a:p>
-          <a:pPr marL="0" lvl="0" indent="0" algn="ctr" defTabSz="622300">
-            <a:lnSpc>
-              <a:spcPct val="90000"/>
-            </a:lnSpc>
-            <a:spcBef>
-              <a:spcPct val="0"/>
-            </a:spcBef>
-            <a:spcAft>
-              <a:spcPct val="35000"/>
-            </a:spcAft>
-            <a:buNone/>
-          </a:pPr>
-          <a:r>
-            <a:rPr lang="zh-TW" altLang="en-US" sz="1400" b="1" kern="1200" dirty="0">
-              <a:latin typeface="微軟正黑體" panose="020B0604030504040204" pitchFamily="34" charset="-120"/>
-              <a:ea typeface="微軟正黑體" panose="020B0604030504040204" pitchFamily="34" charset="-120"/>
-            </a:rPr>
-            <a:t>遊玩經驗</a:t>
-          </a:r>
-        </a:p>
-      </dsp:txBody>
-      <dsp:txXfrm>
-        <a:off x="5442875" y="3479793"/>
-        <a:ext cx="1015610" cy="1015610"/>
-      </dsp:txXfrm>
-    </dsp:sp>
-    <dsp:sp modelId="{D0055DF3-9F1B-4704-A3B1-13961A0B625A}">
-      <dsp:nvSpPr>
-        <dsp:cNvPr id="0" name=""/>
-        <dsp:cNvSpPr/>
-      </dsp:nvSpPr>
-      <dsp:spPr>
-        <a:xfrm>
-          <a:off x="1459173" y="3269453"/>
-          <a:ext cx="1436290" cy="1436290"/>
-        </a:xfrm>
-        <a:prstGeom prst="ellipse">
-          <a:avLst/>
-        </a:prstGeom>
-        <a:solidFill>
-          <a:schemeClr val="accent3">
-            <a:hueOff val="-2534067"/>
-            <a:satOff val="16319"/>
-            <a:lumOff val="588"/>
-            <a:alphaOff val="0"/>
-          </a:schemeClr>
-        </a:solidFill>
-        <a:ln w="15875" cap="rnd" cmpd="sng" algn="ctr">
-          <a:solidFill>
-            <a:schemeClr val="lt1">
-              <a:hueOff val="0"/>
-              <a:satOff val="0"/>
-              <a:lumOff val="0"/>
-              <a:alphaOff val="0"/>
-            </a:schemeClr>
-          </a:solidFill>
-          <a:prstDash val="solid"/>
-        </a:ln>
-        <a:effectLst/>
-      </dsp:spPr>
-      <dsp:style>
-        <a:lnRef idx="2">
-          <a:scrgbClr r="0" g="0" b="0"/>
-        </a:lnRef>
-        <a:fillRef idx="1">
-          <a:scrgbClr r="0" g="0" b="0"/>
-        </a:fillRef>
-        <a:effectRef idx="0">
-          <a:scrgbClr r="0" g="0" b="0"/>
-        </a:effectRef>
-        <a:fontRef idx="minor">
-          <a:schemeClr val="lt1"/>
-        </a:fontRef>
-      </dsp:style>
-      <dsp:txBody>
-        <a:bodyPr spcFirstLastPara="0" vert="horz" wrap="square" lIns="17780" tIns="17780" rIns="17780" bIns="17780" numCol="1" spcCol="1270" anchor="ctr" anchorCtr="0">
-          <a:noAutofit/>
-        </a:bodyPr>
-        <a:lstStyle/>
-        <a:p>
-          <a:pPr marL="0" lvl="0" indent="0" algn="ctr" defTabSz="622300">
-            <a:lnSpc>
-              <a:spcPct val="90000"/>
-            </a:lnSpc>
-            <a:spcBef>
-              <a:spcPct val="0"/>
-            </a:spcBef>
-            <a:spcAft>
-              <a:spcPct val="35000"/>
-            </a:spcAft>
-            <a:buNone/>
-          </a:pPr>
-          <a:r>
-            <a:rPr lang="en-US" altLang="zh-TW" sz="1400" b="1" kern="1200" dirty="0">
-              <a:latin typeface="微軟正黑體" panose="020B0604030504040204" pitchFamily="34" charset="-120"/>
-              <a:ea typeface="微軟正黑體" panose="020B0604030504040204" pitchFamily="34" charset="-120"/>
-            </a:rPr>
-            <a:t>W3Schools</a:t>
-          </a:r>
-          <a:endParaRPr lang="zh-TW" altLang="en-US" sz="1400" b="1" kern="1200" dirty="0">
-            <a:latin typeface="微軟正黑體" panose="020B0604030504040204" pitchFamily="34" charset="-120"/>
-            <a:ea typeface="微軟正黑體" panose="020B0604030504040204" pitchFamily="34" charset="-120"/>
-          </a:endParaRPr>
-        </a:p>
-      </dsp:txBody>
-      <dsp:txXfrm>
-        <a:off x="1669513" y="3479793"/>
-        <a:ext cx="1015610" cy="1015610"/>
-      </dsp:txXfrm>
-    </dsp:sp>
-  </dsp:spTree>
-</dsp:drawing>
-</file>
-
-<file path=ppt/diagrams/drawing4.xml><?xml version="1.0" encoding="utf-8"?>
 <dsp:drawing xmlns:dgm="http://schemas.openxmlformats.org/drawingml/2006/diagram" xmlns:dsp="http://schemas.microsoft.com/office/drawing/2008/diagram" xmlns:a="http://schemas.openxmlformats.org/drawingml/2006/main">
   <dsp:spTree>
     <dsp:nvGrpSpPr>
@@ -8246,7 +6893,7 @@
 </dsp:drawing>
 </file>
 
-<file path=ppt/diagrams/drawing5.xml><?xml version="1.0" encoding="utf-8"?>
+<file path=ppt/diagrams/drawing4.xml><?xml version="1.0" encoding="utf-8"?>
 <dsp:drawing xmlns:dgm="http://schemas.openxmlformats.org/drawingml/2006/diagram" xmlns:dsp="http://schemas.microsoft.com/office/drawing/2008/diagram" xmlns:a="http://schemas.openxmlformats.org/drawingml/2006/main">
   <dsp:spTree>
     <dsp:nvGrpSpPr>
@@ -9292,413 +7939,6 @@
 </file>
 
 <file path=ppt/diagrams/layout3.xml><?xml version="1.0" encoding="utf-8"?>
-<dgm:layoutDef xmlns:dgm="http://schemas.openxmlformats.org/drawingml/2006/diagram" xmlns:a="http://schemas.openxmlformats.org/drawingml/2006/main" uniqueId="urn:microsoft.com/office/officeart/2005/8/layout/radial6">
-  <dgm:title val=""/>
-  <dgm:desc val=""/>
-  <dgm:catLst>
-    <dgm:cat type="cycle" pri="9000"/>
-    <dgm:cat type="relationship" pri="21000"/>
-  </dgm:catLst>
-  <dgm:sampData>
-    <dgm:dataModel>
-      <dgm:ptLst>
-        <dgm:pt modelId="0" type="doc"/>
-        <dgm:pt modelId="1">
-          <dgm:prSet phldr="1"/>
-        </dgm:pt>
-        <dgm:pt modelId="11">
-          <dgm:prSet phldr="1"/>
-        </dgm:pt>
-        <dgm:pt modelId="12">
-          <dgm:prSet phldr="1"/>
-        </dgm:pt>
-        <dgm:pt modelId="13">
-          <dgm:prSet phldr="1"/>
-        </dgm:pt>
-        <dgm:pt modelId="14">
-          <dgm:prSet phldr="1"/>
-        </dgm:pt>
-      </dgm:ptLst>
-      <dgm:cxnLst>
-        <dgm:cxn modelId="2" srcId="0" destId="1" srcOrd="0" destOrd="0"/>
-        <dgm:cxn modelId="3" srcId="1" destId="11" srcOrd="0" destOrd="0"/>
-        <dgm:cxn modelId="4" srcId="1" destId="12" srcOrd="1" destOrd="0"/>
-        <dgm:cxn modelId="5" srcId="1" destId="13" srcOrd="2" destOrd="0"/>
-        <dgm:cxn modelId="6" srcId="1" destId="14" srcOrd="3" destOrd="0"/>
-      </dgm:cxnLst>
-      <dgm:bg/>
-      <dgm:whole/>
-    </dgm:dataModel>
-  </dgm:sampData>
-  <dgm:styleData>
-    <dgm:dataModel>
-      <dgm:ptLst>
-        <dgm:pt modelId="0" type="doc"/>
-        <dgm:pt modelId="1"/>
-        <dgm:pt modelId="11"/>
-        <dgm:pt modelId="12"/>
-        <dgm:pt modelId="13"/>
-      </dgm:ptLst>
-      <dgm:cxnLst>
-        <dgm:cxn modelId="2" srcId="0" destId="1" srcOrd="0" destOrd="0"/>
-        <dgm:cxn modelId="15" srcId="1" destId="11" srcOrd="0" destOrd="0"/>
-        <dgm:cxn modelId="16" srcId="1" destId="12" srcOrd="1" destOrd="0"/>
-        <dgm:cxn modelId="17" srcId="1" destId="13" srcOrd="2" destOrd="0"/>
-      </dgm:cxnLst>
-      <dgm:bg/>
-      <dgm:whole/>
-    </dgm:dataModel>
-  </dgm:styleData>
-  <dgm:clrData>
-    <dgm:dataModel>
-      <dgm:ptLst>
-        <dgm:pt modelId="0" type="doc"/>
-        <dgm:pt modelId="1"/>
-        <dgm:pt modelId="11"/>
-        <dgm:pt modelId="12"/>
-        <dgm:pt modelId="13"/>
-        <dgm:pt modelId="14"/>
-        <dgm:pt modelId="15"/>
-        <dgm:pt modelId="16"/>
-      </dgm:ptLst>
-      <dgm:cxnLst>
-        <dgm:cxn modelId="2" srcId="0" destId="1" srcOrd="0" destOrd="0"/>
-        <dgm:cxn modelId="16" srcId="1" destId="11" srcOrd="0" destOrd="0"/>
-        <dgm:cxn modelId="17" srcId="1" destId="12" srcOrd="1" destOrd="0"/>
-        <dgm:cxn modelId="18" srcId="1" destId="13" srcOrd="2" destOrd="0"/>
-        <dgm:cxn modelId="19" srcId="1" destId="14" srcOrd="3" destOrd="0"/>
-        <dgm:cxn modelId="20" srcId="1" destId="15" srcOrd="4" destOrd="0"/>
-        <dgm:cxn modelId="21" srcId="1" destId="16" srcOrd="5" destOrd="0"/>
-      </dgm:cxnLst>
-      <dgm:bg/>
-      <dgm:whole/>
-    </dgm:dataModel>
-  </dgm:clrData>
-  <dgm:layoutNode name="Name0">
-    <dgm:varLst>
-      <dgm:chMax val="1"/>
-      <dgm:dir/>
-      <dgm:animLvl val="ctr"/>
-      <dgm:resizeHandles val="exact"/>
-    </dgm:varLst>
-    <dgm:choose name="Name1">
-      <dgm:if name="Name2" func="var" arg="dir" op="equ" val="norm">
-        <dgm:choose name="Name3">
-          <dgm:if name="Name4" axis="ch ch" ptType="node node" st="1 1" cnt="1 0" func="cnt" op="lte" val="1">
-            <dgm:alg type="cycle">
-              <dgm:param type="stAng" val="90"/>
-              <dgm:param type="spanAng" val="360"/>
-              <dgm:param type="ctrShpMap" val="fNode"/>
-            </dgm:alg>
-          </dgm:if>
-          <dgm:else name="Name5">
-            <dgm:alg type="cycle">
-              <dgm:param type="stAng" val="0"/>
-              <dgm:param type="spanAng" val="360"/>
-              <dgm:param type="ctrShpMap" val="fNode"/>
-            </dgm:alg>
-          </dgm:else>
-        </dgm:choose>
-      </dgm:if>
-      <dgm:else name="Name6">
-        <dgm:choose name="Name7">
-          <dgm:if name="Name8" axis="ch ch" ptType="node node" st="1 1" cnt="1 0" func="cnt" op="lte" val="1">
-            <dgm:alg type="cycle">
-              <dgm:param type="stAng" val="-90"/>
-              <dgm:param type="spanAng" val="360"/>
-              <dgm:param type="ctrShpMap" val="fNode"/>
-            </dgm:alg>
-          </dgm:if>
-          <dgm:else name="Name9">
-            <dgm:alg type="cycle">
-              <dgm:param type="stAng" val="0"/>
-              <dgm:param type="spanAng" val="-360"/>
-              <dgm:param type="ctrShpMap" val="fNode"/>
-            </dgm:alg>
-          </dgm:else>
-        </dgm:choose>
-      </dgm:else>
-    </dgm:choose>
-    <dgm:shape xmlns:r="http://schemas.openxmlformats.org/officeDocument/2006/relationships" r:blip="">
-      <dgm:adjLst/>
-    </dgm:shape>
-    <dgm:presOf/>
-    <dgm:choose name="Name10">
-      <dgm:if name="Name11" func="var" arg="dir" op="equ" val="norm">
-        <dgm:choose name="Name12">
-          <dgm:if name="Name13" axis="ch ch" ptType="node node" st="1 1" cnt="1 0" func="cnt" op="equ" val="1">
-            <dgm:constrLst>
-              <dgm:constr type="diam" val="170"/>
-              <dgm:constr type="w" for="ch" forName="centerShape" refType="w"/>
-              <dgm:constr type="w" for="ch" forName="oneComp" refType="w" refFor="ch" refForName="centerShape" op="equ" fact="0.7"/>
-              <dgm:constr type="sp" refType="w" refFor="ch" refForName="oneComp" fact="0.3"/>
-              <dgm:constr type="sibSp" refType="w" refFor="ch" refForName="oneComp" fact="0.3"/>
-              <dgm:constr type="primFontSz" for="ch" forName="centerShape" val="65"/>
-              <dgm:constr type="primFontSz" for="des" forName="oneNode" refType="primFontSz" refFor="ch" refForName="centerShape" fact="0.95"/>
-              <dgm:constr type="primFontSz" for="des" forName="oneNode" refType="primFontSz" refFor="ch" refForName="centerShape" op="lte" fact="0.95"/>
-              <dgm:constr type="diam" for="ch" forName="singleconn" refType="diam" op="equ" fact="-1"/>
-              <dgm:constr type="h" for="ch" forName="singleconn" refType="w" refFor="ch" refForName="oneComp" fact="0.24"/>
-              <dgm:constr type="w" for="ch" forName="dummya" refType="w" refFor="ch" refForName="oneComp" op="equ"/>
-              <dgm:constr type="w" for="ch" forName="dummyb" refType="w" refFor="ch" refForName="oneComp" op="equ"/>
-              <dgm:constr type="w" for="ch" forName="dummyc" refType="w" refFor="ch" refForName="oneComp" op="equ"/>
-            </dgm:constrLst>
-          </dgm:if>
-          <dgm:else name="Name14">
-            <dgm:constrLst>
-              <dgm:constr type="diam" val="170"/>
-              <dgm:constr type="w" for="ch" forName="centerShape" refType="w"/>
-              <dgm:constr type="w" for="ch" forName="node" refType="w" refFor="ch" refForName="centerShape" op="equ" fact="0.7"/>
-              <dgm:constr type="sp" refType="w" refFor="ch" refForName="node" fact="0.3"/>
-              <dgm:constr type="sibSp" refType="w" refFor="ch" refForName="node" fact="0.3"/>
-              <dgm:constr type="primFontSz" for="ch" forName="centerShape" val="65"/>
-              <dgm:constr type="primFontSz" for="des" forName="node" refType="primFontSz" refFor="ch" refForName="centerShape" fact="0.78"/>
-              <dgm:constr type="primFontSz" for="ch" forName="node" refType="primFontSz" refFor="ch" refForName="centerShape" op="lte" fact="0.95"/>
-              <dgm:constr type="diam" for="ch" forName="sibTrans" refType="diam" op="equ"/>
-              <dgm:constr type="h" for="ch" forName="sibTrans" refType="w" refFor="ch" refForName="node" fact="0.24"/>
-              <dgm:constr type="w" for="ch" forName="dummy" val="1"/>
-            </dgm:constrLst>
-          </dgm:else>
-        </dgm:choose>
-      </dgm:if>
-      <dgm:else name="Name15">
-        <dgm:choose name="Name16">
-          <dgm:if name="Name17" axis="ch ch" ptType="node node" st="1 1" cnt="1 0" func="cnt" op="equ" val="1">
-            <dgm:constrLst>
-              <dgm:constr type="diam" val="170"/>
-              <dgm:constr type="w" for="ch" forName="centerShape" refType="w"/>
-              <dgm:constr type="w" for="ch" forName="oneComp" refType="w" refFor="ch" refForName="centerShape" op="equ" fact="0.7"/>
-              <dgm:constr type="sp" refType="w" refFor="ch" refForName="oneComp" fact="0.3"/>
-              <dgm:constr type="sibSp" refType="w" refFor="ch" refForName="oneComp" fact="0.3"/>
-              <dgm:constr type="primFontSz" for="ch" forName="centerShape" val="65"/>
-              <dgm:constr type="primFontSz" for="des" forName="oneNode" refType="primFontSz" refFor="ch" refForName="centerShape" fact="0.95"/>
-              <dgm:constr type="primFontSz" for="ch" forName="oneNode" refType="primFontSz" refFor="ch" refForName="centerShape" op="lte" fact="0.95"/>
-              <dgm:constr type="diam" for="ch" forName="singleconn" refType="diam"/>
-              <dgm:constr type="h" for="ch" forName="singleconn" refType="w" refFor="ch" refForName="oneComp" fact="0.24"/>
-              <dgm:constr type="diam" for="ch" refType="diam" op="equ"/>
-              <dgm:constr type="w" for="ch" forName="dummya" refType="w" refFor="ch" refForName="oneComp" op="equ"/>
-              <dgm:constr type="w" for="ch" forName="dummyb" refType="w" refFor="ch" refForName="oneComp" op="equ"/>
-              <dgm:constr type="w" for="ch" forName="dummyc" refType="w" refFor="ch" refForName="oneComp" op="equ"/>
-            </dgm:constrLst>
-          </dgm:if>
-          <dgm:else name="Name18">
-            <dgm:constrLst>
-              <dgm:constr type="diam" val="170"/>
-              <dgm:constr type="w" for="ch" forName="centerShape" refType="w"/>
-              <dgm:constr type="w" for="ch" forName="node" refType="w" refFor="ch" refForName="centerShape" op="equ" fact="0.7"/>
-              <dgm:constr type="sp" refType="w" refFor="ch" refForName="node" fact="0.3"/>
-              <dgm:constr type="sibSp" refType="w" refFor="ch" refForName="node" fact="0.3"/>
-              <dgm:constr type="primFontSz" for="ch" forName="centerShape" val="65"/>
-              <dgm:constr type="primFontSz" for="des" forName="node" refType="primFontSz" refFor="ch" refForName="centerShape" fact="0.78"/>
-              <dgm:constr type="primFontSz" for="ch" forName="node" refType="primFontSz" refFor="ch" refForName="centerShape" op="lte" fact="0.95"/>
-              <dgm:constr type="diam" for="ch" ptType="sibTrans" refType="diam" fact="-1"/>
-              <dgm:constr type="h" for="ch" forName="sibTrans" refType="w" refFor="ch" refForName="node" fact="0.24"/>
-              <dgm:constr type="diam" for="ch" refType="diam" op="equ" fact="-1"/>
-              <dgm:constr type="w" for="ch" forName="dummy" val="1"/>
-            </dgm:constrLst>
-          </dgm:else>
-        </dgm:choose>
-      </dgm:else>
-    </dgm:choose>
-    <dgm:ruleLst>
-      <dgm:rule type="diam" val="INF" fact="NaN" max="NaN"/>
-    </dgm:ruleLst>
-    <dgm:forEach name="Name19" axis="ch" ptType="node" cnt="1">
-      <dgm:layoutNode name="centerShape" styleLbl="node0">
-        <dgm:alg type="tx"/>
-        <dgm:shape xmlns:r="http://schemas.openxmlformats.org/officeDocument/2006/relationships" type="ellipse" r:blip="">
-          <dgm:adjLst/>
-        </dgm:shape>
-        <dgm:presOf axis="self"/>
-        <dgm:constrLst>
-          <dgm:constr type="h" refType="w"/>
-          <dgm:constr type="tMarg" refType="primFontSz" fact="0.1"/>
-          <dgm:constr type="bMarg" refType="primFontSz" fact="0.1"/>
-          <dgm:constr type="lMarg" refType="primFontSz" fact="0.1"/>
-          <dgm:constr type="rMarg" refType="primFontSz" fact="0.1"/>
-        </dgm:constrLst>
-        <dgm:ruleLst>
-          <dgm:rule type="primFontSz" val="5" fact="NaN" max="NaN"/>
-        </dgm:ruleLst>
-      </dgm:layoutNode>
-      <dgm:forEach name="Name20" axis="ch">
-        <dgm:forEach name="Name21" axis="self" ptType="node">
-          <dgm:choose name="Name22">
-            <dgm:if name="Name23" axis="par ch" ptType="node node" func="cnt" op="gt" val="1">
-              <dgm:layoutNode name="node" styleLbl="node1">
-                <dgm:varLst>
-                  <dgm:bulletEnabled val="1"/>
-                </dgm:varLst>
-                <dgm:alg type="tx">
-                  <dgm:param type="txAnchorVertCh" val="mid"/>
-                </dgm:alg>
-                <dgm:shape xmlns:r="http://schemas.openxmlformats.org/officeDocument/2006/relationships" type="ellipse" r:blip="">
-                  <dgm:adjLst/>
-                </dgm:shape>
-                <dgm:presOf axis="desOrSelf" ptType="node"/>
-                <dgm:constrLst>
-                  <dgm:constr type="h" refType="w"/>
-                  <dgm:constr type="tMarg" refType="primFontSz" fact="0.1"/>
-                  <dgm:constr type="bMarg" refType="primFontSz" fact="0.1"/>
-                  <dgm:constr type="lMarg" refType="primFontSz" fact="0.1"/>
-                  <dgm:constr type="rMarg" refType="primFontSz" fact="0.1"/>
-                </dgm:constrLst>
-                <dgm:ruleLst>
-                  <dgm:rule type="primFontSz" val="5" fact="NaN" max="NaN"/>
-                </dgm:ruleLst>
-              </dgm:layoutNode>
-              <dgm:layoutNode name="dummy">
-                <dgm:alg type="sp"/>
-                <dgm:shape xmlns:r="http://schemas.openxmlformats.org/officeDocument/2006/relationships" r:blip="">
-                  <dgm:adjLst/>
-                </dgm:shape>
-                <dgm:presOf/>
-                <dgm:constrLst>
-                  <dgm:constr type="h" refType="w"/>
-                </dgm:constrLst>
-                <dgm:ruleLst/>
-              </dgm:layoutNode>
-              <dgm:forEach name="sibTransForEach" axis="followSib" ptType="sibTrans" hideLastTrans="0" cnt="1">
-                <dgm:layoutNode name="sibTrans" styleLbl="sibTrans2D1">
-                  <dgm:alg type="conn">
-                    <dgm:param type="connRout" val="curve"/>
-                    <dgm:param type="begPts" val="ctr"/>
-                    <dgm:param type="endPts" val="ctr"/>
-                    <dgm:param type="begSty" val="noArr"/>
-                    <dgm:param type="endSty" val="noArr"/>
-                    <dgm:param type="dstNode" val="node"/>
-                  </dgm:alg>
-                  <dgm:shape xmlns:r="http://schemas.openxmlformats.org/officeDocument/2006/relationships" type="conn" r:blip="" zOrderOff="-999">
-                    <dgm:adjLst/>
-                  </dgm:shape>
-                  <dgm:presOf axis="self"/>
-                  <dgm:constrLst>
-                    <dgm:constr type="begPad"/>
-                    <dgm:constr type="endPad"/>
-                  </dgm:constrLst>
-                  <dgm:ruleLst/>
-                </dgm:layoutNode>
-              </dgm:forEach>
-            </dgm:if>
-            <dgm:if name="Name24" axis="par ch" ptType="node node" func="cnt" op="equ" val="1">
-              <dgm:layoutNode name="oneComp">
-                <dgm:alg type="composite">
-                  <dgm:param type="ar" val="1"/>
-                </dgm:alg>
-                <dgm:shape xmlns:r="http://schemas.openxmlformats.org/officeDocument/2006/relationships" r:blip="">
-                  <dgm:adjLst/>
-                </dgm:shape>
-                <dgm:presOf/>
-                <dgm:constrLst>
-                  <dgm:constr type="h" refType="w"/>
-                  <dgm:constr type="l" for="ch" forName="dummyConnPt" refType="w" fact="0.5"/>
-                  <dgm:constr type="t" for="ch" forName="dummyConnPt" refType="w" fact="0.5"/>
-                  <dgm:constr type="l" for="ch" forName="oneNode"/>
-                  <dgm:constr type="t" for="ch" forName="oneNode"/>
-                  <dgm:constr type="h" for="ch" forName="oneNode" refType="h"/>
-                  <dgm:constr type="w" for="ch" forName="oneNode" refType="w"/>
-                </dgm:constrLst>
-                <dgm:ruleLst/>
-                <dgm:layoutNode name="dummyConnPt" styleLbl="node1">
-                  <dgm:alg type="sp"/>
-                  <dgm:shape xmlns:r="http://schemas.openxmlformats.org/officeDocument/2006/relationships" r:blip="">
-                    <dgm:adjLst/>
-                  </dgm:shape>
-                  <dgm:presOf/>
-                  <dgm:constrLst>
-                    <dgm:constr type="w" val="1"/>
-                    <dgm:constr type="h" val="1"/>
-                  </dgm:constrLst>
-                  <dgm:ruleLst/>
-                </dgm:layoutNode>
-                <dgm:layoutNode name="oneNode" styleLbl="node1">
-                  <dgm:varLst>
-                    <dgm:bulletEnabled val="1"/>
-                  </dgm:varLst>
-                  <dgm:alg type="tx">
-                    <dgm:param type="txAnchorVertCh" val="mid"/>
-                  </dgm:alg>
-                  <dgm:shape xmlns:r="http://schemas.openxmlformats.org/officeDocument/2006/relationships" type="ellipse" r:blip="">
-                    <dgm:adjLst/>
-                  </dgm:shape>
-                  <dgm:presOf axis="desOrSelf" ptType="node"/>
-                  <dgm:constrLst>
-                    <dgm:constr type="h" refType="w"/>
-                    <dgm:constr type="tMarg" refType="primFontSz" fact="0.1"/>
-                    <dgm:constr type="bMarg" refType="primFontSz" fact="0.1"/>
-                    <dgm:constr type="lMarg" refType="primFontSz" fact="0.1"/>
-                    <dgm:constr type="rMarg" refType="primFontSz" fact="0.1"/>
-                  </dgm:constrLst>
-                  <dgm:ruleLst>
-                    <dgm:rule type="primFontSz" val="5" fact="NaN" max="NaN"/>
-                  </dgm:ruleLst>
-                </dgm:layoutNode>
-              </dgm:layoutNode>
-              <dgm:layoutNode name="dummya">
-                <dgm:alg type="sp"/>
-                <dgm:shape xmlns:r="http://schemas.openxmlformats.org/officeDocument/2006/relationships" r:blip="">
-                  <dgm:adjLst/>
-                </dgm:shape>
-                <dgm:presOf/>
-                <dgm:constrLst>
-                  <dgm:constr type="h" refType="w"/>
-                </dgm:constrLst>
-                <dgm:ruleLst/>
-              </dgm:layoutNode>
-              <dgm:layoutNode name="dummyb">
-                <dgm:alg type="sp"/>
-                <dgm:shape xmlns:r="http://schemas.openxmlformats.org/officeDocument/2006/relationships" r:blip="">
-                  <dgm:adjLst/>
-                </dgm:shape>
-                <dgm:presOf/>
-                <dgm:constrLst>
-                  <dgm:constr type="h" refType="w"/>
-                </dgm:constrLst>
-                <dgm:ruleLst/>
-              </dgm:layoutNode>
-              <dgm:layoutNode name="dummyc">
-                <dgm:alg type="sp"/>
-                <dgm:shape xmlns:r="http://schemas.openxmlformats.org/officeDocument/2006/relationships" r:blip="">
-                  <dgm:adjLst/>
-                </dgm:shape>
-                <dgm:presOf/>
-                <dgm:constrLst>
-                  <dgm:constr type="h" refType="w"/>
-                </dgm:constrLst>
-                <dgm:ruleLst/>
-              </dgm:layoutNode>
-              <dgm:forEach name="sibTransForEach1" axis="followSib" ptType="sibTrans" hideLastTrans="0" cnt="1">
-                <dgm:layoutNode name="singleconn" styleLbl="sibTrans2D1">
-                  <dgm:alg type="conn">
-                    <dgm:param type="connRout" val="longCurve"/>
-                    <dgm:param type="begPts" val="bCtr"/>
-                    <dgm:param type="endPts" val="tCtr"/>
-                    <dgm:param type="begSty" val="noArr"/>
-                    <dgm:param type="endSty" val="noArr"/>
-                    <dgm:param type="srcNode" val="dummyConnPt"/>
-                    <dgm:param type="dstNode" val="dummyConnPt"/>
-                  </dgm:alg>
-                  <dgm:shape xmlns:r="http://schemas.openxmlformats.org/officeDocument/2006/relationships" type="conn" r:blip="" zOrderOff="-999">
-                    <dgm:adjLst/>
-                  </dgm:shape>
-                  <dgm:presOf axis="self"/>
-                  <dgm:constrLst>
-                    <dgm:constr type="begPad"/>
-                    <dgm:constr type="endPad"/>
-                  </dgm:constrLst>
-                  <dgm:ruleLst/>
-                </dgm:layoutNode>
-              </dgm:forEach>
-            </dgm:if>
-            <dgm:else name="Name25"/>
-          </dgm:choose>
-        </dgm:forEach>
-      </dgm:forEach>
-    </dgm:forEach>
-  </dgm:layoutNode>
-</dgm:layoutDef>
-</file>
-
-<file path=ppt/diagrams/layout4.xml><?xml version="1.0" encoding="utf-8"?>
 <dgm:layoutDef xmlns:dgm="http://schemas.openxmlformats.org/drawingml/2006/diagram" xmlns:a="http://schemas.openxmlformats.org/drawingml/2006/main" uniqueId="urn:microsoft.com/office/officeart/2008/layout/PictureAccentList">
   <dgm:title val=""/>
   <dgm:desc val=""/>
@@ -9947,7 +8187,7 @@
 </dgm:layoutDef>
 </file>
 
-<file path=ppt/diagrams/layout5.xml><?xml version="1.0" encoding="utf-8"?>
+<file path=ppt/diagrams/layout4.xml><?xml version="1.0" encoding="utf-8"?>
 <dgm:layoutDef xmlns:dgm="http://schemas.openxmlformats.org/drawingml/2006/diagram" xmlns:a="http://schemas.openxmlformats.org/drawingml/2006/main" uniqueId="urn:microsoft.com/office/officeart/2005/8/layout/vList2">
   <dgm:title val=""/>
   <dgm:desc val=""/>
@@ -14250,1040 +12490,6 @@
 </dgm:styleDef>
 </file>
 
-<file path=ppt/diagrams/quickStyle5.xml><?xml version="1.0" encoding="utf-8"?>
-<dgm:styleDef xmlns:dgm="http://schemas.openxmlformats.org/drawingml/2006/diagram" xmlns:a="http://schemas.openxmlformats.org/drawingml/2006/main" uniqueId="urn:microsoft.com/office/officeart/2005/8/quickstyle/simple1">
-  <dgm:title val=""/>
-  <dgm:desc val=""/>
-  <dgm:catLst>
-    <dgm:cat type="simple" pri="10100"/>
-  </dgm:catLst>
-  <dgm:scene3d>
-    <a:camera prst="orthographicFront"/>
-    <a:lightRig rig="threePt" dir="t"/>
-  </dgm:scene3d>
-  <dgm:styleLbl name="node0">
-    <dgm:scene3d>
-      <a:camera prst="orthographicFront"/>
-      <a:lightRig rig="threePt" dir="t"/>
-    </dgm:scene3d>
-    <dgm:sp3d/>
-    <dgm:txPr/>
-    <dgm:style>
-      <a:lnRef idx="2">
-        <a:scrgbClr r="0" g="0" b="0"/>
-      </a:lnRef>
-      <a:fillRef idx="1">
-        <a:scrgbClr r="0" g="0" b="0"/>
-      </a:fillRef>
-      <a:effectRef idx="0">
-        <a:scrgbClr r="0" g="0" b="0"/>
-      </a:effectRef>
-      <a:fontRef idx="minor">
-        <a:schemeClr val="lt1"/>
-      </a:fontRef>
-    </dgm:style>
-  </dgm:styleLbl>
-  <dgm:styleLbl name="lnNode1">
-    <dgm:scene3d>
-      <a:camera prst="orthographicFront"/>
-      <a:lightRig rig="threePt" dir="t"/>
-    </dgm:scene3d>
-    <dgm:sp3d/>
-    <dgm:txPr/>
-    <dgm:style>
-      <a:lnRef idx="2">
-        <a:scrgbClr r="0" g="0" b="0"/>
-      </a:lnRef>
-      <a:fillRef idx="1">
-        <a:scrgbClr r="0" g="0" b="0"/>
-      </a:fillRef>
-      <a:effectRef idx="0">
-        <a:scrgbClr r="0" g="0" b="0"/>
-      </a:effectRef>
-      <a:fontRef idx="minor">
-        <a:schemeClr val="lt1"/>
-      </a:fontRef>
-    </dgm:style>
-  </dgm:styleLbl>
-  <dgm:styleLbl name="vennNode1">
-    <dgm:scene3d>
-      <a:camera prst="orthographicFront"/>
-      <a:lightRig rig="threePt" dir="t"/>
-    </dgm:scene3d>
-    <dgm:sp3d/>
-    <dgm:txPr/>
-    <dgm:style>
-      <a:lnRef idx="2">
-        <a:scrgbClr r="0" g="0" b="0"/>
-      </a:lnRef>
-      <a:fillRef idx="1">
-        <a:scrgbClr r="0" g="0" b="0"/>
-      </a:fillRef>
-      <a:effectRef idx="0">
-        <a:scrgbClr r="0" g="0" b="0"/>
-      </a:effectRef>
-      <a:fontRef idx="minor">
-        <a:schemeClr val="tx1"/>
-      </a:fontRef>
-    </dgm:style>
-  </dgm:styleLbl>
-  <dgm:styleLbl name="alignNode1">
-    <dgm:scene3d>
-      <a:camera prst="orthographicFront"/>
-      <a:lightRig rig="threePt" dir="t"/>
-    </dgm:scene3d>
-    <dgm:sp3d/>
-    <dgm:txPr/>
-    <dgm:style>
-      <a:lnRef idx="2">
-        <a:scrgbClr r="0" g="0" b="0"/>
-      </a:lnRef>
-      <a:fillRef idx="1">
-        <a:scrgbClr r="0" g="0" b="0"/>
-      </a:fillRef>
-      <a:effectRef idx="0">
-        <a:scrgbClr r="0" g="0" b="0"/>
-      </a:effectRef>
-      <a:fontRef idx="minor">
-        <a:schemeClr val="lt1"/>
-      </a:fontRef>
-    </dgm:style>
-  </dgm:styleLbl>
-  <dgm:styleLbl name="node1">
-    <dgm:scene3d>
-      <a:camera prst="orthographicFront"/>
-      <a:lightRig rig="threePt" dir="t"/>
-    </dgm:scene3d>
-    <dgm:sp3d/>
-    <dgm:txPr/>
-    <dgm:style>
-      <a:lnRef idx="2">
-        <a:scrgbClr r="0" g="0" b="0"/>
-      </a:lnRef>
-      <a:fillRef idx="1">
-        <a:scrgbClr r="0" g="0" b="0"/>
-      </a:fillRef>
-      <a:effectRef idx="0">
-        <a:scrgbClr r="0" g="0" b="0"/>
-      </a:effectRef>
-      <a:fontRef idx="minor">
-        <a:schemeClr val="lt1"/>
-      </a:fontRef>
-    </dgm:style>
-  </dgm:styleLbl>
-  <dgm:styleLbl name="node2">
-    <dgm:scene3d>
-      <a:camera prst="orthographicFront"/>
-      <a:lightRig rig="threePt" dir="t"/>
-    </dgm:scene3d>
-    <dgm:sp3d/>
-    <dgm:txPr/>
-    <dgm:style>
-      <a:lnRef idx="2">
-        <a:scrgbClr r="0" g="0" b="0"/>
-      </a:lnRef>
-      <a:fillRef idx="1">
-        <a:scrgbClr r="0" g="0" b="0"/>
-      </a:fillRef>
-      <a:effectRef idx="0">
-        <a:scrgbClr r="0" g="0" b="0"/>
-      </a:effectRef>
-      <a:fontRef idx="minor">
-        <a:schemeClr val="lt1"/>
-      </a:fontRef>
-    </dgm:style>
-  </dgm:styleLbl>
-  <dgm:styleLbl name="node3">
-    <dgm:scene3d>
-      <a:camera prst="orthographicFront"/>
-      <a:lightRig rig="threePt" dir="t"/>
-    </dgm:scene3d>
-    <dgm:sp3d/>
-    <dgm:txPr/>
-    <dgm:style>
-      <a:lnRef idx="2">
-        <a:scrgbClr r="0" g="0" b="0"/>
-      </a:lnRef>
-      <a:fillRef idx="1">
-        <a:scrgbClr r="0" g="0" b="0"/>
-      </a:fillRef>
-      <a:effectRef idx="0">
-        <a:scrgbClr r="0" g="0" b="0"/>
-      </a:effectRef>
-      <a:fontRef idx="minor">
-        <a:schemeClr val="lt1"/>
-      </a:fontRef>
-    </dgm:style>
-  </dgm:styleLbl>
-  <dgm:styleLbl name="node4">
-    <dgm:scene3d>
-      <a:camera prst="orthographicFront"/>
-      <a:lightRig rig="threePt" dir="t"/>
-    </dgm:scene3d>
-    <dgm:sp3d/>
-    <dgm:txPr/>
-    <dgm:style>
-      <a:lnRef idx="2">
-        <a:scrgbClr r="0" g="0" b="0"/>
-      </a:lnRef>
-      <a:fillRef idx="1">
-        <a:scrgbClr r="0" g="0" b="0"/>
-      </a:fillRef>
-      <a:effectRef idx="0">
-        <a:scrgbClr r="0" g="0" b="0"/>
-      </a:effectRef>
-      <a:fontRef idx="minor">
-        <a:schemeClr val="lt1"/>
-      </a:fontRef>
-    </dgm:style>
-  </dgm:styleLbl>
-  <dgm:styleLbl name="fgImgPlace1">
-    <dgm:scene3d>
-      <a:camera prst="orthographicFront"/>
-      <a:lightRig rig="threePt" dir="t"/>
-    </dgm:scene3d>
-    <dgm:sp3d/>
-    <dgm:txPr/>
-    <dgm:style>
-      <a:lnRef idx="2">
-        <a:scrgbClr r="0" g="0" b="0"/>
-      </a:lnRef>
-      <a:fillRef idx="1">
-        <a:scrgbClr r="0" g="0" b="0"/>
-      </a:fillRef>
-      <a:effectRef idx="0">
-        <a:scrgbClr r="0" g="0" b="0"/>
-      </a:effectRef>
-      <a:fontRef idx="minor"/>
-    </dgm:style>
-  </dgm:styleLbl>
-  <dgm:styleLbl name="alignImgPlace1">
-    <dgm:scene3d>
-      <a:camera prst="orthographicFront"/>
-      <a:lightRig rig="threePt" dir="t"/>
-    </dgm:scene3d>
-    <dgm:sp3d/>
-    <dgm:txPr/>
-    <dgm:style>
-      <a:lnRef idx="2">
-        <a:scrgbClr r="0" g="0" b="0"/>
-      </a:lnRef>
-      <a:fillRef idx="1">
-        <a:scrgbClr r="0" g="0" b="0"/>
-      </a:fillRef>
-      <a:effectRef idx="0">
-        <a:scrgbClr r="0" g="0" b="0"/>
-      </a:effectRef>
-      <a:fontRef idx="minor"/>
-    </dgm:style>
-  </dgm:styleLbl>
-  <dgm:styleLbl name="bgImgPlace1">
-    <dgm:scene3d>
-      <a:camera prst="orthographicFront"/>
-      <a:lightRig rig="threePt" dir="t"/>
-    </dgm:scene3d>
-    <dgm:sp3d/>
-    <dgm:txPr/>
-    <dgm:style>
-      <a:lnRef idx="2">
-        <a:scrgbClr r="0" g="0" b="0"/>
-      </a:lnRef>
-      <a:fillRef idx="1">
-        <a:scrgbClr r="0" g="0" b="0"/>
-      </a:fillRef>
-      <a:effectRef idx="0">
-        <a:scrgbClr r="0" g="0" b="0"/>
-      </a:effectRef>
-      <a:fontRef idx="minor"/>
-    </dgm:style>
-  </dgm:styleLbl>
-  <dgm:styleLbl name="sibTrans2D1">
-    <dgm:scene3d>
-      <a:camera prst="orthographicFront"/>
-      <a:lightRig rig="threePt" dir="t"/>
-    </dgm:scene3d>
-    <dgm:sp3d/>
-    <dgm:txPr/>
-    <dgm:style>
-      <a:lnRef idx="0">
-        <a:scrgbClr r="0" g="0" b="0"/>
-      </a:lnRef>
-      <a:fillRef idx="1">
-        <a:scrgbClr r="0" g="0" b="0"/>
-      </a:fillRef>
-      <a:effectRef idx="0">
-        <a:scrgbClr r="0" g="0" b="0"/>
-      </a:effectRef>
-      <a:fontRef idx="minor">
-        <a:schemeClr val="lt1"/>
-      </a:fontRef>
-    </dgm:style>
-  </dgm:styleLbl>
-  <dgm:styleLbl name="fgSibTrans2D1">
-    <dgm:scene3d>
-      <a:camera prst="orthographicFront"/>
-      <a:lightRig rig="threePt" dir="t"/>
-    </dgm:scene3d>
-    <dgm:sp3d/>
-    <dgm:txPr/>
-    <dgm:style>
-      <a:lnRef idx="0">
-        <a:scrgbClr r="0" g="0" b="0"/>
-      </a:lnRef>
-      <a:fillRef idx="1">
-        <a:scrgbClr r="0" g="0" b="0"/>
-      </a:fillRef>
-      <a:effectRef idx="0">
-        <a:scrgbClr r="0" g="0" b="0"/>
-      </a:effectRef>
-      <a:fontRef idx="minor">
-        <a:schemeClr val="lt1"/>
-      </a:fontRef>
-    </dgm:style>
-  </dgm:styleLbl>
-  <dgm:styleLbl name="bgSibTrans2D1">
-    <dgm:scene3d>
-      <a:camera prst="orthographicFront"/>
-      <a:lightRig rig="threePt" dir="t"/>
-    </dgm:scene3d>
-    <dgm:sp3d/>
-    <dgm:txPr/>
-    <dgm:style>
-      <a:lnRef idx="0">
-        <a:scrgbClr r="0" g="0" b="0"/>
-      </a:lnRef>
-      <a:fillRef idx="1">
-        <a:scrgbClr r="0" g="0" b="0"/>
-      </a:fillRef>
-      <a:effectRef idx="0">
-        <a:scrgbClr r="0" g="0" b="0"/>
-      </a:effectRef>
-      <a:fontRef idx="minor">
-        <a:schemeClr val="lt1"/>
-      </a:fontRef>
-    </dgm:style>
-  </dgm:styleLbl>
-  <dgm:styleLbl name="sibTrans1D1">
-    <dgm:scene3d>
-      <a:camera prst="orthographicFront"/>
-      <a:lightRig rig="threePt" dir="t"/>
-    </dgm:scene3d>
-    <dgm:sp3d/>
-    <dgm:txPr/>
-    <dgm:style>
-      <a:lnRef idx="1">
-        <a:scrgbClr r="0" g="0" b="0"/>
-      </a:lnRef>
-      <a:fillRef idx="0">
-        <a:scrgbClr r="0" g="0" b="0"/>
-      </a:fillRef>
-      <a:effectRef idx="0">
-        <a:scrgbClr r="0" g="0" b="0"/>
-      </a:effectRef>
-      <a:fontRef idx="minor"/>
-    </dgm:style>
-  </dgm:styleLbl>
-  <dgm:styleLbl name="callout">
-    <dgm:scene3d>
-      <a:camera prst="orthographicFront"/>
-      <a:lightRig rig="threePt" dir="t"/>
-    </dgm:scene3d>
-    <dgm:sp3d/>
-    <dgm:txPr/>
-    <dgm:style>
-      <a:lnRef idx="2">
-        <a:scrgbClr r="0" g="0" b="0"/>
-      </a:lnRef>
-      <a:fillRef idx="1">
-        <a:scrgbClr r="0" g="0" b="0"/>
-      </a:fillRef>
-      <a:effectRef idx="0">
-        <a:scrgbClr r="0" g="0" b="0"/>
-      </a:effectRef>
-      <a:fontRef idx="minor"/>
-    </dgm:style>
-  </dgm:styleLbl>
-  <dgm:styleLbl name="asst0">
-    <dgm:scene3d>
-      <a:camera prst="orthographicFront"/>
-      <a:lightRig rig="threePt" dir="t"/>
-    </dgm:scene3d>
-    <dgm:sp3d/>
-    <dgm:txPr/>
-    <dgm:style>
-      <a:lnRef idx="2">
-        <a:scrgbClr r="0" g="0" b="0"/>
-      </a:lnRef>
-      <a:fillRef idx="1">
-        <a:scrgbClr r="0" g="0" b="0"/>
-      </a:fillRef>
-      <a:effectRef idx="0">
-        <a:scrgbClr r="0" g="0" b="0"/>
-      </a:effectRef>
-      <a:fontRef idx="minor">
-        <a:schemeClr val="lt1"/>
-      </a:fontRef>
-    </dgm:style>
-  </dgm:styleLbl>
-  <dgm:styleLbl name="asst1">
-    <dgm:scene3d>
-      <a:camera prst="orthographicFront"/>
-      <a:lightRig rig="threePt" dir="t"/>
-    </dgm:scene3d>
-    <dgm:sp3d/>
-    <dgm:txPr/>
-    <dgm:style>
-      <a:lnRef idx="2">
-        <a:scrgbClr r="0" g="0" b="0"/>
-      </a:lnRef>
-      <a:fillRef idx="1">
-        <a:scrgbClr r="0" g="0" b="0"/>
-      </a:fillRef>
-      <a:effectRef idx="0">
-        <a:scrgbClr r="0" g="0" b="0"/>
-      </a:effectRef>
-      <a:fontRef idx="minor">
-        <a:schemeClr val="lt1"/>
-      </a:fontRef>
-    </dgm:style>
-  </dgm:styleLbl>
-  <dgm:styleLbl name="asst2">
-    <dgm:scene3d>
-      <a:camera prst="orthographicFront"/>
-      <a:lightRig rig="threePt" dir="t"/>
-    </dgm:scene3d>
-    <dgm:sp3d/>
-    <dgm:txPr/>
-    <dgm:style>
-      <a:lnRef idx="2">
-        <a:scrgbClr r="0" g="0" b="0"/>
-      </a:lnRef>
-      <a:fillRef idx="1">
-        <a:scrgbClr r="0" g="0" b="0"/>
-      </a:fillRef>
-      <a:effectRef idx="0">
-        <a:scrgbClr r="0" g="0" b="0"/>
-      </a:effectRef>
-      <a:fontRef idx="minor">
-        <a:schemeClr val="lt1"/>
-      </a:fontRef>
-    </dgm:style>
-  </dgm:styleLbl>
-  <dgm:styleLbl name="asst3">
-    <dgm:scene3d>
-      <a:camera prst="orthographicFront"/>
-      <a:lightRig rig="threePt" dir="t"/>
-    </dgm:scene3d>
-    <dgm:sp3d/>
-    <dgm:txPr/>
-    <dgm:style>
-      <a:lnRef idx="2">
-        <a:scrgbClr r="0" g="0" b="0"/>
-      </a:lnRef>
-      <a:fillRef idx="1">
-        <a:scrgbClr r="0" g="0" b="0"/>
-      </a:fillRef>
-      <a:effectRef idx="0">
-        <a:scrgbClr r="0" g="0" b="0"/>
-      </a:effectRef>
-      <a:fontRef idx="minor">
-        <a:schemeClr val="lt1"/>
-      </a:fontRef>
-    </dgm:style>
-  </dgm:styleLbl>
-  <dgm:styleLbl name="asst4">
-    <dgm:scene3d>
-      <a:camera prst="orthographicFront"/>
-      <a:lightRig rig="threePt" dir="t"/>
-    </dgm:scene3d>
-    <dgm:sp3d/>
-    <dgm:txPr/>
-    <dgm:style>
-      <a:lnRef idx="2">
-        <a:scrgbClr r="0" g="0" b="0"/>
-      </a:lnRef>
-      <a:fillRef idx="1">
-        <a:scrgbClr r="0" g="0" b="0"/>
-      </a:fillRef>
-      <a:effectRef idx="0">
-        <a:scrgbClr r="0" g="0" b="0"/>
-      </a:effectRef>
-      <a:fontRef idx="minor">
-        <a:schemeClr val="lt1"/>
-      </a:fontRef>
-    </dgm:style>
-  </dgm:styleLbl>
-  <dgm:styleLbl name="parChTrans2D1">
-    <dgm:scene3d>
-      <a:camera prst="orthographicFront"/>
-      <a:lightRig rig="threePt" dir="t"/>
-    </dgm:scene3d>
-    <dgm:sp3d/>
-    <dgm:txPr/>
-    <dgm:style>
-      <a:lnRef idx="2">
-        <a:scrgbClr r="0" g="0" b="0"/>
-      </a:lnRef>
-      <a:fillRef idx="1">
-        <a:scrgbClr r="0" g="0" b="0"/>
-      </a:fillRef>
-      <a:effectRef idx="0">
-        <a:scrgbClr r="0" g="0" b="0"/>
-      </a:effectRef>
-      <a:fontRef idx="minor">
-        <a:schemeClr val="lt1"/>
-      </a:fontRef>
-    </dgm:style>
-  </dgm:styleLbl>
-  <dgm:styleLbl name="parChTrans2D2">
-    <dgm:scene3d>
-      <a:camera prst="orthographicFront"/>
-      <a:lightRig rig="threePt" dir="t"/>
-    </dgm:scene3d>
-    <dgm:sp3d/>
-    <dgm:txPr/>
-    <dgm:style>
-      <a:lnRef idx="2">
-        <a:scrgbClr r="0" g="0" b="0"/>
-      </a:lnRef>
-      <a:fillRef idx="1">
-        <a:scrgbClr r="0" g="0" b="0"/>
-      </a:fillRef>
-      <a:effectRef idx="0">
-        <a:scrgbClr r="0" g="0" b="0"/>
-      </a:effectRef>
-      <a:fontRef idx="minor">
-        <a:schemeClr val="lt1"/>
-      </a:fontRef>
-    </dgm:style>
-  </dgm:styleLbl>
-  <dgm:styleLbl name="parChTrans2D3">
-    <dgm:scene3d>
-      <a:camera prst="orthographicFront"/>
-      <a:lightRig rig="threePt" dir="t"/>
-    </dgm:scene3d>
-    <dgm:sp3d/>
-    <dgm:txPr/>
-    <dgm:style>
-      <a:lnRef idx="2">
-        <a:scrgbClr r="0" g="0" b="0"/>
-      </a:lnRef>
-      <a:fillRef idx="1">
-        <a:scrgbClr r="0" g="0" b="0"/>
-      </a:fillRef>
-      <a:effectRef idx="0">
-        <a:scrgbClr r="0" g="0" b="0"/>
-      </a:effectRef>
-      <a:fontRef idx="minor">
-        <a:schemeClr val="lt1"/>
-      </a:fontRef>
-    </dgm:style>
-  </dgm:styleLbl>
-  <dgm:styleLbl name="parChTrans2D4">
-    <dgm:scene3d>
-      <a:camera prst="orthographicFront"/>
-      <a:lightRig rig="threePt" dir="t"/>
-    </dgm:scene3d>
-    <dgm:sp3d/>
-    <dgm:txPr/>
-    <dgm:style>
-      <a:lnRef idx="2">
-        <a:scrgbClr r="0" g="0" b="0"/>
-      </a:lnRef>
-      <a:fillRef idx="1">
-        <a:scrgbClr r="0" g="0" b="0"/>
-      </a:fillRef>
-      <a:effectRef idx="0">
-        <a:scrgbClr r="0" g="0" b="0"/>
-      </a:effectRef>
-      <a:fontRef idx="minor">
-        <a:schemeClr val="lt1"/>
-      </a:fontRef>
-    </dgm:style>
-  </dgm:styleLbl>
-  <dgm:styleLbl name="parChTrans1D1">
-    <dgm:scene3d>
-      <a:camera prst="orthographicFront"/>
-      <a:lightRig rig="threePt" dir="t"/>
-    </dgm:scene3d>
-    <dgm:sp3d/>
-    <dgm:txPr/>
-    <dgm:style>
-      <a:lnRef idx="2">
-        <a:scrgbClr r="0" g="0" b="0"/>
-      </a:lnRef>
-      <a:fillRef idx="0">
-        <a:scrgbClr r="0" g="0" b="0"/>
-      </a:fillRef>
-      <a:effectRef idx="0">
-        <a:scrgbClr r="0" g="0" b="0"/>
-      </a:effectRef>
-      <a:fontRef idx="minor"/>
-    </dgm:style>
-  </dgm:styleLbl>
-  <dgm:styleLbl name="parChTrans1D2">
-    <dgm:scene3d>
-      <a:camera prst="orthographicFront"/>
-      <a:lightRig rig="threePt" dir="t"/>
-    </dgm:scene3d>
-    <dgm:sp3d/>
-    <dgm:txPr/>
-    <dgm:style>
-      <a:lnRef idx="2">
-        <a:scrgbClr r="0" g="0" b="0"/>
-      </a:lnRef>
-      <a:fillRef idx="0">
-        <a:scrgbClr r="0" g="0" b="0"/>
-      </a:fillRef>
-      <a:effectRef idx="0">
-        <a:scrgbClr r="0" g="0" b="0"/>
-      </a:effectRef>
-      <a:fontRef idx="minor"/>
-    </dgm:style>
-  </dgm:styleLbl>
-  <dgm:styleLbl name="parChTrans1D3">
-    <dgm:scene3d>
-      <a:camera prst="orthographicFront"/>
-      <a:lightRig rig="threePt" dir="t"/>
-    </dgm:scene3d>
-    <dgm:sp3d/>
-    <dgm:txPr/>
-    <dgm:style>
-      <a:lnRef idx="2">
-        <a:scrgbClr r="0" g="0" b="0"/>
-      </a:lnRef>
-      <a:fillRef idx="0">
-        <a:scrgbClr r="0" g="0" b="0"/>
-      </a:fillRef>
-      <a:effectRef idx="0">
-        <a:scrgbClr r="0" g="0" b="0"/>
-      </a:effectRef>
-      <a:fontRef idx="minor"/>
-    </dgm:style>
-  </dgm:styleLbl>
-  <dgm:styleLbl name="parChTrans1D4">
-    <dgm:scene3d>
-      <a:camera prst="orthographicFront"/>
-      <a:lightRig rig="threePt" dir="t"/>
-    </dgm:scene3d>
-    <dgm:sp3d/>
-    <dgm:txPr/>
-    <dgm:style>
-      <a:lnRef idx="2">
-        <a:scrgbClr r="0" g="0" b="0"/>
-      </a:lnRef>
-      <a:fillRef idx="0">
-        <a:scrgbClr r="0" g="0" b="0"/>
-      </a:fillRef>
-      <a:effectRef idx="0">
-        <a:scrgbClr r="0" g="0" b="0"/>
-      </a:effectRef>
-      <a:fontRef idx="minor"/>
-    </dgm:style>
-  </dgm:styleLbl>
-  <dgm:styleLbl name="fgAcc1">
-    <dgm:scene3d>
-      <a:camera prst="orthographicFront"/>
-      <a:lightRig rig="threePt" dir="t"/>
-    </dgm:scene3d>
-    <dgm:sp3d/>
-    <dgm:txPr/>
-    <dgm:style>
-      <a:lnRef idx="2">
-        <a:scrgbClr r="0" g="0" b="0"/>
-      </a:lnRef>
-      <a:fillRef idx="1">
-        <a:scrgbClr r="0" g="0" b="0"/>
-      </a:fillRef>
-      <a:effectRef idx="0">
-        <a:scrgbClr r="0" g="0" b="0"/>
-      </a:effectRef>
-      <a:fontRef idx="minor"/>
-    </dgm:style>
-  </dgm:styleLbl>
-  <dgm:styleLbl name="conFgAcc1">
-    <dgm:scene3d>
-      <a:camera prst="orthographicFront"/>
-      <a:lightRig rig="threePt" dir="t"/>
-    </dgm:scene3d>
-    <dgm:sp3d/>
-    <dgm:txPr/>
-    <dgm:style>
-      <a:lnRef idx="2">
-        <a:scrgbClr r="0" g="0" b="0"/>
-      </a:lnRef>
-      <a:fillRef idx="1">
-        <a:scrgbClr r="0" g="0" b="0"/>
-      </a:fillRef>
-      <a:effectRef idx="0">
-        <a:scrgbClr r="0" g="0" b="0"/>
-      </a:effectRef>
-      <a:fontRef idx="minor"/>
-    </dgm:style>
-  </dgm:styleLbl>
-  <dgm:styleLbl name="alignAcc1">
-    <dgm:scene3d>
-      <a:camera prst="orthographicFront"/>
-      <a:lightRig rig="threePt" dir="t"/>
-    </dgm:scene3d>
-    <dgm:sp3d/>
-    <dgm:txPr/>
-    <dgm:style>
-      <a:lnRef idx="2">
-        <a:scrgbClr r="0" g="0" b="0"/>
-      </a:lnRef>
-      <a:fillRef idx="1">
-        <a:scrgbClr r="0" g="0" b="0"/>
-      </a:fillRef>
-      <a:effectRef idx="0">
-        <a:scrgbClr r="0" g="0" b="0"/>
-      </a:effectRef>
-      <a:fontRef idx="minor"/>
-    </dgm:style>
-  </dgm:styleLbl>
-  <dgm:styleLbl name="trAlignAcc1">
-    <dgm:scene3d>
-      <a:camera prst="orthographicFront"/>
-      <a:lightRig rig="threePt" dir="t"/>
-    </dgm:scene3d>
-    <dgm:sp3d/>
-    <dgm:txPr/>
-    <dgm:style>
-      <a:lnRef idx="1">
-        <a:scrgbClr r="0" g="0" b="0"/>
-      </a:lnRef>
-      <a:fillRef idx="1">
-        <a:scrgbClr r="0" g="0" b="0"/>
-      </a:fillRef>
-      <a:effectRef idx="0">
-        <a:scrgbClr r="0" g="0" b="0"/>
-      </a:effectRef>
-      <a:fontRef idx="minor"/>
-    </dgm:style>
-  </dgm:styleLbl>
-  <dgm:styleLbl name="bgAcc1">
-    <dgm:scene3d>
-      <a:camera prst="orthographicFront"/>
-      <a:lightRig rig="threePt" dir="t"/>
-    </dgm:scene3d>
-    <dgm:sp3d/>
-    <dgm:txPr/>
-    <dgm:style>
-      <a:lnRef idx="2">
-        <a:scrgbClr r="0" g="0" b="0"/>
-      </a:lnRef>
-      <a:fillRef idx="1">
-        <a:scrgbClr r="0" g="0" b="0"/>
-      </a:fillRef>
-      <a:effectRef idx="0">
-        <a:scrgbClr r="0" g="0" b="0"/>
-      </a:effectRef>
-      <a:fontRef idx="minor"/>
-    </dgm:style>
-  </dgm:styleLbl>
-  <dgm:styleLbl name="solidFgAcc1">
-    <dgm:scene3d>
-      <a:camera prst="orthographicFront"/>
-      <a:lightRig rig="threePt" dir="t"/>
-    </dgm:scene3d>
-    <dgm:sp3d/>
-    <dgm:txPr/>
-    <dgm:style>
-      <a:lnRef idx="2">
-        <a:scrgbClr r="0" g="0" b="0"/>
-      </a:lnRef>
-      <a:fillRef idx="1">
-        <a:scrgbClr r="0" g="0" b="0"/>
-      </a:fillRef>
-      <a:effectRef idx="0">
-        <a:scrgbClr r="0" g="0" b="0"/>
-      </a:effectRef>
-      <a:fontRef idx="minor"/>
-    </dgm:style>
-  </dgm:styleLbl>
-  <dgm:styleLbl name="solidAlignAcc1">
-    <dgm:scene3d>
-      <a:camera prst="orthographicFront"/>
-      <a:lightRig rig="threePt" dir="t"/>
-    </dgm:scene3d>
-    <dgm:sp3d/>
-    <dgm:txPr/>
-    <dgm:style>
-      <a:lnRef idx="2">
-        <a:scrgbClr r="0" g="0" b="0"/>
-      </a:lnRef>
-      <a:fillRef idx="1">
-        <a:scrgbClr r="0" g="0" b="0"/>
-      </a:fillRef>
-      <a:effectRef idx="0">
-        <a:scrgbClr r="0" g="0" b="0"/>
-      </a:effectRef>
-      <a:fontRef idx="minor"/>
-    </dgm:style>
-  </dgm:styleLbl>
-  <dgm:styleLbl name="solidBgAcc1">
-    <dgm:scene3d>
-      <a:camera prst="orthographicFront"/>
-      <a:lightRig rig="threePt" dir="t"/>
-    </dgm:scene3d>
-    <dgm:sp3d/>
-    <dgm:txPr/>
-    <dgm:style>
-      <a:lnRef idx="2">
-        <a:scrgbClr r="0" g="0" b="0"/>
-      </a:lnRef>
-      <a:fillRef idx="1">
-        <a:scrgbClr r="0" g="0" b="0"/>
-      </a:fillRef>
-      <a:effectRef idx="0">
-        <a:scrgbClr r="0" g="0" b="0"/>
-      </a:effectRef>
-      <a:fontRef idx="minor"/>
-    </dgm:style>
-  </dgm:styleLbl>
-  <dgm:styleLbl name="fgAccFollowNode1">
-    <dgm:scene3d>
-      <a:camera prst="orthographicFront"/>
-      <a:lightRig rig="threePt" dir="t"/>
-    </dgm:scene3d>
-    <dgm:sp3d/>
-    <dgm:txPr/>
-    <dgm:style>
-      <a:lnRef idx="2">
-        <a:scrgbClr r="0" g="0" b="0"/>
-      </a:lnRef>
-      <a:fillRef idx="1">
-        <a:scrgbClr r="0" g="0" b="0"/>
-      </a:fillRef>
-      <a:effectRef idx="0">
-        <a:scrgbClr r="0" g="0" b="0"/>
-      </a:effectRef>
-      <a:fontRef idx="minor"/>
-    </dgm:style>
-  </dgm:styleLbl>
-  <dgm:styleLbl name="alignAccFollowNode1">
-    <dgm:scene3d>
-      <a:camera prst="orthographicFront"/>
-      <a:lightRig rig="threePt" dir="t"/>
-    </dgm:scene3d>
-    <dgm:sp3d/>
-    <dgm:txPr/>
-    <dgm:style>
-      <a:lnRef idx="2">
-        <a:scrgbClr r="0" g="0" b="0"/>
-      </a:lnRef>
-      <a:fillRef idx="1">
-        <a:scrgbClr r="0" g="0" b="0"/>
-      </a:fillRef>
-      <a:effectRef idx="0">
-        <a:scrgbClr r="0" g="0" b="0"/>
-      </a:effectRef>
-      <a:fontRef idx="minor"/>
-    </dgm:style>
-  </dgm:styleLbl>
-  <dgm:styleLbl name="bgAccFollowNode1">
-    <dgm:scene3d>
-      <a:camera prst="orthographicFront"/>
-      <a:lightRig rig="threePt" dir="t"/>
-    </dgm:scene3d>
-    <dgm:sp3d/>
-    <dgm:txPr/>
-    <dgm:style>
-      <a:lnRef idx="2">
-        <a:scrgbClr r="0" g="0" b="0"/>
-      </a:lnRef>
-      <a:fillRef idx="1">
-        <a:scrgbClr r="0" g="0" b="0"/>
-      </a:fillRef>
-      <a:effectRef idx="0">
-        <a:scrgbClr r="0" g="0" b="0"/>
-      </a:effectRef>
-      <a:fontRef idx="minor"/>
-    </dgm:style>
-  </dgm:styleLbl>
-  <dgm:styleLbl name="fgAcc0">
-    <dgm:scene3d>
-      <a:camera prst="orthographicFront"/>
-      <a:lightRig rig="threePt" dir="t"/>
-    </dgm:scene3d>
-    <dgm:sp3d/>
-    <dgm:txPr/>
-    <dgm:style>
-      <a:lnRef idx="2">
-        <a:scrgbClr r="0" g="0" b="0"/>
-      </a:lnRef>
-      <a:fillRef idx="1">
-        <a:scrgbClr r="0" g="0" b="0"/>
-      </a:fillRef>
-      <a:effectRef idx="0">
-        <a:scrgbClr r="0" g="0" b="0"/>
-      </a:effectRef>
-      <a:fontRef idx="minor"/>
-    </dgm:style>
-  </dgm:styleLbl>
-  <dgm:styleLbl name="fgAcc2">
-    <dgm:scene3d>
-      <a:camera prst="orthographicFront"/>
-      <a:lightRig rig="threePt" dir="t"/>
-    </dgm:scene3d>
-    <dgm:sp3d/>
-    <dgm:txPr/>
-    <dgm:style>
-      <a:lnRef idx="2">
-        <a:scrgbClr r="0" g="0" b="0"/>
-      </a:lnRef>
-      <a:fillRef idx="1">
-        <a:scrgbClr r="0" g="0" b="0"/>
-      </a:fillRef>
-      <a:effectRef idx="0">
-        <a:scrgbClr r="0" g="0" b="0"/>
-      </a:effectRef>
-      <a:fontRef idx="minor"/>
-    </dgm:style>
-  </dgm:styleLbl>
-  <dgm:styleLbl name="fgAcc3">
-    <dgm:scene3d>
-      <a:camera prst="orthographicFront"/>
-      <a:lightRig rig="threePt" dir="t"/>
-    </dgm:scene3d>
-    <dgm:sp3d/>
-    <dgm:txPr/>
-    <dgm:style>
-      <a:lnRef idx="2">
-        <a:scrgbClr r="0" g="0" b="0"/>
-      </a:lnRef>
-      <a:fillRef idx="1">
-        <a:scrgbClr r="0" g="0" b="0"/>
-      </a:fillRef>
-      <a:effectRef idx="0">
-        <a:scrgbClr r="0" g="0" b="0"/>
-      </a:effectRef>
-      <a:fontRef idx="minor"/>
-    </dgm:style>
-  </dgm:styleLbl>
-  <dgm:styleLbl name="fgAcc4">
-    <dgm:scene3d>
-      <a:camera prst="orthographicFront"/>
-      <a:lightRig rig="threePt" dir="t"/>
-    </dgm:scene3d>
-    <dgm:sp3d/>
-    <dgm:txPr/>
-    <dgm:style>
-      <a:lnRef idx="2">
-        <a:scrgbClr r="0" g="0" b="0"/>
-      </a:lnRef>
-      <a:fillRef idx="1">
-        <a:scrgbClr r="0" g="0" b="0"/>
-      </a:fillRef>
-      <a:effectRef idx="0">
-        <a:scrgbClr r="0" g="0" b="0"/>
-      </a:effectRef>
-      <a:fontRef idx="minor"/>
-    </dgm:style>
-  </dgm:styleLbl>
-  <dgm:styleLbl name="bgShp">
-    <dgm:scene3d>
-      <a:camera prst="orthographicFront"/>
-      <a:lightRig rig="threePt" dir="t"/>
-    </dgm:scene3d>
-    <dgm:sp3d/>
-    <dgm:txPr/>
-    <dgm:style>
-      <a:lnRef idx="0">
-        <a:scrgbClr r="0" g="0" b="0"/>
-      </a:lnRef>
-      <a:fillRef idx="1">
-        <a:scrgbClr r="0" g="0" b="0"/>
-      </a:fillRef>
-      <a:effectRef idx="0">
-        <a:scrgbClr r="0" g="0" b="0"/>
-      </a:effectRef>
-      <a:fontRef idx="minor"/>
-    </dgm:style>
-  </dgm:styleLbl>
-  <dgm:styleLbl name="dkBgShp">
-    <dgm:scene3d>
-      <a:camera prst="orthographicFront"/>
-      <a:lightRig rig="threePt" dir="t"/>
-    </dgm:scene3d>
-    <dgm:sp3d/>
-    <dgm:txPr/>
-    <dgm:style>
-      <a:lnRef idx="0">
-        <a:scrgbClr r="0" g="0" b="0"/>
-      </a:lnRef>
-      <a:fillRef idx="1">
-        <a:scrgbClr r="0" g="0" b="0"/>
-      </a:fillRef>
-      <a:effectRef idx="0">
-        <a:scrgbClr r="0" g="0" b="0"/>
-      </a:effectRef>
-      <a:fontRef idx="minor"/>
-    </dgm:style>
-  </dgm:styleLbl>
-  <dgm:styleLbl name="trBgShp">
-    <dgm:scene3d>
-      <a:camera prst="orthographicFront"/>
-      <a:lightRig rig="threePt" dir="t"/>
-    </dgm:scene3d>
-    <dgm:sp3d/>
-    <dgm:txPr/>
-    <dgm:style>
-      <a:lnRef idx="0">
-        <a:scrgbClr r="0" g="0" b="0"/>
-      </a:lnRef>
-      <a:fillRef idx="1">
-        <a:scrgbClr r="0" g="0" b="0"/>
-      </a:fillRef>
-      <a:effectRef idx="0">
-        <a:scrgbClr r="0" g="0" b="0"/>
-      </a:effectRef>
-      <a:fontRef idx="minor"/>
-    </dgm:style>
-  </dgm:styleLbl>
-  <dgm:styleLbl name="fgShp">
-    <dgm:scene3d>
-      <a:camera prst="orthographicFront"/>
-      <a:lightRig rig="threePt" dir="t"/>
-    </dgm:scene3d>
-    <dgm:sp3d/>
-    <dgm:txPr/>
-    <dgm:style>
-      <a:lnRef idx="2">
-        <a:scrgbClr r="0" g="0" b="0"/>
-      </a:lnRef>
-      <a:fillRef idx="1">
-        <a:scrgbClr r="0" g="0" b="0"/>
-      </a:fillRef>
-      <a:effectRef idx="0">
-        <a:scrgbClr r="0" g="0" b="0"/>
-      </a:effectRef>
-      <a:fontRef idx="minor"/>
-    </dgm:style>
-  </dgm:styleLbl>
-  <dgm:styleLbl name="revTx">
-    <dgm:scene3d>
-      <a:camera prst="orthographicFront"/>
-      <a:lightRig rig="threePt" dir="t"/>
-    </dgm:scene3d>
-    <dgm:sp3d/>
-    <dgm:txPr/>
-    <dgm:style>
-      <a:lnRef idx="0">
-        <a:scrgbClr r="0" g="0" b="0"/>
-      </a:lnRef>
-      <a:fillRef idx="0">
-        <a:scrgbClr r="0" g="0" b="0"/>
-      </a:fillRef>
-      <a:effectRef idx="0">
-        <a:scrgbClr r="0" g="0" b="0"/>
-      </a:effectRef>
-      <a:fontRef idx="minor"/>
-    </dgm:style>
-  </dgm:styleLbl>
-</dgm:styleDef>
-</file>
-
 <file path=ppt/slideLayouts/slideLayout1.xml><?xml version="1.0" encoding="utf-8"?>
 <p:sldLayout xmlns:a="http://schemas.openxmlformats.org/drawingml/2006/main" xmlns:r="http://schemas.openxmlformats.org/officeDocument/2006/relationships" xmlns:p="http://schemas.openxmlformats.org/presentationml/2006/main" type="title" preserve="1">
   <p:cSld name="標題投影片">
@@ -15379,7 +12585,7 @@
           <a:effectLst/>
           <a:extLst>
             <a:ext uri="{91240B29-F687-4f45-9708-019B960494DF}">
-              <a14:hiddenLine xmlns="" xmlns:a14="http://schemas.microsoft.com/office/drawing/2010/main" w="9525">
+              <a14:hiddenLine xmlns:a14="http://schemas.microsoft.com/office/drawing/2010/main" xmlns="" w="9525">
                 <a:solidFill>
                   <a:srgbClr val="000000"/>
                 </a:solidFill>
@@ -16901,7 +14107,7 @@
           <a:ln/>
           <a:extLst>
             <a:ext uri="{91240B29-F687-4f45-9708-019B960494DF}">
-              <a14:hiddenLine xmlns="" xmlns:a14="http://schemas.microsoft.com/office/drawing/2010/main" w="9525">
+              <a14:hiddenLine xmlns:a14="http://schemas.microsoft.com/office/drawing/2010/main" xmlns="" w="9525">
                 <a:solidFill>
                   <a:srgbClr val="000000"/>
                 </a:solidFill>
@@ -17176,7 +14382,7 @@
           <a:ln/>
           <a:extLst>
             <a:ext uri="{91240B29-F687-4f45-9708-019B960494DF}">
-              <a14:hiddenLine xmlns="" xmlns:a14="http://schemas.microsoft.com/office/drawing/2010/main" w="9525">
+              <a14:hiddenLine xmlns:a14="http://schemas.microsoft.com/office/drawing/2010/main" xmlns="" w="9525">
                 <a:solidFill>
                   <a:srgbClr val="000000"/>
                 </a:solidFill>
@@ -17459,7 +14665,7 @@
           <a:ln/>
           <a:extLst>
             <a:ext uri="{91240B29-F687-4f45-9708-019B960494DF}">
-              <a14:hiddenLine xmlns="" xmlns:a14="http://schemas.microsoft.com/office/drawing/2010/main" w="9525">
+              <a14:hiddenLine xmlns:a14="http://schemas.microsoft.com/office/drawing/2010/main" xmlns="" w="9525">
                 <a:solidFill>
                   <a:srgbClr val="000000"/>
                 </a:solidFill>
@@ -18085,7 +15291,7 @@
           <a:ln/>
           <a:extLst>
             <a:ext uri="{91240B29-F687-4f45-9708-019B960494DF}">
-              <a14:hiddenLine xmlns="" xmlns:a14="http://schemas.microsoft.com/office/drawing/2010/main" w="9525">
+              <a14:hiddenLine xmlns:a14="http://schemas.microsoft.com/office/drawing/2010/main" xmlns="" w="9525">
                 <a:solidFill>
                   <a:srgbClr val="000000"/>
                 </a:solidFill>
@@ -18424,7 +15630,7 @@
           <a:ln/>
           <a:extLst>
             <a:ext uri="{91240B29-F687-4f45-9708-019B960494DF}">
-              <a14:hiddenLine xmlns="" xmlns:a14="http://schemas.microsoft.com/office/drawing/2010/main" w="9525">
+              <a14:hiddenLine xmlns:a14="http://schemas.microsoft.com/office/drawing/2010/main" xmlns="" w="9525">
                 <a:solidFill>
                   <a:srgbClr val="000000"/>
                 </a:solidFill>
@@ -18901,7 +16107,7 @@
           <a:ln/>
           <a:extLst>
             <a:ext uri="{91240B29-F687-4f45-9708-019B960494DF}">
-              <a14:hiddenLine xmlns="" xmlns:a14="http://schemas.microsoft.com/office/drawing/2010/main" w="9525">
+              <a14:hiddenLine xmlns:a14="http://schemas.microsoft.com/office/drawing/2010/main" xmlns="" w="9525">
                 <a:solidFill>
                   <a:srgbClr val="000000"/>
                 </a:solidFill>
@@ -19330,7 +16536,7 @@
           <a:ln/>
           <a:extLst>
             <a:ext uri="{91240B29-F687-4f45-9708-019B960494DF}">
-              <a14:hiddenLine xmlns="" xmlns:a14="http://schemas.microsoft.com/office/drawing/2010/main" w="9525">
+              <a14:hiddenLine xmlns:a14="http://schemas.microsoft.com/office/drawing/2010/main" xmlns="" w="9525">
                 <a:solidFill>
                   <a:srgbClr val="000000"/>
                 </a:solidFill>
@@ -20658,7 +17864,7 @@
 </p:sld>
 </file>
 
-<file path=ppt/slides/slide2.xml><?xml version="1.0" encoding="utf-8"?>
+<file path=ppt/slides/slide10.xml><?xml version="1.0" encoding="utf-8"?>
 <p:sld xmlns:a="http://schemas.openxmlformats.org/drawingml/2006/main" xmlns:r="http://schemas.openxmlformats.org/officeDocument/2006/relationships" xmlns:p="http://schemas.openxmlformats.org/presentationml/2006/main">
   <p:cSld>
     <p:spTree>
@@ -20782,7 +17988,7 @@
 </p:sld>
 </file>
 
-<file path=ppt/slides/slide3.xml><?xml version="1.0" encoding="utf-8"?>
+<file path=ppt/slides/slide11.xml><?xml version="1.0" encoding="utf-8"?>
 <p:sld xmlns:a="http://schemas.openxmlformats.org/drawingml/2006/main" xmlns:r="http://schemas.openxmlformats.org/officeDocument/2006/relationships" xmlns:p="http://schemas.openxmlformats.org/presentationml/2006/main">
   <p:cSld>
     <p:spTree>
@@ -20812,7 +18018,7 @@
           <p:nvPr>
             <p:extLst>
               <p:ext uri="{D42A27DB-BD31-4B8C-83A1-F6EECF244321}">
-                <p14:modId xmlns:p14="http://schemas.microsoft.com/office/powerpoint/2010/main" val="2650189024"/>
+                <p14:modId xmlns:p14="http://schemas.microsoft.com/office/powerpoint/2010/main" val="3833718434"/>
               </p:ext>
             </p:extLst>
           </p:nvPr>
@@ -20840,65 +18046,7 @@
 </p:sld>
 </file>
 
-<file path=ppt/slides/slide4.xml><?xml version="1.0" encoding="utf-8"?>
-<p:sld xmlns:a="http://schemas.openxmlformats.org/drawingml/2006/main" xmlns:r="http://schemas.openxmlformats.org/officeDocument/2006/relationships" xmlns:p="http://schemas.openxmlformats.org/presentationml/2006/main">
-  <p:cSld>
-    <p:spTree>
-      <p:nvGrpSpPr>
-        <p:cNvPr id="1" name=""/>
-        <p:cNvGrpSpPr/>
-        <p:nvPr/>
-      </p:nvGrpSpPr>
-      <p:grpSpPr>
-        <a:xfrm>
-          <a:off x="0" y="0"/>
-          <a:ext cx="0" cy="0"/>
-          <a:chOff x="0" y="0"/>
-          <a:chExt cx="0" cy="0"/>
-        </a:xfrm>
-      </p:grpSpPr>
-      <p:graphicFrame>
-        <p:nvGraphicFramePr>
-          <p:cNvPr id="5" name="資料庫圖表 4">
-            <a:extLst>
-              <a:ext uri="{FF2B5EF4-FFF2-40B4-BE49-F238E27FC236}">
-                <a16:creationId xmlns:a16="http://schemas.microsoft.com/office/drawing/2014/main" id="{8D3A56BE-2C34-A090-1BC0-BE36CF1AAD99}"/>
-              </a:ext>
-            </a:extLst>
-          </p:cNvPr>
-          <p:cNvGraphicFramePr/>
-          <p:nvPr>
-            <p:extLst>
-              <p:ext uri="{D42A27DB-BD31-4B8C-83A1-F6EECF244321}">
-                <p14:modId xmlns:p14="http://schemas.microsoft.com/office/powerpoint/2010/main" val="661605439"/>
-              </p:ext>
-            </p:extLst>
-          </p:nvPr>
-        </p:nvGraphicFramePr>
-        <p:xfrm>
-          <a:off x="2032000" y="719666"/>
-          <a:ext cx="8128000" cy="5418667"/>
-        </p:xfrm>
-        <a:graphic>
-          <a:graphicData uri="http://schemas.openxmlformats.org/drawingml/2006/diagram">
-            <dgm:relIds xmlns:dgm="http://schemas.openxmlformats.org/drawingml/2006/diagram" xmlns:r="http://schemas.openxmlformats.org/officeDocument/2006/relationships" r:dm="rId2" r:lo="rId3" r:qs="rId4" r:cs="rId5"/>
-          </a:graphicData>
-        </a:graphic>
-      </p:graphicFrame>
-    </p:spTree>
-    <p:extLst>
-      <p:ext uri="{BB962C8B-B14F-4D97-AF65-F5344CB8AC3E}">
-        <p14:creationId xmlns:p14="http://schemas.microsoft.com/office/powerpoint/2010/main" val="3662656075"/>
-      </p:ext>
-    </p:extLst>
-  </p:cSld>
-  <p:clrMapOvr>
-    <a:masterClrMapping/>
-  </p:clrMapOvr>
-</p:sld>
-</file>
-
-<file path=ppt/slides/slide5.xml><?xml version="1.0" encoding="utf-8"?>
+<file path=ppt/slides/slide12.xml><?xml version="1.0" encoding="utf-8"?>
 <p:sld xmlns:a="http://schemas.openxmlformats.org/drawingml/2006/main" xmlns:r="http://schemas.openxmlformats.org/officeDocument/2006/relationships" xmlns:p="http://schemas.openxmlformats.org/presentationml/2006/main">
   <p:cSld>
     <p:spTree>
@@ -20956,7 +18104,7 @@
 </p:sld>
 </file>
 
-<file path=ppt/slides/slide6.xml><?xml version="1.0" encoding="utf-8"?>
+<file path=ppt/slides/slide13.xml><?xml version="1.0" encoding="utf-8"?>
 <p:sld xmlns:a="http://schemas.openxmlformats.org/drawingml/2006/main" xmlns:r="http://schemas.openxmlformats.org/officeDocument/2006/relationships" xmlns:p="http://schemas.openxmlformats.org/presentationml/2006/main">
   <p:cSld>
     <p:spTree>
@@ -21005,6 +18153,1675 @@
     <p:extLst>
       <p:ext uri="{BB962C8B-B14F-4D97-AF65-F5344CB8AC3E}">
         <p14:creationId xmlns:p14="http://schemas.microsoft.com/office/powerpoint/2010/main" val="592259010"/>
+      </p:ext>
+    </p:extLst>
+  </p:cSld>
+  <p:clrMapOvr>
+    <a:masterClrMapping/>
+  </p:clrMapOvr>
+</p:sld>
+</file>
+
+<file path=ppt/slides/slide2.xml><?xml version="1.0" encoding="utf-8"?>
+<p:sld xmlns:a="http://schemas.openxmlformats.org/drawingml/2006/main" xmlns:r="http://schemas.openxmlformats.org/officeDocument/2006/relationships" xmlns:p="http://schemas.openxmlformats.org/presentationml/2006/main">
+  <p:cSld>
+    <p:spTree>
+      <p:nvGrpSpPr>
+        <p:cNvPr id="1" name=""/>
+        <p:cNvGrpSpPr/>
+        <p:nvPr/>
+      </p:nvGrpSpPr>
+      <p:grpSpPr>
+        <a:xfrm>
+          <a:off x="0" y="0"/>
+          <a:ext cx="0" cy="0"/>
+          <a:chOff x="0" y="0"/>
+          <a:chExt cx="0" cy="0"/>
+        </a:xfrm>
+      </p:grpSpPr>
+      <p:sp>
+        <p:nvSpPr>
+          <p:cNvPr id="2" name="標題 1">
+            <a:extLst>
+              <a:ext uri="{FF2B5EF4-FFF2-40B4-BE49-F238E27FC236}">
+                <a16:creationId xmlns:a16="http://schemas.microsoft.com/office/drawing/2014/main" id="{7221F0F6-2848-C631-62D2-87130C6DE8A7}"/>
+              </a:ext>
+            </a:extLst>
+          </p:cNvPr>
+          <p:cNvSpPr>
+            <a:spLocks noGrp="1"/>
+          </p:cNvSpPr>
+          <p:nvPr>
+            <p:ph type="title"/>
+          </p:nvPr>
+        </p:nvSpPr>
+        <p:spPr/>
+        <p:txBody>
+          <a:bodyPr/>
+          <a:lstStyle/>
+          <a:p>
+            <a:r>
+              <a:rPr lang="zh-TW" altLang="en-US" dirty="0">
+                <a:latin typeface="Microsoft JhengHei" panose="020B0604030504040204" pitchFamily="34" charset="-120"/>
+                <a:ea typeface="Microsoft JhengHei" panose="020B0604030504040204" pitchFamily="34" charset="-120"/>
+              </a:rPr>
+              <a:t>遊戲流程</a:t>
+            </a:r>
+          </a:p>
+        </p:txBody>
+      </p:sp>
+      <p:sp>
+        <p:nvSpPr>
+          <p:cNvPr id="3" name="內容版面配置區 2">
+            <a:extLst>
+              <a:ext uri="{FF2B5EF4-FFF2-40B4-BE49-F238E27FC236}">
+                <a16:creationId xmlns:a16="http://schemas.microsoft.com/office/drawing/2014/main" id="{88A488F1-D010-D101-0AC0-69A4FD2FF09F}"/>
+              </a:ext>
+            </a:extLst>
+          </p:cNvPr>
+          <p:cNvSpPr>
+            <a:spLocks noGrp="1"/>
+          </p:cNvSpPr>
+          <p:nvPr>
+            <p:ph idx="1"/>
+          </p:nvPr>
+        </p:nvSpPr>
+        <p:spPr/>
+        <p:txBody>
+          <a:bodyPr/>
+          <a:lstStyle/>
+          <a:p>
+            <a:r>
+              <a:rPr lang="zh-TW" altLang="en-US" dirty="0"/>
+              <a:t>選擇難度（建議從簡單開始）→</a:t>
+            </a:r>
+            <a:endParaRPr lang="en-US" altLang="zh-TW" dirty="0"/>
+          </a:p>
+          <a:p>
+            <a:r>
+              <a:rPr lang="zh-TW" altLang="en-US" dirty="0"/>
+              <a:t>進入棋盤畫面，其中鼠標移過角色可以顯示腳色詳細數據（下一頁）→</a:t>
+            </a:r>
+            <a:endParaRPr lang="en-US" altLang="zh-TW" dirty="0"/>
+          </a:p>
+          <a:p>
+            <a:r>
+              <a:rPr lang="zh-TW" altLang="en-US" dirty="0"/>
+              <a:t>成功條件：敵方單位「默靈頭目」的 </a:t>
+            </a:r>
+            <a:r>
+              <a:rPr lang="en-US" altLang="zh-TW" dirty="0"/>
+              <a:t>HP</a:t>
+            </a:r>
+            <a:r>
+              <a:rPr lang="zh-TW" altLang="en-US" dirty="0"/>
+              <a:t> 為 </a:t>
+            </a:r>
+            <a:r>
+              <a:rPr lang="en-US" altLang="zh-TW" dirty="0"/>
+              <a:t>0</a:t>
+            </a:r>
+          </a:p>
+          <a:p>
+            <a:r>
+              <a:rPr lang="zh-TW" altLang="en-US" dirty="0"/>
+              <a:t>失敗條件：我方單位「召喚師」的 </a:t>
+            </a:r>
+            <a:r>
+              <a:rPr lang="en-US" altLang="zh-TW" dirty="0"/>
+              <a:t>HP</a:t>
+            </a:r>
+            <a:r>
+              <a:rPr lang="zh-TW" altLang="en-US" dirty="0"/>
+              <a:t> 為 </a:t>
+            </a:r>
+            <a:r>
+              <a:rPr lang="en-US" altLang="zh-TW" dirty="0"/>
+              <a:t>0</a:t>
+            </a:r>
+          </a:p>
+          <a:p>
+            <a:r>
+              <a:rPr lang="zh-TW" altLang="en-US" dirty="0"/>
+              <a:t>若成功，則可以保留我方腳色數據以更高難度重新開始（簡單 → 困難 → 深淵）</a:t>
+            </a:r>
+            <a:endParaRPr lang="en-US" altLang="zh-TW" dirty="0"/>
+          </a:p>
+          <a:p>
+            <a:r>
+              <a:rPr lang="zh-TW" altLang="en-US" dirty="0"/>
+              <a:t>若失敗，依然可以保留我方腳色數據以相同難度重新開始</a:t>
+            </a:r>
+          </a:p>
+        </p:txBody>
+      </p:sp>
+    </p:spTree>
+    <p:extLst>
+      <p:ext uri="{BB962C8B-B14F-4D97-AF65-F5344CB8AC3E}">
+        <p14:creationId xmlns:p14="http://schemas.microsoft.com/office/powerpoint/2010/main" val="540517780"/>
+      </p:ext>
+    </p:extLst>
+  </p:cSld>
+  <p:clrMapOvr>
+    <a:masterClrMapping/>
+  </p:clrMapOvr>
+</p:sld>
+</file>
+
+<file path=ppt/slides/slide3.xml><?xml version="1.0" encoding="utf-8"?>
+<p:sld xmlns:a="http://schemas.openxmlformats.org/drawingml/2006/main" xmlns:r="http://schemas.openxmlformats.org/officeDocument/2006/relationships" xmlns:p="http://schemas.openxmlformats.org/presentationml/2006/main">
+  <p:cSld>
+    <p:spTree>
+      <p:nvGrpSpPr>
+        <p:cNvPr id="1" name=""/>
+        <p:cNvGrpSpPr/>
+        <p:nvPr/>
+      </p:nvGrpSpPr>
+      <p:grpSpPr>
+        <a:xfrm>
+          <a:off x="0" y="0"/>
+          <a:ext cx="0" cy="0"/>
+          <a:chOff x="0" y="0"/>
+          <a:chExt cx="0" cy="0"/>
+        </a:xfrm>
+      </p:grpSpPr>
+      <p:sp>
+        <p:nvSpPr>
+          <p:cNvPr id="2" name="標題 1">
+            <a:extLst>
+              <a:ext uri="{FF2B5EF4-FFF2-40B4-BE49-F238E27FC236}">
+                <a16:creationId xmlns:a16="http://schemas.microsoft.com/office/drawing/2014/main" id="{04160999-A3FD-5D16-58FD-EEFF015C1B51}"/>
+              </a:ext>
+            </a:extLst>
+          </p:cNvPr>
+          <p:cNvSpPr>
+            <a:spLocks noGrp="1"/>
+          </p:cNvSpPr>
+          <p:nvPr>
+            <p:ph type="title"/>
+          </p:nvPr>
+        </p:nvSpPr>
+        <p:spPr/>
+        <p:txBody>
+          <a:bodyPr/>
+          <a:lstStyle/>
+          <a:p>
+            <a:r>
+              <a:rPr lang="zh-TW" altLang="en-US" dirty="0"/>
+              <a:t>角色詳細數據（之一）</a:t>
+            </a:r>
+          </a:p>
+        </p:txBody>
+      </p:sp>
+      <p:pic>
+        <p:nvPicPr>
+          <p:cNvPr id="5" name="內容版面配置區 4">
+            <a:extLst>
+              <a:ext uri="{FF2B5EF4-FFF2-40B4-BE49-F238E27FC236}">
+                <a16:creationId xmlns:a16="http://schemas.microsoft.com/office/drawing/2014/main" id="{0DB06B48-C4C6-3DC5-CA45-802E4B7DBBA1}"/>
+              </a:ext>
+            </a:extLst>
+          </p:cNvPr>
+          <p:cNvPicPr>
+            <a:picLocks noGrp="1" noChangeAspect="1"/>
+          </p:cNvPicPr>
+          <p:nvPr>
+            <p:ph idx="1"/>
+          </p:nvPr>
+        </p:nvPicPr>
+        <p:blipFill>
+          <a:blip r:embed="rId2"/>
+          <a:stretch>
+            <a:fillRect/>
+          </a:stretch>
+        </p:blipFill>
+        <p:spPr>
+          <a:xfrm>
+            <a:off x="819150" y="3510127"/>
+            <a:ext cx="10553700" cy="1061708"/>
+          </a:xfrm>
+        </p:spPr>
+      </p:pic>
+      <p:sp>
+        <p:nvSpPr>
+          <p:cNvPr id="6" name="文字方塊 5">
+            <a:extLst>
+              <a:ext uri="{FF2B5EF4-FFF2-40B4-BE49-F238E27FC236}">
+                <a16:creationId xmlns:a16="http://schemas.microsoft.com/office/drawing/2014/main" id="{1808E002-8F46-DB5A-3CB6-C1CD45D768AA}"/>
+              </a:ext>
+            </a:extLst>
+          </p:cNvPr>
+          <p:cNvSpPr txBox="1"/>
+          <p:nvPr/>
+        </p:nvSpPr>
+        <p:spPr>
+          <a:xfrm>
+            <a:off x="744336" y="3167148"/>
+            <a:ext cx="1067839" cy="338554"/>
+          </a:xfrm>
+          <a:prstGeom prst="rect">
+            <a:avLst/>
+          </a:prstGeom>
+          <a:noFill/>
+        </p:spPr>
+        <p:txBody>
+          <a:bodyPr wrap="square" rtlCol="0">
+            <a:spAutoFit/>
+          </a:bodyPr>
+          <a:lstStyle/>
+          <a:p>
+            <a:r>
+              <a:rPr lang="zh-TW" altLang="en-US" sz="1600" b="1" dirty="0"/>
+              <a:t>角色外觀</a:t>
+            </a:r>
+          </a:p>
+        </p:txBody>
+      </p:sp>
+      <p:sp>
+        <p:nvSpPr>
+          <p:cNvPr id="8" name="文字方塊 7">
+            <a:extLst>
+              <a:ext uri="{FF2B5EF4-FFF2-40B4-BE49-F238E27FC236}">
+                <a16:creationId xmlns:a16="http://schemas.microsoft.com/office/drawing/2014/main" id="{0C2BDEE9-BB0A-CD6B-6E1D-3F91B7FD1D6D}"/>
+              </a:ext>
+            </a:extLst>
+          </p:cNvPr>
+          <p:cNvSpPr txBox="1"/>
+          <p:nvPr/>
+        </p:nvSpPr>
+        <p:spPr>
+          <a:xfrm>
+            <a:off x="1609467" y="3553910"/>
+            <a:ext cx="1200234" cy="338554"/>
+          </a:xfrm>
+          <a:prstGeom prst="rect">
+            <a:avLst/>
+          </a:prstGeom>
+          <a:noFill/>
+        </p:spPr>
+        <p:txBody>
+          <a:bodyPr wrap="square" rtlCol="0">
+            <a:spAutoFit/>
+          </a:bodyPr>
+          <a:lstStyle/>
+          <a:p>
+            <a:r>
+              <a:rPr lang="zh-TW" altLang="en-US" sz="1600" b="1" dirty="0">
+                <a:solidFill>
+                  <a:schemeClr val="bg1"/>
+                </a:solidFill>
+              </a:rPr>
+              <a:t>名稱、等級</a:t>
+            </a:r>
+          </a:p>
+        </p:txBody>
+      </p:sp>
+      <p:sp>
+        <p:nvSpPr>
+          <p:cNvPr id="9" name="文字方塊 8">
+            <a:extLst>
+              <a:ext uri="{FF2B5EF4-FFF2-40B4-BE49-F238E27FC236}">
+                <a16:creationId xmlns:a16="http://schemas.microsoft.com/office/drawing/2014/main" id="{35878F59-78BE-6CB0-FF03-5CE82FF607F3}"/>
+              </a:ext>
+            </a:extLst>
+          </p:cNvPr>
+          <p:cNvSpPr txBox="1"/>
+          <p:nvPr/>
+        </p:nvSpPr>
+        <p:spPr>
+          <a:xfrm>
+            <a:off x="779491" y="4571835"/>
+            <a:ext cx="997527" cy="338554"/>
+          </a:xfrm>
+          <a:prstGeom prst="rect">
+            <a:avLst/>
+          </a:prstGeom>
+          <a:noFill/>
+        </p:spPr>
+        <p:txBody>
+          <a:bodyPr wrap="square" rtlCol="0">
+            <a:spAutoFit/>
+          </a:bodyPr>
+          <a:lstStyle/>
+          <a:p>
+            <a:r>
+              <a:rPr lang="zh-TW" altLang="en-US" sz="1600" b="1" dirty="0"/>
+              <a:t>角色敘述</a:t>
+            </a:r>
+          </a:p>
+        </p:txBody>
+      </p:sp>
+      <p:sp>
+        <p:nvSpPr>
+          <p:cNvPr id="10" name="文字方塊 9">
+            <a:extLst>
+              <a:ext uri="{FF2B5EF4-FFF2-40B4-BE49-F238E27FC236}">
+                <a16:creationId xmlns:a16="http://schemas.microsoft.com/office/drawing/2014/main" id="{B5DC1242-18EB-1A95-C66F-A8458A1F383B}"/>
+              </a:ext>
+            </a:extLst>
+          </p:cNvPr>
+          <p:cNvSpPr txBox="1"/>
+          <p:nvPr/>
+        </p:nvSpPr>
+        <p:spPr>
+          <a:xfrm>
+            <a:off x="2443942" y="2943900"/>
+            <a:ext cx="2082339" cy="584775"/>
+          </a:xfrm>
+          <a:prstGeom prst="rect">
+            <a:avLst/>
+          </a:prstGeom>
+          <a:noFill/>
+        </p:spPr>
+        <p:txBody>
+          <a:bodyPr wrap="square" rtlCol="0">
+            <a:spAutoFit/>
+          </a:bodyPr>
+          <a:lstStyle/>
+          <a:p>
+            <a:r>
+              <a:rPr lang="zh-TW" altLang="en-US" sz="1600" b="1" dirty="0"/>
+              <a:t>角色武器與攻擊範圍</a:t>
+            </a:r>
+            <a:endParaRPr lang="en-US" altLang="zh-TW" sz="1600" b="1" dirty="0"/>
+          </a:p>
+          <a:p>
+            <a:r>
+              <a:rPr lang="zh-TW" altLang="en-US" sz="1600" b="1" dirty="0"/>
+              <a:t>    武器敘述與技能</a:t>
+            </a:r>
+          </a:p>
+        </p:txBody>
+      </p:sp>
+      <p:sp>
+        <p:nvSpPr>
+          <p:cNvPr id="11" name="文字方塊 10">
+            <a:extLst>
+              <a:ext uri="{FF2B5EF4-FFF2-40B4-BE49-F238E27FC236}">
+                <a16:creationId xmlns:a16="http://schemas.microsoft.com/office/drawing/2014/main" id="{25A74316-D177-8B2B-0577-25E33E3EF35B}"/>
+              </a:ext>
+            </a:extLst>
+          </p:cNvPr>
+          <p:cNvSpPr txBox="1"/>
+          <p:nvPr/>
+        </p:nvSpPr>
+        <p:spPr>
+          <a:xfrm>
+            <a:off x="2984269" y="4571835"/>
+            <a:ext cx="4580313" cy="1323439"/>
+          </a:xfrm>
+          <a:prstGeom prst="rect">
+            <a:avLst/>
+          </a:prstGeom>
+          <a:noFill/>
+        </p:spPr>
+        <p:txBody>
+          <a:bodyPr wrap="square" rtlCol="0">
+            <a:spAutoFit/>
+          </a:bodyPr>
+          <a:lstStyle/>
+          <a:p>
+            <a:r>
+              <a:rPr lang="en-US" altLang="zh-TW" sz="1600" b="1" i="0" dirty="0">
+                <a:effectLst/>
+                <a:latin typeface="+mn-ea"/>
+              </a:rPr>
+              <a:t>HP</a:t>
+            </a:r>
+            <a:r>
+              <a:rPr lang="zh-TW" altLang="en-US" sz="1600" b="1" i="0" dirty="0">
+                <a:effectLst/>
+                <a:latin typeface="+mn-ea"/>
+              </a:rPr>
+              <a:t>：生命值，一旦歸零就會脫離地圖</a:t>
+            </a:r>
+            <a:endParaRPr lang="en-US" altLang="zh-TW" sz="1600" b="1" i="0" dirty="0">
+              <a:effectLst/>
+              <a:latin typeface="+mn-ea"/>
+            </a:endParaRPr>
+          </a:p>
+          <a:p>
+            <a:r>
+              <a:rPr lang="en-US" altLang="zh-TW" sz="1600" b="1" i="0" dirty="0">
+                <a:effectLst/>
+                <a:latin typeface="+mn-ea"/>
+              </a:rPr>
+              <a:t>DMG</a:t>
+            </a:r>
+            <a:r>
+              <a:rPr lang="zh-TW" altLang="en-US" sz="1600" b="1" i="0" dirty="0">
+                <a:effectLst/>
+                <a:latin typeface="+mn-ea"/>
+              </a:rPr>
+              <a:t> ：攻擊，數值越高，給予敵人的傷害越大 </a:t>
+            </a:r>
+            <a:endParaRPr lang="en-US" altLang="zh-TW" sz="1600" b="1" i="0" dirty="0">
+              <a:effectLst/>
+              <a:latin typeface="+mn-ea"/>
+            </a:endParaRPr>
+          </a:p>
+          <a:p>
+            <a:r>
+              <a:rPr lang="en-US" altLang="zh-TW" sz="1600" b="1" i="0" dirty="0">
+                <a:effectLst/>
+                <a:latin typeface="+mn-ea"/>
+              </a:rPr>
+              <a:t>SPD</a:t>
+            </a:r>
+            <a:r>
+              <a:rPr lang="zh-TW" altLang="en-US" sz="1600" b="1" i="0" dirty="0">
+                <a:effectLst/>
+                <a:latin typeface="+mn-ea"/>
+              </a:rPr>
+              <a:t>：速度，高於敵人</a:t>
+            </a:r>
+            <a:r>
+              <a:rPr lang="en-US" altLang="zh-TW" sz="1600" b="1" i="0" dirty="0">
+                <a:effectLst/>
+                <a:latin typeface="+mn-ea"/>
+              </a:rPr>
+              <a:t>5</a:t>
+            </a:r>
+            <a:r>
+              <a:rPr lang="zh-TW" altLang="en-US" sz="1600" b="1" i="0" dirty="0">
+                <a:effectLst/>
+                <a:latin typeface="+mn-ea"/>
+              </a:rPr>
+              <a:t>以上即可追擊（攻擊</a:t>
+            </a:r>
+            <a:r>
+              <a:rPr lang="en-US" altLang="zh-TW" sz="1600" b="1" i="0" dirty="0">
+                <a:effectLst/>
+                <a:latin typeface="+mn-ea"/>
+              </a:rPr>
+              <a:t>2</a:t>
+            </a:r>
+            <a:r>
+              <a:rPr lang="zh-TW" altLang="en-US" sz="1600" b="1" i="0" dirty="0">
+                <a:effectLst/>
+                <a:latin typeface="+mn-ea"/>
+              </a:rPr>
+              <a:t>次）</a:t>
+            </a:r>
+            <a:endParaRPr lang="en-US" altLang="zh-TW" sz="1600" b="1" i="0" dirty="0">
+              <a:effectLst/>
+              <a:latin typeface="+mn-ea"/>
+            </a:endParaRPr>
+          </a:p>
+          <a:p>
+            <a:r>
+              <a:rPr lang="en-US" altLang="zh-TW" sz="1600" b="1" i="0" dirty="0">
+                <a:effectLst/>
+                <a:latin typeface="+mn-ea"/>
+              </a:rPr>
+              <a:t>DEF</a:t>
+            </a:r>
+            <a:r>
+              <a:rPr lang="zh-TW" altLang="en-US" sz="1600" b="1" i="0" dirty="0">
+                <a:effectLst/>
+                <a:latin typeface="+mn-ea"/>
+              </a:rPr>
+              <a:t>：防禦，防禦敵人的物理攻擊</a:t>
+            </a:r>
+            <a:endParaRPr lang="en-US" altLang="zh-TW" sz="1600" b="1" i="0" dirty="0">
+              <a:effectLst/>
+              <a:latin typeface="+mn-ea"/>
+            </a:endParaRPr>
+          </a:p>
+          <a:p>
+            <a:r>
+              <a:rPr lang="en-US" altLang="zh-TW" sz="1600" b="1" i="0" dirty="0">
+                <a:effectLst/>
+                <a:latin typeface="+mn-ea"/>
+              </a:rPr>
+              <a:t>RES</a:t>
+            </a:r>
+            <a:r>
+              <a:rPr lang="zh-TW" altLang="en-US" sz="1600" b="1" i="0" dirty="0">
+                <a:effectLst/>
+                <a:latin typeface="+mn-ea"/>
+              </a:rPr>
+              <a:t>：魔防，防禦敵人的魔法攻擊</a:t>
+            </a:r>
+            <a:endParaRPr lang="zh-TW" altLang="en-US" sz="1600" b="1" dirty="0">
+              <a:latin typeface="+mn-ea"/>
+            </a:endParaRPr>
+          </a:p>
+        </p:txBody>
+      </p:sp>
+      <p:sp>
+        <p:nvSpPr>
+          <p:cNvPr id="12" name="文字方塊 11">
+            <a:extLst>
+              <a:ext uri="{FF2B5EF4-FFF2-40B4-BE49-F238E27FC236}">
+                <a16:creationId xmlns:a16="http://schemas.microsoft.com/office/drawing/2014/main" id="{FBAF5204-F561-956E-A701-756A8C60E603}"/>
+              </a:ext>
+            </a:extLst>
+          </p:cNvPr>
+          <p:cNvSpPr txBox="1"/>
+          <p:nvPr/>
+        </p:nvSpPr>
+        <p:spPr>
+          <a:xfrm>
+            <a:off x="6094614" y="2933664"/>
+            <a:ext cx="4563688" cy="584775"/>
+          </a:xfrm>
+          <a:prstGeom prst="rect">
+            <a:avLst/>
+          </a:prstGeom>
+          <a:noFill/>
+        </p:spPr>
+        <p:txBody>
+          <a:bodyPr wrap="square" rtlCol="0">
+            <a:spAutoFit/>
+          </a:bodyPr>
+          <a:lstStyle/>
+          <a:p>
+            <a:r>
+              <a:rPr lang="zh-TW" altLang="en-US" sz="1600" b="1" dirty="0"/>
+              <a:t>技能外觀、技能名稱、技能等級（最高 </a:t>
+            </a:r>
+            <a:r>
+              <a:rPr lang="en-US" altLang="zh-TW" sz="1600" b="1" dirty="0"/>
+              <a:t>3</a:t>
+            </a:r>
+            <a:r>
+              <a:rPr lang="zh-TW" altLang="en-US" sz="1600" b="1" dirty="0"/>
+              <a:t>）</a:t>
+            </a:r>
+            <a:br>
+              <a:rPr lang="en-US" altLang="zh-TW" sz="1600" b="1" dirty="0"/>
+            </a:br>
+            <a:r>
+              <a:rPr lang="zh-TW" altLang="en-US" sz="1600" b="1" dirty="0"/>
+              <a:t>技能敘述，每隻角色都有 </a:t>
+            </a:r>
+            <a:r>
+              <a:rPr lang="en-US" altLang="zh-TW" sz="1600" b="1" dirty="0"/>
+              <a:t>3 </a:t>
+            </a:r>
+            <a:r>
+              <a:rPr lang="zh-TW" altLang="en-US" sz="1600" b="1" dirty="0"/>
+              <a:t>個技能</a:t>
+            </a:r>
+          </a:p>
+        </p:txBody>
+      </p:sp>
+    </p:spTree>
+    <p:extLst>
+      <p:ext uri="{BB962C8B-B14F-4D97-AF65-F5344CB8AC3E}">
+        <p14:creationId xmlns:p14="http://schemas.microsoft.com/office/powerpoint/2010/main" val="1955338433"/>
+      </p:ext>
+    </p:extLst>
+  </p:cSld>
+  <p:clrMapOvr>
+    <a:masterClrMapping/>
+  </p:clrMapOvr>
+</p:sld>
+</file>
+
+<file path=ppt/slides/slide4.xml><?xml version="1.0" encoding="utf-8"?>
+<p:sld xmlns:a="http://schemas.openxmlformats.org/drawingml/2006/main" xmlns:r="http://schemas.openxmlformats.org/officeDocument/2006/relationships" xmlns:p="http://schemas.openxmlformats.org/presentationml/2006/main">
+  <p:cSld>
+    <p:spTree>
+      <p:nvGrpSpPr>
+        <p:cNvPr id="1" name=""/>
+        <p:cNvGrpSpPr/>
+        <p:nvPr/>
+      </p:nvGrpSpPr>
+      <p:grpSpPr>
+        <a:xfrm>
+          <a:off x="0" y="0"/>
+          <a:ext cx="0" cy="0"/>
+          <a:chOff x="0" y="0"/>
+          <a:chExt cx="0" cy="0"/>
+        </a:xfrm>
+      </p:grpSpPr>
+      <p:sp>
+        <p:nvSpPr>
+          <p:cNvPr id="2" name="標題 1">
+            <a:extLst>
+              <a:ext uri="{FF2B5EF4-FFF2-40B4-BE49-F238E27FC236}">
+                <a16:creationId xmlns:a16="http://schemas.microsoft.com/office/drawing/2014/main" id="{556FA152-7A69-5208-CBDB-C252A9A7D8F8}"/>
+              </a:ext>
+            </a:extLst>
+          </p:cNvPr>
+          <p:cNvSpPr>
+            <a:spLocks noGrp="1"/>
+          </p:cNvSpPr>
+          <p:nvPr>
+            <p:ph type="title"/>
+          </p:nvPr>
+        </p:nvSpPr>
+        <p:spPr/>
+        <p:txBody>
+          <a:bodyPr/>
+          <a:lstStyle/>
+          <a:p>
+            <a:r>
+              <a:rPr lang="zh-TW" altLang="en-US" dirty="0"/>
+              <a:t>角色詳細數據（之二）</a:t>
+            </a:r>
+          </a:p>
+        </p:txBody>
+      </p:sp>
+      <p:sp>
+        <p:nvSpPr>
+          <p:cNvPr id="3" name="內容版面配置區 2">
+            <a:extLst>
+              <a:ext uri="{FF2B5EF4-FFF2-40B4-BE49-F238E27FC236}">
+                <a16:creationId xmlns:a16="http://schemas.microsoft.com/office/drawing/2014/main" id="{05EA3B15-838D-80D8-4EFF-AA33D04E505A}"/>
+              </a:ext>
+            </a:extLst>
+          </p:cNvPr>
+          <p:cNvSpPr>
+            <a:spLocks noGrp="1"/>
+          </p:cNvSpPr>
+          <p:nvPr>
+            <p:ph idx="1"/>
+          </p:nvPr>
+        </p:nvSpPr>
+        <p:spPr/>
+        <p:txBody>
+          <a:bodyPr/>
+          <a:lstStyle/>
+          <a:p>
+            <a:r>
+              <a:rPr lang="zh-TW" altLang="en-US" dirty="0">
+                <a:latin typeface="+mn-ea"/>
+              </a:rPr>
+              <a:t>發動攻擊時，以（被攻擊者的 </a:t>
+            </a:r>
+            <a:r>
+              <a:rPr lang="en-US" altLang="zh-TW" dirty="0">
+                <a:latin typeface="+mn-ea"/>
+              </a:rPr>
+              <a:t>HP</a:t>
+            </a:r>
+            <a:r>
+              <a:rPr lang="zh-TW" altLang="en-US" dirty="0">
+                <a:latin typeface="+mn-ea"/>
+              </a:rPr>
+              <a:t> </a:t>
+            </a:r>
+            <a:r>
+              <a:rPr lang="en-US" altLang="zh-TW" dirty="0">
+                <a:latin typeface="+mn-ea"/>
+              </a:rPr>
+              <a:t>-</a:t>
+            </a:r>
+            <a:r>
+              <a:rPr lang="zh-TW" altLang="en-US" dirty="0">
+                <a:latin typeface="+mn-ea"/>
+              </a:rPr>
+              <a:t> （攻擊者的 </a:t>
+            </a:r>
+            <a:r>
+              <a:rPr lang="en-US" altLang="zh-TW" dirty="0">
+                <a:latin typeface="+mn-ea"/>
+              </a:rPr>
+              <a:t>DMG</a:t>
+            </a:r>
+            <a:r>
+              <a:rPr lang="zh-TW" altLang="en-US" dirty="0">
+                <a:latin typeface="+mn-ea"/>
+              </a:rPr>
+              <a:t> </a:t>
+            </a:r>
+            <a:r>
+              <a:rPr lang="en-US" altLang="zh-TW" dirty="0">
+                <a:latin typeface="+mn-ea"/>
+              </a:rPr>
+              <a:t>–</a:t>
+            </a:r>
+            <a:r>
+              <a:rPr lang="zh-TW" altLang="en-US" dirty="0">
+                <a:latin typeface="+mn-ea"/>
+              </a:rPr>
+              <a:t> 被攻擊者的 </a:t>
+            </a:r>
+            <a:r>
+              <a:rPr lang="en-US" altLang="zh-TW" dirty="0">
+                <a:latin typeface="+mn-ea"/>
+              </a:rPr>
+              <a:t>DEF</a:t>
+            </a:r>
+            <a:r>
+              <a:rPr lang="zh-TW" altLang="en-US" dirty="0">
+                <a:latin typeface="+mn-ea"/>
+              </a:rPr>
+              <a:t> 或 </a:t>
+            </a:r>
+            <a:r>
+              <a:rPr lang="en-US" altLang="zh-TW" dirty="0">
+                <a:latin typeface="+mn-ea"/>
+              </a:rPr>
+              <a:t>RES</a:t>
+            </a:r>
+            <a:r>
+              <a:rPr lang="zh-TW" altLang="en-US" dirty="0">
+                <a:latin typeface="+mn-ea"/>
+              </a:rPr>
+              <a:t>））計算傷害</a:t>
+            </a:r>
+            <a:endParaRPr lang="en-US" altLang="zh-TW" dirty="0">
+              <a:latin typeface="+mn-ea"/>
+            </a:endParaRPr>
+          </a:p>
+          <a:p>
+            <a:r>
+              <a:rPr lang="zh-TW" altLang="en-US" dirty="0">
+                <a:latin typeface="+mn-ea"/>
+              </a:rPr>
+              <a:t>攻擊流程：攻擊者攻擊 → 被攻擊者反擊 → 攻擊者</a:t>
+            </a:r>
+            <a:r>
+              <a:rPr lang="zh-TW" altLang="en-US" b="1" u="sng" dirty="0">
+                <a:latin typeface="+mn-ea"/>
+              </a:rPr>
+              <a:t>追擊</a:t>
+            </a:r>
+            <a:r>
+              <a:rPr lang="zh-TW" altLang="en-US" dirty="0">
+                <a:latin typeface="+mn-ea"/>
+              </a:rPr>
+              <a:t> → 被攻擊者</a:t>
+            </a:r>
+            <a:r>
+              <a:rPr lang="zh-TW" altLang="en-US" b="1" u="sng" dirty="0">
+                <a:latin typeface="+mn-ea"/>
+              </a:rPr>
+              <a:t>追擊</a:t>
+            </a:r>
+            <a:endParaRPr lang="en-US" altLang="zh-TW" b="1" u="sng" dirty="0">
+              <a:latin typeface="+mn-ea"/>
+            </a:endParaRPr>
+          </a:p>
+          <a:p>
+            <a:r>
+              <a:rPr lang="zh-TW" altLang="en-US" dirty="0">
+                <a:latin typeface="+mn-ea"/>
+              </a:rPr>
+              <a:t>所謂「追擊」，必須要速度</a:t>
+            </a:r>
+            <a:r>
+              <a:rPr lang="zh-TW" altLang="en-US" b="1" u="sng" dirty="0">
+                <a:latin typeface="+mn-ea"/>
+              </a:rPr>
+              <a:t>高於對方 </a:t>
+            </a:r>
+            <a:r>
+              <a:rPr lang="en-US" altLang="zh-TW" b="1" u="sng" dirty="0">
+                <a:latin typeface="+mn-ea"/>
+              </a:rPr>
+              <a:t>5 </a:t>
+            </a:r>
+            <a:r>
+              <a:rPr lang="zh-TW" altLang="en-US" b="1" u="sng" dirty="0">
+                <a:latin typeface="+mn-ea"/>
+              </a:rPr>
+              <a:t>以上</a:t>
+            </a:r>
+            <a:r>
+              <a:rPr lang="zh-TW" altLang="en-US" dirty="0">
+                <a:latin typeface="+mn-ea"/>
+              </a:rPr>
+              <a:t>才會發動</a:t>
+            </a:r>
+            <a:endParaRPr lang="en-US" altLang="zh-TW" dirty="0">
+              <a:latin typeface="+mn-ea"/>
+            </a:endParaRPr>
+          </a:p>
+          <a:p>
+            <a:r>
+              <a:rPr lang="zh-TW" altLang="en-US" dirty="0">
+                <a:latin typeface="+mn-ea"/>
+              </a:rPr>
+              <a:t>其中，</a:t>
+            </a:r>
+            <a:r>
+              <a:rPr lang="zh-TW" altLang="en-US" b="1" u="sng" dirty="0">
+                <a:latin typeface="+mn-ea"/>
+              </a:rPr>
+              <a:t>攻擊範圍</a:t>
+            </a:r>
+            <a:r>
+              <a:rPr lang="zh-TW" altLang="en-US" dirty="0">
+                <a:latin typeface="+mn-ea"/>
+              </a:rPr>
+              <a:t>是關鍵，若攻擊者與被攻擊者的攻擊範圍</a:t>
+            </a:r>
+            <a:r>
+              <a:rPr lang="zh-TW" altLang="en-US" b="1" u="sng" dirty="0">
+                <a:latin typeface="+mn-ea"/>
+              </a:rPr>
+              <a:t>不相同</a:t>
+            </a:r>
+            <a:r>
+              <a:rPr lang="zh-TW" altLang="en-US" dirty="0">
+                <a:latin typeface="+mn-ea"/>
+              </a:rPr>
+              <a:t>，則被攻擊者</a:t>
+            </a:r>
+            <a:r>
+              <a:rPr lang="zh-TW" altLang="en-US" b="1" u="sng" dirty="0">
+                <a:latin typeface="+mn-ea"/>
+              </a:rPr>
+              <a:t>無法反擊</a:t>
+            </a:r>
+            <a:endParaRPr lang="en-US" altLang="zh-TW" b="1" u="sng" dirty="0">
+              <a:latin typeface="+mn-ea"/>
+            </a:endParaRPr>
+          </a:p>
+          <a:p>
+            <a:r>
+              <a:rPr lang="zh-TW" altLang="en-US" dirty="0">
+                <a:latin typeface="+mn-ea"/>
+              </a:rPr>
+              <a:t>（有些</a:t>
+            </a:r>
+            <a:r>
+              <a:rPr lang="zh-TW" altLang="en-US" b="1" u="sng" dirty="0">
+                <a:latin typeface="+mn-ea"/>
+              </a:rPr>
+              <a:t>技能</a:t>
+            </a:r>
+            <a:r>
+              <a:rPr lang="zh-TW" altLang="en-US" dirty="0">
+                <a:latin typeface="+mn-ea"/>
+              </a:rPr>
+              <a:t>可以改變上述狀態，所以務必要看清楚技能敘述！）</a:t>
+            </a:r>
+            <a:endParaRPr lang="en-US" altLang="zh-TW" dirty="0">
+              <a:latin typeface="+mn-ea"/>
+            </a:endParaRPr>
+          </a:p>
+        </p:txBody>
+      </p:sp>
+    </p:spTree>
+    <p:extLst>
+      <p:ext uri="{BB962C8B-B14F-4D97-AF65-F5344CB8AC3E}">
+        <p14:creationId xmlns:p14="http://schemas.microsoft.com/office/powerpoint/2010/main" val="3820328196"/>
+      </p:ext>
+    </p:extLst>
+  </p:cSld>
+  <p:clrMapOvr>
+    <a:masterClrMapping/>
+  </p:clrMapOvr>
+</p:sld>
+</file>
+
+<file path=ppt/slides/slide5.xml><?xml version="1.0" encoding="utf-8"?>
+<p:sld xmlns:a="http://schemas.openxmlformats.org/drawingml/2006/main" xmlns:r="http://schemas.openxmlformats.org/officeDocument/2006/relationships" xmlns:p="http://schemas.openxmlformats.org/presentationml/2006/main">
+  <p:cSld>
+    <p:spTree>
+      <p:nvGrpSpPr>
+        <p:cNvPr id="1" name=""/>
+        <p:cNvGrpSpPr/>
+        <p:nvPr/>
+      </p:nvGrpSpPr>
+      <p:grpSpPr>
+        <a:xfrm>
+          <a:off x="0" y="0"/>
+          <a:ext cx="0" cy="0"/>
+          <a:chOff x="0" y="0"/>
+          <a:chExt cx="0" cy="0"/>
+        </a:xfrm>
+      </p:grpSpPr>
+      <p:sp>
+        <p:nvSpPr>
+          <p:cNvPr id="2" name="標題 1">
+            <a:extLst>
+              <a:ext uri="{FF2B5EF4-FFF2-40B4-BE49-F238E27FC236}">
+                <a16:creationId xmlns:a16="http://schemas.microsoft.com/office/drawing/2014/main" id="{A38D2D17-D6E2-8110-0345-C8ADACF37232}"/>
+              </a:ext>
+            </a:extLst>
+          </p:cNvPr>
+          <p:cNvSpPr>
+            <a:spLocks noGrp="1"/>
+          </p:cNvSpPr>
+          <p:nvPr>
+            <p:ph type="title"/>
+          </p:nvPr>
+        </p:nvSpPr>
+        <p:spPr/>
+        <p:txBody>
+          <a:bodyPr/>
+          <a:lstStyle/>
+          <a:p>
+            <a:r>
+              <a:rPr lang="zh-TW" altLang="en-US" dirty="0"/>
+              <a:t>角色詳細數據（</a:t>
+            </a:r>
+            <a:r>
+              <a:rPr lang="zh-TW" altLang="en-US" dirty="0">
+                <a:latin typeface="+mn-ea"/>
+              </a:rPr>
+              <a:t>之三</a:t>
+            </a:r>
+            <a:r>
+              <a:rPr lang="zh-TW" altLang="en-US" dirty="0"/>
+              <a:t>）</a:t>
+            </a:r>
+          </a:p>
+        </p:txBody>
+      </p:sp>
+      <p:sp>
+        <p:nvSpPr>
+          <p:cNvPr id="3" name="內容版面配置區 2">
+            <a:extLst>
+              <a:ext uri="{FF2B5EF4-FFF2-40B4-BE49-F238E27FC236}">
+                <a16:creationId xmlns:a16="http://schemas.microsoft.com/office/drawing/2014/main" id="{D10DD4D5-9FE8-78DB-2C66-438F28ACDD97}"/>
+              </a:ext>
+            </a:extLst>
+          </p:cNvPr>
+          <p:cNvSpPr>
+            <a:spLocks noGrp="1"/>
+          </p:cNvSpPr>
+          <p:nvPr>
+            <p:ph idx="1"/>
+          </p:nvPr>
+        </p:nvSpPr>
+        <p:spPr/>
+        <p:txBody>
+          <a:bodyPr/>
+          <a:lstStyle/>
+          <a:p>
+            <a:r>
+              <a:rPr lang="zh-TW" altLang="en-US" dirty="0">
+                <a:latin typeface="+mn-ea"/>
+              </a:rPr>
+              <a:t>當我方角色擊敗任一隻敵方角色（注意，是打出最後一擊的那個角色）就可以</a:t>
+            </a:r>
+            <a:r>
+              <a:rPr lang="zh-TW" altLang="en-US" b="1" u="sng" dirty="0">
+                <a:latin typeface="+mn-ea"/>
+              </a:rPr>
+              <a:t>升級</a:t>
+            </a:r>
+            <a:endParaRPr lang="en-US" altLang="zh-TW" b="1" u="sng" dirty="0">
+              <a:latin typeface="+mn-ea"/>
+            </a:endParaRPr>
+          </a:p>
+          <a:p>
+            <a:r>
+              <a:rPr lang="zh-TW" altLang="en-US" dirty="0">
+                <a:latin typeface="+mn-ea"/>
+              </a:rPr>
+              <a:t>每個角色背後都有一組隱藏的</a:t>
+            </a:r>
+            <a:r>
+              <a:rPr lang="zh-TW" altLang="en-US" b="1" u="sng" dirty="0">
+                <a:latin typeface="+mn-ea"/>
+              </a:rPr>
+              <a:t>角色成長機率</a:t>
+            </a:r>
+            <a:r>
+              <a:rPr lang="zh-TW" altLang="en-US" dirty="0">
+                <a:latin typeface="+mn-ea"/>
+              </a:rPr>
+              <a:t>，當升級時，會以該機率決定其數值是否提升</a:t>
+            </a:r>
+            <a:endParaRPr lang="en-US" altLang="zh-TW" dirty="0">
+              <a:latin typeface="+mn-ea"/>
+            </a:endParaRPr>
+          </a:p>
+          <a:p>
+            <a:r>
+              <a:rPr lang="zh-TW" altLang="en-US" dirty="0">
+                <a:latin typeface="+mn-ea"/>
+              </a:rPr>
+              <a:t>同時，其中一個技能也會提升一級，除非達到上限</a:t>
+            </a:r>
+            <a:endParaRPr lang="en-US" altLang="zh-TW" dirty="0">
+              <a:latin typeface="+mn-ea"/>
+            </a:endParaRPr>
+          </a:p>
+          <a:p>
+            <a:r>
+              <a:rPr lang="zh-TW" altLang="en-US" dirty="0">
+                <a:latin typeface="+mn-ea"/>
+              </a:rPr>
+              <a:t>敵人等級：簡單（</a:t>
+            </a:r>
+            <a:r>
+              <a:rPr lang="en-US" altLang="zh-TW" dirty="0">
+                <a:latin typeface="+mn-ea"/>
+              </a:rPr>
+              <a:t>Lv. 1 ~ 4</a:t>
+            </a:r>
+            <a:r>
+              <a:rPr lang="zh-TW" altLang="en-US" dirty="0">
+                <a:latin typeface="+mn-ea"/>
+              </a:rPr>
+              <a:t>）、困難（</a:t>
+            </a:r>
+            <a:r>
+              <a:rPr lang="en-US" altLang="zh-TW" dirty="0">
+                <a:latin typeface="+mn-ea"/>
+              </a:rPr>
+              <a:t> Lv. 4 ~ 7</a:t>
+            </a:r>
+            <a:r>
+              <a:rPr lang="zh-TW" altLang="en-US" dirty="0">
+                <a:latin typeface="+mn-ea"/>
+              </a:rPr>
+              <a:t>）、深淵（</a:t>
+            </a:r>
+            <a:r>
+              <a:rPr lang="en-US" altLang="zh-TW" dirty="0">
+                <a:latin typeface="+mn-ea"/>
+              </a:rPr>
+              <a:t> Lv. 7 ~ 10 </a:t>
+            </a:r>
+            <a:r>
+              <a:rPr lang="zh-TW" altLang="en-US" dirty="0">
+                <a:latin typeface="+mn-ea"/>
+              </a:rPr>
+              <a:t>）</a:t>
+            </a:r>
+            <a:endParaRPr lang="en-US" altLang="zh-TW" dirty="0">
+              <a:latin typeface="+mn-ea"/>
+            </a:endParaRPr>
+          </a:p>
+          <a:p>
+            <a:r>
+              <a:rPr lang="zh-TW" altLang="en-US" dirty="0">
+                <a:latin typeface="+mn-ea"/>
+              </a:rPr>
+              <a:t>同樣的，在生成敵方角色也會以常態分布機率決定其數據</a:t>
+            </a:r>
+            <a:endParaRPr lang="en-US" altLang="zh-TW" dirty="0">
+              <a:latin typeface="+mn-ea"/>
+            </a:endParaRPr>
+          </a:p>
+          <a:p>
+            <a:r>
+              <a:rPr lang="zh-TW" altLang="en-US" dirty="0">
+                <a:latin typeface="+mn-ea"/>
+              </a:rPr>
+              <a:t>升級時，可以開 </a:t>
+            </a:r>
+            <a:r>
+              <a:rPr lang="en-US" altLang="zh-TW" dirty="0">
+                <a:latin typeface="+mn-ea"/>
+              </a:rPr>
+              <a:t>console log</a:t>
+            </a:r>
+            <a:r>
+              <a:rPr lang="zh-TW" altLang="en-US" dirty="0">
+                <a:latin typeface="+mn-ea"/>
+              </a:rPr>
+              <a:t> 確認</a:t>
+            </a:r>
+          </a:p>
+        </p:txBody>
+      </p:sp>
+    </p:spTree>
+    <p:extLst>
+      <p:ext uri="{BB962C8B-B14F-4D97-AF65-F5344CB8AC3E}">
+        <p14:creationId xmlns:p14="http://schemas.microsoft.com/office/powerpoint/2010/main" val="3703094740"/>
+      </p:ext>
+    </p:extLst>
+  </p:cSld>
+  <p:clrMapOvr>
+    <a:masterClrMapping/>
+  </p:clrMapOvr>
+</p:sld>
+</file>
+
+<file path=ppt/slides/slide6.xml><?xml version="1.0" encoding="utf-8"?>
+<p:sld xmlns:a="http://schemas.openxmlformats.org/drawingml/2006/main" xmlns:r="http://schemas.openxmlformats.org/officeDocument/2006/relationships" xmlns:p="http://schemas.openxmlformats.org/presentationml/2006/main">
+  <p:cSld>
+    <p:spTree>
+      <p:nvGrpSpPr>
+        <p:cNvPr id="1" name=""/>
+        <p:cNvGrpSpPr/>
+        <p:nvPr/>
+      </p:nvGrpSpPr>
+      <p:grpSpPr>
+        <a:xfrm>
+          <a:off x="0" y="0"/>
+          <a:ext cx="0" cy="0"/>
+          <a:chOff x="0" y="0"/>
+          <a:chExt cx="0" cy="0"/>
+        </a:xfrm>
+      </p:grpSpPr>
+      <p:sp>
+        <p:nvSpPr>
+          <p:cNvPr id="2" name="標題 1">
+            <a:extLst>
+              <a:ext uri="{FF2B5EF4-FFF2-40B4-BE49-F238E27FC236}">
+                <a16:creationId xmlns:a16="http://schemas.microsoft.com/office/drawing/2014/main" id="{F87B5199-3158-2376-A62B-B7121A90D286}"/>
+              </a:ext>
+            </a:extLst>
+          </p:cNvPr>
+          <p:cNvSpPr>
+            <a:spLocks noGrp="1"/>
+          </p:cNvSpPr>
+          <p:nvPr>
+            <p:ph type="title"/>
+          </p:nvPr>
+        </p:nvSpPr>
+        <p:spPr/>
+        <p:txBody>
+          <a:bodyPr/>
+          <a:lstStyle/>
+          <a:p>
+            <a:r>
+              <a:rPr lang="zh-TW" altLang="en-US" dirty="0">
+                <a:latin typeface="+mn-ea"/>
+              </a:rPr>
+              <a:t>如何順利遊玩的小訣竅</a:t>
+            </a:r>
+            <a:endParaRPr lang="zh-TW" altLang="en-US" dirty="0"/>
+          </a:p>
+        </p:txBody>
+      </p:sp>
+      <p:sp>
+        <p:nvSpPr>
+          <p:cNvPr id="3" name="內容版面配置區 2">
+            <a:extLst>
+              <a:ext uri="{FF2B5EF4-FFF2-40B4-BE49-F238E27FC236}">
+                <a16:creationId xmlns:a16="http://schemas.microsoft.com/office/drawing/2014/main" id="{86BD630A-31AF-EEB6-B436-F378CBC624BB}"/>
+              </a:ext>
+            </a:extLst>
+          </p:cNvPr>
+          <p:cNvSpPr>
+            <a:spLocks noGrp="1"/>
+          </p:cNvSpPr>
+          <p:nvPr>
+            <p:ph idx="1"/>
+          </p:nvPr>
+        </p:nvSpPr>
+        <p:spPr/>
+        <p:txBody>
+          <a:bodyPr/>
+          <a:lstStyle/>
+          <a:p>
+            <a:r>
+              <a:rPr lang="zh-TW" altLang="en-US" dirty="0">
+                <a:latin typeface="+mn-ea"/>
+              </a:rPr>
+              <a:t>在我方回合的時候，可以點擊敵方單位，確認敵方的</a:t>
+            </a:r>
+            <a:r>
+              <a:rPr lang="zh-TW" altLang="en-US" b="1" u="sng" dirty="0">
+                <a:latin typeface="+mn-ea"/>
+              </a:rPr>
+              <a:t>攻擊範圍</a:t>
+            </a:r>
+            <a:r>
+              <a:rPr lang="zh-TW" altLang="en-US" dirty="0">
+                <a:latin typeface="+mn-ea"/>
+              </a:rPr>
+              <a:t>（紅色格子），只有攻擊範圍內有我方單位時，敵人才會移動</a:t>
+            </a:r>
+            <a:endParaRPr lang="en-US" altLang="zh-TW" dirty="0">
+              <a:latin typeface="+mn-ea"/>
+            </a:endParaRPr>
+          </a:p>
+          <a:p>
+            <a:r>
+              <a:rPr lang="zh-TW" altLang="en-US" b="1" u="sng" dirty="0">
+                <a:latin typeface="+mn-ea"/>
+              </a:rPr>
+              <a:t>善用攻擊範圍</a:t>
+            </a:r>
+            <a:r>
+              <a:rPr lang="zh-TW" altLang="en-US" dirty="0">
+                <a:latin typeface="+mn-ea"/>
+              </a:rPr>
+              <a:t>，弓箭手、魔刃、僧侶等攻擊範圍為 </a:t>
+            </a:r>
+            <a:r>
+              <a:rPr lang="en-US" altLang="zh-TW" dirty="0">
+                <a:latin typeface="+mn-ea"/>
+              </a:rPr>
+              <a:t>2 </a:t>
+            </a:r>
+            <a:r>
+              <a:rPr lang="zh-TW" altLang="en-US" dirty="0">
+                <a:latin typeface="+mn-ea"/>
+              </a:rPr>
+              <a:t>的角色在打攻擊範圍為 </a:t>
+            </a:r>
+            <a:r>
+              <a:rPr lang="en-US" altLang="zh-TW" dirty="0">
+                <a:latin typeface="+mn-ea"/>
+              </a:rPr>
+              <a:t>1 </a:t>
+            </a:r>
+            <a:r>
+              <a:rPr lang="zh-TW" altLang="en-US" dirty="0">
+                <a:latin typeface="+mn-ea"/>
+              </a:rPr>
+              <a:t>的敵人時，敵人是</a:t>
+            </a:r>
+            <a:r>
+              <a:rPr lang="zh-TW" altLang="en-US" b="1" u="sng" dirty="0">
+                <a:latin typeface="+mn-ea"/>
+              </a:rPr>
+              <a:t>無法反擊</a:t>
+            </a:r>
+            <a:r>
+              <a:rPr lang="zh-TW" altLang="en-US" dirty="0">
+                <a:latin typeface="+mn-ea"/>
+              </a:rPr>
+              <a:t>的（反之亦然）</a:t>
+            </a:r>
+            <a:endParaRPr lang="en-US" altLang="zh-TW" dirty="0">
+              <a:latin typeface="+mn-ea"/>
+            </a:endParaRPr>
+          </a:p>
+          <a:p>
+            <a:r>
+              <a:rPr lang="zh-TW" altLang="en-US" dirty="0">
+                <a:latin typeface="+mn-ea"/>
+              </a:rPr>
+              <a:t>善用</a:t>
+            </a:r>
+            <a:r>
+              <a:rPr lang="zh-TW" altLang="en-US" b="1" u="sng" dirty="0">
+                <a:latin typeface="+mn-ea"/>
+              </a:rPr>
+              <a:t>引誘</a:t>
+            </a:r>
+            <a:r>
+              <a:rPr lang="zh-TW" altLang="en-US" dirty="0">
+                <a:latin typeface="+mn-ea"/>
+              </a:rPr>
+              <a:t>，只有攻擊範圍內有我方單位時，敵人才會移動，所以可以把敵人一個個分開處理</a:t>
+            </a:r>
+            <a:endParaRPr lang="en-US" altLang="zh-TW" dirty="0">
+              <a:latin typeface="+mn-ea"/>
+            </a:endParaRPr>
+          </a:p>
+          <a:p>
+            <a:r>
+              <a:rPr lang="zh-TW" altLang="en-US" b="1" u="sng" dirty="0">
+                <a:latin typeface="+mn-ea"/>
+              </a:rPr>
+              <a:t>角色一旦陣亡就再也回不來了</a:t>
+            </a:r>
+            <a:r>
+              <a:rPr lang="zh-TW" altLang="en-US" dirty="0">
+                <a:latin typeface="+mn-ea"/>
+              </a:rPr>
+              <a:t>，請小心</a:t>
+            </a:r>
+            <a:endParaRPr lang="en-US" altLang="zh-TW" dirty="0">
+              <a:latin typeface="+mn-ea"/>
+            </a:endParaRPr>
+          </a:p>
+          <a:p>
+            <a:r>
+              <a:rPr lang="zh-TW" altLang="en-US" dirty="0">
+                <a:latin typeface="+mn-ea"/>
+              </a:rPr>
+              <a:t>（</a:t>
+            </a:r>
+            <a:r>
+              <a:rPr lang="en-US" altLang="zh-TW" dirty="0" err="1">
+                <a:latin typeface="+mn-ea"/>
+              </a:rPr>
+              <a:t>Speedrun</a:t>
+            </a:r>
+            <a:r>
+              <a:rPr lang="zh-TW" altLang="en-US" dirty="0">
+                <a:latin typeface="+mn-ea"/>
+              </a:rPr>
+              <a:t> 打法：走下面那條路，然後經驗值都餵給召喚師，因為召喚師是 </a:t>
+            </a:r>
+            <a:r>
+              <a:rPr lang="en-US" altLang="zh-TW" dirty="0">
+                <a:latin typeface="+mn-ea"/>
+              </a:rPr>
+              <a:t>Lv. 4 </a:t>
+            </a:r>
+            <a:r>
+              <a:rPr lang="zh-TW" altLang="en-US" dirty="0">
+                <a:latin typeface="+mn-ea"/>
+              </a:rPr>
+              <a:t>開局）</a:t>
+            </a:r>
+            <a:endParaRPr lang="en-US" altLang="zh-TW" dirty="0">
+              <a:latin typeface="+mn-ea"/>
+            </a:endParaRPr>
+          </a:p>
+        </p:txBody>
+      </p:sp>
+    </p:spTree>
+    <p:extLst>
+      <p:ext uri="{BB962C8B-B14F-4D97-AF65-F5344CB8AC3E}">
+        <p14:creationId xmlns:p14="http://schemas.microsoft.com/office/powerpoint/2010/main" val="2097131005"/>
+      </p:ext>
+    </p:extLst>
+  </p:cSld>
+  <p:clrMapOvr>
+    <a:masterClrMapping/>
+  </p:clrMapOvr>
+</p:sld>
+</file>
+
+<file path=ppt/slides/slide7.xml><?xml version="1.0" encoding="utf-8"?>
+<p:sld xmlns:a="http://schemas.openxmlformats.org/drawingml/2006/main" xmlns:r="http://schemas.openxmlformats.org/officeDocument/2006/relationships" xmlns:p="http://schemas.openxmlformats.org/presentationml/2006/main">
+  <p:cSld>
+    <p:spTree>
+      <p:nvGrpSpPr>
+        <p:cNvPr id="1" name=""/>
+        <p:cNvGrpSpPr/>
+        <p:nvPr/>
+      </p:nvGrpSpPr>
+      <p:grpSpPr>
+        <a:xfrm>
+          <a:off x="0" y="0"/>
+          <a:ext cx="0" cy="0"/>
+          <a:chOff x="0" y="0"/>
+          <a:chExt cx="0" cy="0"/>
+        </a:xfrm>
+      </p:grpSpPr>
+      <p:sp>
+        <p:nvSpPr>
+          <p:cNvPr id="2" name="標題 1">
+            <a:extLst>
+              <a:ext uri="{FF2B5EF4-FFF2-40B4-BE49-F238E27FC236}">
+                <a16:creationId xmlns:a16="http://schemas.microsoft.com/office/drawing/2014/main" id="{57AC0562-81FC-3B7B-51C3-82876E53493D}"/>
+              </a:ext>
+            </a:extLst>
+          </p:cNvPr>
+          <p:cNvSpPr>
+            <a:spLocks noGrp="1"/>
+          </p:cNvSpPr>
+          <p:nvPr>
+            <p:ph type="title"/>
+          </p:nvPr>
+        </p:nvSpPr>
+        <p:spPr/>
+        <p:txBody>
+          <a:bodyPr/>
+          <a:lstStyle/>
+          <a:p>
+            <a:r>
+              <a:rPr lang="zh-TW" altLang="en-US" dirty="0"/>
+              <a:t>目前會遇到的 </a:t>
+            </a:r>
+            <a:r>
+              <a:rPr lang="en-US" altLang="zh-TW" dirty="0"/>
+              <a:t>bug</a:t>
+            </a:r>
+            <a:endParaRPr lang="zh-TW" altLang="en-US" dirty="0"/>
+          </a:p>
+        </p:txBody>
+      </p:sp>
+      <p:sp>
+        <p:nvSpPr>
+          <p:cNvPr id="3" name="內容版面配置區 2">
+            <a:extLst>
+              <a:ext uri="{FF2B5EF4-FFF2-40B4-BE49-F238E27FC236}">
+                <a16:creationId xmlns:a16="http://schemas.microsoft.com/office/drawing/2014/main" id="{41D7871F-416D-1398-8881-978629444C04}"/>
+              </a:ext>
+            </a:extLst>
+          </p:cNvPr>
+          <p:cNvSpPr>
+            <a:spLocks noGrp="1"/>
+          </p:cNvSpPr>
+          <p:nvPr>
+            <p:ph idx="1"/>
+          </p:nvPr>
+        </p:nvSpPr>
+        <p:spPr/>
+        <p:txBody>
+          <a:bodyPr/>
+          <a:lstStyle/>
+          <a:p>
+            <a:r>
+              <a:rPr lang="zh-TW" altLang="en-US" dirty="0"/>
+              <a:t>每個角色在該回合都只能移動和攻擊</a:t>
+            </a:r>
+            <a:r>
+              <a:rPr lang="zh-TW" altLang="en-US" b="1" u="sng" dirty="0"/>
+              <a:t>一次</a:t>
+            </a:r>
+            <a:endParaRPr lang="en-US" altLang="zh-TW" b="1" u="sng" dirty="0"/>
+          </a:p>
+          <a:p>
+            <a:r>
+              <a:rPr lang="zh-TW" altLang="en-US" b="1" u="sng" dirty="0"/>
+              <a:t>一定要移動</a:t>
+            </a:r>
+            <a:r>
+              <a:rPr lang="zh-TW" altLang="en-US" dirty="0"/>
+              <a:t>，所以如果要遊玩時，建議每個角色之間都留些空間</a:t>
+            </a:r>
+            <a:endParaRPr lang="en-US" altLang="zh-TW" dirty="0"/>
+          </a:p>
+          <a:p>
+            <a:r>
+              <a:rPr lang="en-US" altLang="zh-TW" dirty="0"/>
+              <a:t>Console log</a:t>
+            </a:r>
+            <a:r>
+              <a:rPr lang="zh-TW" altLang="en-US" dirty="0"/>
+              <a:t> 會出 </a:t>
+            </a:r>
+            <a:r>
+              <a:rPr lang="en-US" altLang="zh-TW" dirty="0"/>
+              <a:t>error</a:t>
+            </a:r>
+            <a:r>
+              <a:rPr lang="zh-TW" altLang="en-US" dirty="0"/>
+              <a:t>，但不影響整體遊戲（主要是在更新角色數據時，</a:t>
+            </a:r>
+            <a:r>
+              <a:rPr lang="en-US" altLang="zh-TW" dirty="0" err="1"/>
+              <a:t>mousehover</a:t>
+            </a:r>
+            <a:r>
+              <a:rPr lang="zh-TW" altLang="en-US" dirty="0"/>
+              <a:t> 會出問題，只要點擊該角色就可以正常跑）</a:t>
+            </a:r>
+            <a:endParaRPr lang="en-US" altLang="zh-TW" dirty="0"/>
+          </a:p>
+          <a:p>
+            <a:r>
+              <a:rPr lang="zh-TW" altLang="en-US" dirty="0"/>
+              <a:t>腳色會穿牆（如果你走男三女二宿舍那條路就會知道）</a:t>
+            </a:r>
+          </a:p>
+        </p:txBody>
+      </p:sp>
+    </p:spTree>
+    <p:extLst>
+      <p:ext uri="{BB962C8B-B14F-4D97-AF65-F5344CB8AC3E}">
+        <p14:creationId xmlns:p14="http://schemas.microsoft.com/office/powerpoint/2010/main" val="311784535"/>
+      </p:ext>
+    </p:extLst>
+  </p:cSld>
+  <p:clrMapOvr>
+    <a:masterClrMapping/>
+  </p:clrMapOvr>
+</p:sld>
+</file>
+
+<file path=ppt/slides/slide8.xml><?xml version="1.0" encoding="utf-8"?>
+<p:sld xmlns:a="http://schemas.openxmlformats.org/drawingml/2006/main" xmlns:r="http://schemas.openxmlformats.org/officeDocument/2006/relationships" xmlns:p="http://schemas.openxmlformats.org/presentationml/2006/main">
+  <p:cSld>
+    <p:spTree>
+      <p:nvGrpSpPr>
+        <p:cNvPr id="1" name=""/>
+        <p:cNvGrpSpPr/>
+        <p:nvPr/>
+      </p:nvGrpSpPr>
+      <p:grpSpPr>
+        <a:xfrm>
+          <a:off x="0" y="0"/>
+          <a:ext cx="0" cy="0"/>
+          <a:chOff x="0" y="0"/>
+          <a:chExt cx="0" cy="0"/>
+        </a:xfrm>
+      </p:grpSpPr>
+      <p:sp>
+        <p:nvSpPr>
+          <p:cNvPr id="2" name="標題 1">
+            <a:extLst>
+              <a:ext uri="{FF2B5EF4-FFF2-40B4-BE49-F238E27FC236}">
+                <a16:creationId xmlns:a16="http://schemas.microsoft.com/office/drawing/2014/main" id="{2F85DBFB-903C-D631-4C18-81796594BC66}"/>
+              </a:ext>
+            </a:extLst>
+          </p:cNvPr>
+          <p:cNvSpPr>
+            <a:spLocks noGrp="1"/>
+          </p:cNvSpPr>
+          <p:nvPr>
+            <p:ph type="title"/>
+          </p:nvPr>
+        </p:nvSpPr>
+        <p:spPr/>
+        <p:txBody>
+          <a:bodyPr/>
+          <a:lstStyle/>
+          <a:p>
+            <a:r>
+              <a:rPr lang="zh-TW" altLang="en-US" dirty="0"/>
+              <a:t>開發過程遇到的困難與解決辦法</a:t>
+            </a:r>
+          </a:p>
+        </p:txBody>
+      </p:sp>
+      <p:sp>
+        <p:nvSpPr>
+          <p:cNvPr id="3" name="內容版面配置區 2">
+            <a:extLst>
+              <a:ext uri="{FF2B5EF4-FFF2-40B4-BE49-F238E27FC236}">
+                <a16:creationId xmlns:a16="http://schemas.microsoft.com/office/drawing/2014/main" id="{AC93AFA2-910A-426C-87BC-359D51E0C231}"/>
+              </a:ext>
+            </a:extLst>
+          </p:cNvPr>
+          <p:cNvSpPr>
+            <a:spLocks noGrp="1"/>
+          </p:cNvSpPr>
+          <p:nvPr>
+            <p:ph idx="1"/>
+          </p:nvPr>
+        </p:nvSpPr>
+        <p:spPr/>
+        <p:txBody>
+          <a:bodyPr/>
+          <a:lstStyle/>
+          <a:p>
+            <a:r>
+              <a:rPr lang="zh-TW" altLang="en-US" dirty="0"/>
+              <a:t>由於遊戲中的技能有分成 攻擊、受到攻擊 時，還有 回合開始、戰鬥開始、戰鬥中 會發動的技能，因此需要寫 </a:t>
+            </a:r>
+            <a:r>
+              <a:rPr lang="en-US" altLang="zh-TW" dirty="0"/>
+              <a:t>4 </a:t>
+            </a:r>
+            <a:r>
+              <a:rPr lang="zh-TW" altLang="en-US" dirty="0"/>
+              <a:t>個攻擊函式 </a:t>
+            </a:r>
+          </a:p>
+        </p:txBody>
+      </p:sp>
+    </p:spTree>
+    <p:extLst>
+      <p:ext uri="{BB962C8B-B14F-4D97-AF65-F5344CB8AC3E}">
+        <p14:creationId xmlns:p14="http://schemas.microsoft.com/office/powerpoint/2010/main" val="40944430"/>
+      </p:ext>
+    </p:extLst>
+  </p:cSld>
+  <p:clrMapOvr>
+    <a:masterClrMapping/>
+  </p:clrMapOvr>
+</p:sld>
+</file>
+
+<file path=ppt/slides/slide9.xml><?xml version="1.0" encoding="utf-8"?>
+<p:sld xmlns:a="http://schemas.openxmlformats.org/drawingml/2006/main" xmlns:r="http://schemas.openxmlformats.org/officeDocument/2006/relationships" xmlns:p="http://schemas.openxmlformats.org/presentationml/2006/main">
+  <p:cSld>
+    <p:spTree>
+      <p:nvGrpSpPr>
+        <p:cNvPr id="1" name=""/>
+        <p:cNvGrpSpPr/>
+        <p:nvPr/>
+      </p:nvGrpSpPr>
+      <p:grpSpPr>
+        <a:xfrm>
+          <a:off x="0" y="0"/>
+          <a:ext cx="0" cy="0"/>
+          <a:chOff x="0" y="0"/>
+          <a:chExt cx="0" cy="0"/>
+        </a:xfrm>
+      </p:grpSpPr>
+      <p:sp>
+        <p:nvSpPr>
+          <p:cNvPr id="2" name="標題 1">
+            <a:extLst>
+              <a:ext uri="{FF2B5EF4-FFF2-40B4-BE49-F238E27FC236}">
+                <a16:creationId xmlns:a16="http://schemas.microsoft.com/office/drawing/2014/main" id="{D581953E-D7D2-8901-05A8-63F97D4B789C}"/>
+              </a:ext>
+            </a:extLst>
+          </p:cNvPr>
+          <p:cNvSpPr>
+            <a:spLocks noGrp="1"/>
+          </p:cNvSpPr>
+          <p:nvPr>
+            <p:ph type="title"/>
+          </p:nvPr>
+        </p:nvSpPr>
+        <p:spPr/>
+        <p:txBody>
+          <a:bodyPr/>
+          <a:lstStyle/>
+          <a:p>
+            <a:r>
+              <a:rPr lang="zh-TW" altLang="en-US" dirty="0"/>
+              <a:t>期末展示後新增的內容</a:t>
+            </a:r>
+          </a:p>
+        </p:txBody>
+      </p:sp>
+      <p:sp>
+        <p:nvSpPr>
+          <p:cNvPr id="3" name="內容版面配置區 2">
+            <a:extLst>
+              <a:ext uri="{FF2B5EF4-FFF2-40B4-BE49-F238E27FC236}">
+                <a16:creationId xmlns:a16="http://schemas.microsoft.com/office/drawing/2014/main" id="{74141CD0-1BE0-4EE8-B0F7-F48FD8E1386C}"/>
+              </a:ext>
+            </a:extLst>
+          </p:cNvPr>
+          <p:cNvSpPr>
+            <a:spLocks noGrp="1"/>
+          </p:cNvSpPr>
+          <p:nvPr>
+            <p:ph idx="1"/>
+          </p:nvPr>
+        </p:nvSpPr>
+        <p:spPr/>
+        <p:txBody>
+          <a:bodyPr/>
+          <a:lstStyle/>
+          <a:p>
+            <a:r>
+              <a:rPr lang="zh-TW" altLang="en-US" dirty="0"/>
+              <a:t>攻擊音效與背景音樂</a:t>
+            </a:r>
+            <a:endParaRPr lang="en-US" altLang="zh-TW" dirty="0"/>
+          </a:p>
+          <a:p>
+            <a:r>
+              <a:rPr lang="zh-TW" altLang="en-US" dirty="0"/>
+              <a:t>外部資料庫</a:t>
+            </a:r>
+          </a:p>
+        </p:txBody>
+      </p:sp>
+    </p:spTree>
+    <p:extLst>
+      <p:ext uri="{BB962C8B-B14F-4D97-AF65-F5344CB8AC3E}">
+        <p14:creationId xmlns:p14="http://schemas.microsoft.com/office/powerpoint/2010/main" val="1945535128"/>
       </p:ext>
     </p:extLst>
   </p:cSld>
